--- a/Experiments/PercAct - Exam/Stimuli and concept.pptx
+++ b/Experiments/PercAct - Exam/Stimuli and concept.pptx
@@ -5,15 +5,16 @@
     <p:sldMasterId id="2147483648" r:id="rId4"/>
   </p:sldMasterIdLst>
   <p:notesMasterIdLst>
-    <p:notesMasterId r:id="rId8"/>
+    <p:notesMasterId r:id="rId9"/>
   </p:notesMasterIdLst>
   <p:handoutMasterIdLst>
-    <p:handoutMasterId r:id="rId9"/>
+    <p:handoutMasterId r:id="rId10"/>
   </p:handoutMasterIdLst>
   <p:sldIdLst>
     <p:sldId id="256" r:id="rId5"/>
     <p:sldId id="271" r:id="rId6"/>
-    <p:sldId id="270" r:id="rId7"/>
+    <p:sldId id="272" r:id="rId7"/>
+    <p:sldId id="270" r:id="rId8"/>
   </p:sldIdLst>
   <p:sldSz cx="12192000" cy="6858000"/>
   <p:notesSz cx="6858000" cy="9144000"/>
@@ -121,6 +122,1169 @@
     </p:ext>
   </p:extLst>
 </p:presentation>
+</file>
+
+<file path=ppt/revisionInfo.xml><?xml version="1.0" encoding="utf-8"?>
+<p1510:revInfo xmlns:a="http://schemas.openxmlformats.org/drawingml/2006/main" xmlns:r="http://schemas.openxmlformats.org/officeDocument/2006/relationships" xmlns:p1510="http://schemas.microsoft.com/office/powerpoint/2015/10/main">
+  <p1510:revLst>
+    <p1510:client id="{1E89B219-3BCB-4B40-B85F-99C37FE5B570}" v="35" dt="2023-01-02T16:48:13.449"/>
+  </p1510:revLst>
+</p1510:revInfo>
+</file>
+
+<file path=ppt/changesInfos/changesInfo1.xml><?xml version="1.0" encoding="utf-8"?>
+<pc:chgInfo xmlns:a="http://schemas.openxmlformats.org/drawingml/2006/main" xmlns:r="http://schemas.openxmlformats.org/officeDocument/2006/relationships" xmlns:ac="http://schemas.microsoft.com/office/drawing/2013/main/command" xmlns:pc="http://schemas.microsoft.com/office/powerpoint/2013/main/command">
+  <pc:docChgLst>
+    <pc:chgData name="Laurits Wieslander Lyngbæk" userId="5b145d83-88ad-4e24-ae77-3c6a2a84db4d" providerId="ADAL" clId="{1E89B219-3BCB-4B40-B85F-99C37FE5B570}"/>
+    <pc:docChg chg="undo redo custSel addSld modSld sldOrd">
+      <pc:chgData name="Laurits Wieslander Lyngbæk" userId="5b145d83-88ad-4e24-ae77-3c6a2a84db4d" providerId="ADAL" clId="{1E89B219-3BCB-4B40-B85F-99C37FE5B570}" dt="2023-01-03T10:39:00.406" v="493" actId="20577"/>
+      <pc:docMkLst>
+        <pc:docMk/>
+      </pc:docMkLst>
+      <pc:sldChg chg="modSp mod">
+        <pc:chgData name="Laurits Wieslander Lyngbæk" userId="5b145d83-88ad-4e24-ae77-3c6a2a84db4d" providerId="ADAL" clId="{1E89B219-3BCB-4B40-B85F-99C37FE5B570}" dt="2023-01-02T16:26:52.145" v="122" actId="1076"/>
+        <pc:sldMkLst>
+          <pc:docMk/>
+          <pc:sldMk cId="2896385493" sldId="270"/>
+        </pc:sldMkLst>
+        <pc:graphicFrameChg chg="mod">
+          <ac:chgData name="Laurits Wieslander Lyngbæk" userId="5b145d83-88ad-4e24-ae77-3c6a2a84db4d" providerId="ADAL" clId="{1E89B219-3BCB-4B40-B85F-99C37FE5B570}" dt="2023-01-02T16:20:44.104" v="0"/>
+          <ac:graphicFrameMkLst>
+            <pc:docMk/>
+            <pc:sldMk cId="2896385493" sldId="270"/>
+            <ac:graphicFrameMk id="33" creationId="{7BC1F95D-CCD2-421B-B06B-706699FAAD5D}"/>
+          </ac:graphicFrameMkLst>
+        </pc:graphicFrameChg>
+        <pc:picChg chg="mod">
+          <ac:chgData name="Laurits Wieslander Lyngbæk" userId="5b145d83-88ad-4e24-ae77-3c6a2a84db4d" providerId="ADAL" clId="{1E89B219-3BCB-4B40-B85F-99C37FE5B570}" dt="2023-01-02T16:26:52.145" v="122" actId="1076"/>
+          <ac:picMkLst>
+            <pc:docMk/>
+            <pc:sldMk cId="2896385493" sldId="270"/>
+            <ac:picMk id="20" creationId="{6E459199-E6A8-1C36-C5F4-E545A5B55783}"/>
+          </ac:picMkLst>
+        </pc:picChg>
+      </pc:sldChg>
+      <pc:sldChg chg="addSp delSp modSp mod">
+        <pc:chgData name="Laurits Wieslander Lyngbæk" userId="5b145d83-88ad-4e24-ae77-3c6a2a84db4d" providerId="ADAL" clId="{1E89B219-3BCB-4B40-B85F-99C37FE5B570}" dt="2023-01-03T10:39:00.406" v="493" actId="20577"/>
+        <pc:sldMkLst>
+          <pc:docMk/>
+          <pc:sldMk cId="1775946418" sldId="271"/>
+        </pc:sldMkLst>
+        <pc:spChg chg="del mod">
+          <ac:chgData name="Laurits Wieslander Lyngbæk" userId="5b145d83-88ad-4e24-ae77-3c6a2a84db4d" providerId="ADAL" clId="{1E89B219-3BCB-4B40-B85F-99C37FE5B570}" dt="2023-01-02T16:35:07.512" v="181" actId="478"/>
+          <ac:spMkLst>
+            <pc:docMk/>
+            <pc:sldMk cId="1775946418" sldId="271"/>
+            <ac:spMk id="2" creationId="{A43D07E3-4DA1-9EBC-902B-14B1F8E1A980}"/>
+          </ac:spMkLst>
+        </pc:spChg>
+        <pc:spChg chg="add mod">
+          <ac:chgData name="Laurits Wieslander Lyngbæk" userId="5b145d83-88ad-4e24-ae77-3c6a2a84db4d" providerId="ADAL" clId="{1E89B219-3BCB-4B40-B85F-99C37FE5B570}" dt="2023-01-02T16:22:42.540" v="20" actId="164"/>
+          <ac:spMkLst>
+            <pc:docMk/>
+            <pc:sldMk cId="1775946418" sldId="271"/>
+            <ac:spMk id="3" creationId="{BF9DEF7D-CA3F-0BB6-2F47-6A13AEDA1F2A}"/>
+          </ac:spMkLst>
+        </pc:spChg>
+        <pc:spChg chg="mod">
+          <ac:chgData name="Laurits Wieslander Lyngbæk" userId="5b145d83-88ad-4e24-ae77-3c6a2a84db4d" providerId="ADAL" clId="{1E89B219-3BCB-4B40-B85F-99C37FE5B570}" dt="2023-01-02T16:35:18.236" v="200" actId="20577"/>
+          <ac:spMkLst>
+            <pc:docMk/>
+            <pc:sldMk cId="1775946418" sldId="271"/>
+            <ac:spMk id="4" creationId="{A2DF17A6-4622-5804-85F1-C0F236F45534}"/>
+          </ac:spMkLst>
+        </pc:spChg>
+        <pc:spChg chg="mod">
+          <ac:chgData name="Laurits Wieslander Lyngbæk" userId="5b145d83-88ad-4e24-ae77-3c6a2a84db4d" providerId="ADAL" clId="{1E89B219-3BCB-4B40-B85F-99C37FE5B570}" dt="2023-01-02T16:35:13.376" v="198" actId="6549"/>
+          <ac:spMkLst>
+            <pc:docMk/>
+            <pc:sldMk cId="1775946418" sldId="271"/>
+            <ac:spMk id="6" creationId="{BD47348F-48D7-6D98-F749-45CC019861D5}"/>
+          </ac:spMkLst>
+        </pc:spChg>
+        <pc:spChg chg="mod">
+          <ac:chgData name="Laurits Wieslander Lyngbæk" userId="5b145d83-88ad-4e24-ae77-3c6a2a84db4d" providerId="ADAL" clId="{1E89B219-3BCB-4B40-B85F-99C37FE5B570}" dt="2023-01-02T16:22:02.820" v="14" actId="165"/>
+          <ac:spMkLst>
+            <pc:docMk/>
+            <pc:sldMk cId="1775946418" sldId="271"/>
+            <ac:spMk id="8" creationId="{3E53FE23-EFB9-B8F6-E398-B6D66192C633}"/>
+          </ac:spMkLst>
+        </pc:spChg>
+        <pc:spChg chg="mod">
+          <ac:chgData name="Laurits Wieslander Lyngbæk" userId="5b145d83-88ad-4e24-ae77-3c6a2a84db4d" providerId="ADAL" clId="{1E89B219-3BCB-4B40-B85F-99C37FE5B570}" dt="2023-01-02T16:22:02.820" v="14" actId="165"/>
+          <ac:spMkLst>
+            <pc:docMk/>
+            <pc:sldMk cId="1775946418" sldId="271"/>
+            <ac:spMk id="11" creationId="{42F7E7DE-BB7A-7530-B1E0-E75783E0E78A}"/>
+          </ac:spMkLst>
+        </pc:spChg>
+        <pc:spChg chg="mod">
+          <ac:chgData name="Laurits Wieslander Lyngbæk" userId="5b145d83-88ad-4e24-ae77-3c6a2a84db4d" providerId="ADAL" clId="{1E89B219-3BCB-4B40-B85F-99C37FE5B570}" dt="2023-01-02T16:22:02.820" v="14" actId="165"/>
+          <ac:spMkLst>
+            <pc:docMk/>
+            <pc:sldMk cId="1775946418" sldId="271"/>
+            <ac:spMk id="14" creationId="{4F07F882-FE45-D4AC-A325-F63C500D2DD1}"/>
+          </ac:spMkLst>
+        </pc:spChg>
+        <pc:spChg chg="mod">
+          <ac:chgData name="Laurits Wieslander Lyngbæk" userId="5b145d83-88ad-4e24-ae77-3c6a2a84db4d" providerId="ADAL" clId="{1E89B219-3BCB-4B40-B85F-99C37FE5B570}" dt="2023-01-02T16:22:02.820" v="14" actId="165"/>
+          <ac:spMkLst>
+            <pc:docMk/>
+            <pc:sldMk cId="1775946418" sldId="271"/>
+            <ac:spMk id="15" creationId="{8773B10D-DF26-7D93-38BB-FFAE9426765E}"/>
+          </ac:spMkLst>
+        </pc:spChg>
+        <pc:spChg chg="add mod">
+          <ac:chgData name="Laurits Wieslander Lyngbæk" userId="5b145d83-88ad-4e24-ae77-3c6a2a84db4d" providerId="ADAL" clId="{1E89B219-3BCB-4B40-B85F-99C37FE5B570}" dt="2023-01-02T16:26:49.743" v="121" actId="1076"/>
+          <ac:spMkLst>
+            <pc:docMk/>
+            <pc:sldMk cId="1775946418" sldId="271"/>
+            <ac:spMk id="16" creationId="{176E4D40-389C-24BF-3113-0FEE96129D96}"/>
+          </ac:spMkLst>
+        </pc:spChg>
+        <pc:spChg chg="add mod">
+          <ac:chgData name="Laurits Wieslander Lyngbæk" userId="5b145d83-88ad-4e24-ae77-3c6a2a84db4d" providerId="ADAL" clId="{1E89B219-3BCB-4B40-B85F-99C37FE5B570}" dt="2023-01-02T16:31:24.968" v="126" actId="1076"/>
+          <ac:spMkLst>
+            <pc:docMk/>
+            <pc:sldMk cId="1775946418" sldId="271"/>
+            <ac:spMk id="20" creationId="{0539868A-5CAE-73CA-B1EC-48764C559A84}"/>
+          </ac:spMkLst>
+        </pc:spChg>
+        <pc:spChg chg="add mod">
+          <ac:chgData name="Laurits Wieslander Lyngbæk" userId="5b145d83-88ad-4e24-ae77-3c6a2a84db4d" providerId="ADAL" clId="{1E89B219-3BCB-4B40-B85F-99C37FE5B570}" dt="2023-01-02T16:31:24.968" v="126" actId="1076"/>
+          <ac:spMkLst>
+            <pc:docMk/>
+            <pc:sldMk cId="1775946418" sldId="271"/>
+            <ac:spMk id="21" creationId="{7C125F6C-FD61-11B1-01CD-2E74C4FAFA42}"/>
+          </ac:spMkLst>
+        </pc:spChg>
+        <pc:spChg chg="add mod">
+          <ac:chgData name="Laurits Wieslander Lyngbæk" userId="5b145d83-88ad-4e24-ae77-3c6a2a84db4d" providerId="ADAL" clId="{1E89B219-3BCB-4B40-B85F-99C37FE5B570}" dt="2023-01-02T16:31:24.968" v="126" actId="1076"/>
+          <ac:spMkLst>
+            <pc:docMk/>
+            <pc:sldMk cId="1775946418" sldId="271"/>
+            <ac:spMk id="22" creationId="{EC78D840-4DB9-99B2-30C8-9A1042DEEF48}"/>
+          </ac:spMkLst>
+        </pc:spChg>
+        <pc:spChg chg="add mod">
+          <ac:chgData name="Laurits Wieslander Lyngbæk" userId="5b145d83-88ad-4e24-ae77-3c6a2a84db4d" providerId="ADAL" clId="{1E89B219-3BCB-4B40-B85F-99C37FE5B570}" dt="2023-01-02T16:31:24.968" v="126" actId="1076"/>
+          <ac:spMkLst>
+            <pc:docMk/>
+            <pc:sldMk cId="1775946418" sldId="271"/>
+            <ac:spMk id="24" creationId="{937AC963-CA6F-C57E-2513-35B673DFB8A0}"/>
+          </ac:spMkLst>
+        </pc:spChg>
+        <pc:spChg chg="add mod">
+          <ac:chgData name="Laurits Wieslander Lyngbæk" userId="5b145d83-88ad-4e24-ae77-3c6a2a84db4d" providerId="ADAL" clId="{1E89B219-3BCB-4B40-B85F-99C37FE5B570}" dt="2023-01-02T16:31:24.968" v="126" actId="1076"/>
+          <ac:spMkLst>
+            <pc:docMk/>
+            <pc:sldMk cId="1775946418" sldId="271"/>
+            <ac:spMk id="25" creationId="{C6BF60C2-FBB9-7AB7-02CF-6D2346320AC4}"/>
+          </ac:spMkLst>
+        </pc:spChg>
+        <pc:spChg chg="add mod">
+          <ac:chgData name="Laurits Wieslander Lyngbæk" userId="5b145d83-88ad-4e24-ae77-3c6a2a84db4d" providerId="ADAL" clId="{1E89B219-3BCB-4B40-B85F-99C37FE5B570}" dt="2023-01-02T16:33:25.676" v="160" actId="20577"/>
+          <ac:spMkLst>
+            <pc:docMk/>
+            <pc:sldMk cId="1775946418" sldId="271"/>
+            <ac:spMk id="28" creationId="{D685B38D-1F01-78B0-D8A1-CC44143718F6}"/>
+          </ac:spMkLst>
+        </pc:spChg>
+        <pc:spChg chg="add mod">
+          <ac:chgData name="Laurits Wieslander Lyngbæk" userId="5b145d83-88ad-4e24-ae77-3c6a2a84db4d" providerId="ADAL" clId="{1E89B219-3BCB-4B40-B85F-99C37FE5B570}" dt="2023-01-03T10:39:00.406" v="493" actId="20577"/>
+          <ac:spMkLst>
+            <pc:docMk/>
+            <pc:sldMk cId="1775946418" sldId="271"/>
+            <ac:spMk id="29" creationId="{386F8740-7F0A-7FF1-60D8-2F7C0F353B69}"/>
+          </ac:spMkLst>
+        </pc:spChg>
+        <pc:spChg chg="add mod">
+          <ac:chgData name="Laurits Wieslander Lyngbæk" userId="5b145d83-88ad-4e24-ae77-3c6a2a84db4d" providerId="ADAL" clId="{1E89B219-3BCB-4B40-B85F-99C37FE5B570}" dt="2023-01-02T16:34:12.249" v="177" actId="1076"/>
+          <ac:spMkLst>
+            <pc:docMk/>
+            <pc:sldMk cId="1775946418" sldId="271"/>
+            <ac:spMk id="30" creationId="{F785869F-86CC-55E2-4B4B-85CE6FDF1F35}"/>
+          </ac:spMkLst>
+        </pc:spChg>
+        <pc:spChg chg="add mod">
+          <ac:chgData name="Laurits Wieslander Lyngbæk" userId="5b145d83-88ad-4e24-ae77-3c6a2a84db4d" providerId="ADAL" clId="{1E89B219-3BCB-4B40-B85F-99C37FE5B570}" dt="2023-01-02T16:34:46.807" v="180" actId="1076"/>
+          <ac:spMkLst>
+            <pc:docMk/>
+            <pc:sldMk cId="1775946418" sldId="271"/>
+            <ac:spMk id="31" creationId="{4B970024-F021-F917-0B8B-FD8958B3E3EC}"/>
+          </ac:spMkLst>
+        </pc:spChg>
+        <pc:spChg chg="add del mod">
+          <ac:chgData name="Laurits Wieslander Lyngbæk" userId="5b145d83-88ad-4e24-ae77-3c6a2a84db4d" providerId="ADAL" clId="{1E89B219-3BCB-4B40-B85F-99C37FE5B570}" dt="2023-01-02T16:35:22.399" v="201" actId="478"/>
+          <ac:spMkLst>
+            <pc:docMk/>
+            <pc:sldMk cId="1775946418" sldId="271"/>
+            <ac:spMk id="33" creationId="{B1E85486-D453-EBFE-9D3F-9658EB0C95B3}"/>
+          </ac:spMkLst>
+        </pc:spChg>
+        <pc:spChg chg="mod topLvl">
+          <ac:chgData name="Laurits Wieslander Lyngbæk" userId="5b145d83-88ad-4e24-ae77-3c6a2a84db4d" providerId="ADAL" clId="{1E89B219-3BCB-4B40-B85F-99C37FE5B570}" dt="2023-01-02T16:38:05.266" v="248" actId="165"/>
+          <ac:spMkLst>
+            <pc:docMk/>
+            <pc:sldMk cId="1775946418" sldId="271"/>
+            <ac:spMk id="35" creationId="{66351D78-8533-A31E-EB3C-20A7F86F60F8}"/>
+          </ac:spMkLst>
+        </pc:spChg>
+        <pc:spChg chg="mod topLvl">
+          <ac:chgData name="Laurits Wieslander Lyngbæk" userId="5b145d83-88ad-4e24-ae77-3c6a2a84db4d" providerId="ADAL" clId="{1E89B219-3BCB-4B40-B85F-99C37FE5B570}" dt="2023-01-02T16:38:05.266" v="248" actId="165"/>
+          <ac:spMkLst>
+            <pc:docMk/>
+            <pc:sldMk cId="1775946418" sldId="271"/>
+            <ac:spMk id="36" creationId="{AEAEA43D-E96E-3774-1C53-2C7A1EDCA662}"/>
+          </ac:spMkLst>
+        </pc:spChg>
+        <pc:spChg chg="mod topLvl">
+          <ac:chgData name="Laurits Wieslander Lyngbæk" userId="5b145d83-88ad-4e24-ae77-3c6a2a84db4d" providerId="ADAL" clId="{1E89B219-3BCB-4B40-B85F-99C37FE5B570}" dt="2023-01-02T16:38:05.266" v="248" actId="165"/>
+          <ac:spMkLst>
+            <pc:docMk/>
+            <pc:sldMk cId="1775946418" sldId="271"/>
+            <ac:spMk id="37" creationId="{6F10BF5C-092D-AC85-4435-F763F625CD4F}"/>
+          </ac:spMkLst>
+        </pc:spChg>
+        <pc:spChg chg="mod">
+          <ac:chgData name="Laurits Wieslander Lyngbæk" userId="5b145d83-88ad-4e24-ae77-3c6a2a84db4d" providerId="ADAL" clId="{1E89B219-3BCB-4B40-B85F-99C37FE5B570}" dt="2023-01-02T16:22:02.820" v="14" actId="165"/>
+          <ac:spMkLst>
+            <pc:docMk/>
+            <pc:sldMk cId="1775946418" sldId="271"/>
+            <ac:spMk id="39" creationId="{B9BBA8EF-E574-EB3A-4347-F0F970AFFB03}"/>
+          </ac:spMkLst>
+        </pc:spChg>
+        <pc:spChg chg="mod">
+          <ac:chgData name="Laurits Wieslander Lyngbæk" userId="5b145d83-88ad-4e24-ae77-3c6a2a84db4d" providerId="ADAL" clId="{1E89B219-3BCB-4B40-B85F-99C37FE5B570}" dt="2023-01-02T16:22:02.820" v="14" actId="165"/>
+          <ac:spMkLst>
+            <pc:docMk/>
+            <pc:sldMk cId="1775946418" sldId="271"/>
+            <ac:spMk id="40" creationId="{65871663-BACF-F1AA-7A61-9B2F4FC7BC51}"/>
+          </ac:spMkLst>
+        </pc:spChg>
+        <pc:spChg chg="mod">
+          <ac:chgData name="Laurits Wieslander Lyngbæk" userId="5b145d83-88ad-4e24-ae77-3c6a2a84db4d" providerId="ADAL" clId="{1E89B219-3BCB-4B40-B85F-99C37FE5B570}" dt="2023-01-02T16:22:02.820" v="14" actId="165"/>
+          <ac:spMkLst>
+            <pc:docMk/>
+            <pc:sldMk cId="1775946418" sldId="271"/>
+            <ac:spMk id="45" creationId="{45E50F75-89B3-3D9A-5B39-29C691F255A5}"/>
+          </ac:spMkLst>
+        </pc:spChg>
+        <pc:spChg chg="mod">
+          <ac:chgData name="Laurits Wieslander Lyngbæk" userId="5b145d83-88ad-4e24-ae77-3c6a2a84db4d" providerId="ADAL" clId="{1E89B219-3BCB-4B40-B85F-99C37FE5B570}" dt="2023-01-02T16:22:02.820" v="14" actId="165"/>
+          <ac:spMkLst>
+            <pc:docMk/>
+            <pc:sldMk cId="1775946418" sldId="271"/>
+            <ac:spMk id="46" creationId="{2FA628FE-BA13-AC7A-3931-1E7C5FC74044}"/>
+          </ac:spMkLst>
+        </pc:spChg>
+        <pc:spChg chg="mod">
+          <ac:chgData name="Laurits Wieslander Lyngbæk" userId="5b145d83-88ad-4e24-ae77-3c6a2a84db4d" providerId="ADAL" clId="{1E89B219-3BCB-4B40-B85F-99C37FE5B570}" dt="2023-01-02T16:22:02.820" v="14" actId="165"/>
+          <ac:spMkLst>
+            <pc:docMk/>
+            <pc:sldMk cId="1775946418" sldId="271"/>
+            <ac:spMk id="47" creationId="{71069530-8BA2-EDF1-81A7-37C3EC1DD84D}"/>
+          </ac:spMkLst>
+        </pc:spChg>
+        <pc:spChg chg="mod">
+          <ac:chgData name="Laurits Wieslander Lyngbæk" userId="5b145d83-88ad-4e24-ae77-3c6a2a84db4d" providerId="ADAL" clId="{1E89B219-3BCB-4B40-B85F-99C37FE5B570}" dt="2023-01-02T16:22:02.820" v="14" actId="165"/>
+          <ac:spMkLst>
+            <pc:docMk/>
+            <pc:sldMk cId="1775946418" sldId="271"/>
+            <ac:spMk id="48" creationId="{39031337-033B-2A75-84BD-86B2920644F1}"/>
+          </ac:spMkLst>
+        </pc:spChg>
+        <pc:spChg chg="del">
+          <ac:chgData name="Laurits Wieslander Lyngbæk" userId="5b145d83-88ad-4e24-ae77-3c6a2a84db4d" providerId="ADAL" clId="{1E89B219-3BCB-4B40-B85F-99C37FE5B570}" dt="2023-01-02T16:21:22.954" v="9" actId="478"/>
+          <ac:spMkLst>
+            <pc:docMk/>
+            <pc:sldMk cId="1775946418" sldId="271"/>
+            <ac:spMk id="50" creationId="{344537A2-E0EF-1749-2BF0-D9FBC9F8D0D3}"/>
+          </ac:spMkLst>
+        </pc:spChg>
+        <pc:spChg chg="del mod">
+          <ac:chgData name="Laurits Wieslander Lyngbæk" userId="5b145d83-88ad-4e24-ae77-3c6a2a84db4d" providerId="ADAL" clId="{1E89B219-3BCB-4B40-B85F-99C37FE5B570}" dt="2023-01-02T16:21:09.796" v="3" actId="478"/>
+          <ac:spMkLst>
+            <pc:docMk/>
+            <pc:sldMk cId="1775946418" sldId="271"/>
+            <ac:spMk id="51" creationId="{D4D6E9EF-231D-2C14-9066-71D30A8AE17A}"/>
+          </ac:spMkLst>
+        </pc:spChg>
+        <pc:spChg chg="mod">
+          <ac:chgData name="Laurits Wieslander Lyngbæk" userId="5b145d83-88ad-4e24-ae77-3c6a2a84db4d" providerId="ADAL" clId="{1E89B219-3BCB-4B40-B85F-99C37FE5B570}" dt="2023-01-02T16:26:17.368" v="115" actId="164"/>
+          <ac:spMkLst>
+            <pc:docMk/>
+            <pc:sldMk cId="1775946418" sldId="271"/>
+            <ac:spMk id="52" creationId="{1956B3DC-228F-DA41-3466-4BC43A18F6DC}"/>
+          </ac:spMkLst>
+        </pc:spChg>
+        <pc:spChg chg="del">
+          <ac:chgData name="Laurits Wieslander Lyngbæk" userId="5b145d83-88ad-4e24-ae77-3c6a2a84db4d" providerId="ADAL" clId="{1E89B219-3BCB-4B40-B85F-99C37FE5B570}" dt="2023-01-02T16:21:10.906" v="4" actId="478"/>
+          <ac:spMkLst>
+            <pc:docMk/>
+            <pc:sldMk cId="1775946418" sldId="271"/>
+            <ac:spMk id="53" creationId="{4E7CB9F6-B744-C7B2-CF12-7F71F0A0381B}"/>
+          </ac:spMkLst>
+        </pc:spChg>
+        <pc:spChg chg="mod">
+          <ac:chgData name="Laurits Wieslander Lyngbæk" userId="5b145d83-88ad-4e24-ae77-3c6a2a84db4d" providerId="ADAL" clId="{1E89B219-3BCB-4B40-B85F-99C37FE5B570}" dt="2023-01-02T16:26:17.368" v="115" actId="164"/>
+          <ac:spMkLst>
+            <pc:docMk/>
+            <pc:sldMk cId="1775946418" sldId="271"/>
+            <ac:spMk id="54" creationId="{97684BAA-11B5-0D0E-1646-1D8CF3403335}"/>
+          </ac:spMkLst>
+        </pc:spChg>
+        <pc:spChg chg="mod">
+          <ac:chgData name="Laurits Wieslander Lyngbæk" userId="5b145d83-88ad-4e24-ae77-3c6a2a84db4d" providerId="ADAL" clId="{1E89B219-3BCB-4B40-B85F-99C37FE5B570}" dt="2023-01-02T16:26:17.368" v="115" actId="164"/>
+          <ac:spMkLst>
+            <pc:docMk/>
+            <pc:sldMk cId="1775946418" sldId="271"/>
+            <ac:spMk id="55" creationId="{01ADAA91-0B50-B2CC-F3ED-C1D0DBB47586}"/>
+          </ac:spMkLst>
+        </pc:spChg>
+        <pc:spChg chg="mod">
+          <ac:chgData name="Laurits Wieslander Lyngbæk" userId="5b145d83-88ad-4e24-ae77-3c6a2a84db4d" providerId="ADAL" clId="{1E89B219-3BCB-4B40-B85F-99C37FE5B570}" dt="2023-01-02T16:26:17.368" v="115" actId="164"/>
+          <ac:spMkLst>
+            <pc:docMk/>
+            <pc:sldMk cId="1775946418" sldId="271"/>
+            <ac:spMk id="56" creationId="{AFF7A86D-0F91-9DEF-BBCD-77BA4E50C770}"/>
+          </ac:spMkLst>
+        </pc:spChg>
+        <pc:spChg chg="mod">
+          <ac:chgData name="Laurits Wieslander Lyngbæk" userId="5b145d83-88ad-4e24-ae77-3c6a2a84db4d" providerId="ADAL" clId="{1E89B219-3BCB-4B40-B85F-99C37FE5B570}" dt="2023-01-02T16:26:46.678" v="120" actId="20577"/>
+          <ac:spMkLst>
+            <pc:docMk/>
+            <pc:sldMk cId="1775946418" sldId="271"/>
+            <ac:spMk id="57" creationId="{D9A50D9C-549A-4CD7-76B5-5B3D7DCCED0C}"/>
+          </ac:spMkLst>
+        </pc:spChg>
+        <pc:spChg chg="mod">
+          <ac:chgData name="Laurits Wieslander Lyngbæk" userId="5b145d83-88ad-4e24-ae77-3c6a2a84db4d" providerId="ADAL" clId="{1E89B219-3BCB-4B40-B85F-99C37FE5B570}" dt="2023-01-02T16:26:17.368" v="115" actId="164"/>
+          <ac:spMkLst>
+            <pc:docMk/>
+            <pc:sldMk cId="1775946418" sldId="271"/>
+            <ac:spMk id="58" creationId="{65F52B3F-58AA-BD69-4A56-8F74724FB530}"/>
+          </ac:spMkLst>
+        </pc:spChg>
+        <pc:spChg chg="mod">
+          <ac:chgData name="Laurits Wieslander Lyngbæk" userId="5b145d83-88ad-4e24-ae77-3c6a2a84db4d" providerId="ADAL" clId="{1E89B219-3BCB-4B40-B85F-99C37FE5B570}" dt="2023-01-02T16:26:17.368" v="115" actId="164"/>
+          <ac:spMkLst>
+            <pc:docMk/>
+            <pc:sldMk cId="1775946418" sldId="271"/>
+            <ac:spMk id="59" creationId="{ED5648A4-5379-46B9-1512-41A4070FC955}"/>
+          </ac:spMkLst>
+        </pc:spChg>
+        <pc:spChg chg="mod">
+          <ac:chgData name="Laurits Wieslander Lyngbæk" userId="5b145d83-88ad-4e24-ae77-3c6a2a84db4d" providerId="ADAL" clId="{1E89B219-3BCB-4B40-B85F-99C37FE5B570}" dt="2023-01-02T16:26:17.368" v="115" actId="164"/>
+          <ac:spMkLst>
+            <pc:docMk/>
+            <pc:sldMk cId="1775946418" sldId="271"/>
+            <ac:spMk id="60" creationId="{796A17E4-0317-D975-0C5F-E49F2AC822D6}"/>
+          </ac:spMkLst>
+        </pc:spChg>
+        <pc:spChg chg="mod">
+          <ac:chgData name="Laurits Wieslander Lyngbæk" userId="5b145d83-88ad-4e24-ae77-3c6a2a84db4d" providerId="ADAL" clId="{1E89B219-3BCB-4B40-B85F-99C37FE5B570}" dt="2023-01-02T16:26:17.368" v="115" actId="164"/>
+          <ac:spMkLst>
+            <pc:docMk/>
+            <pc:sldMk cId="1775946418" sldId="271"/>
+            <ac:spMk id="61" creationId="{E84F4A33-1493-204A-C90C-12840FFE5EAD}"/>
+          </ac:spMkLst>
+        </pc:spChg>
+        <pc:spChg chg="mod topLvl">
+          <ac:chgData name="Laurits Wieslander Lyngbæk" userId="5b145d83-88ad-4e24-ae77-3c6a2a84db4d" providerId="ADAL" clId="{1E89B219-3BCB-4B40-B85F-99C37FE5B570}" dt="2023-01-02T16:38:05.266" v="248" actId="165"/>
+          <ac:spMkLst>
+            <pc:docMk/>
+            <pc:sldMk cId="1775946418" sldId="271"/>
+            <ac:spMk id="62" creationId="{1C4B9190-BEF5-880A-CA05-F651BE8A5264}"/>
+          </ac:spMkLst>
+        </pc:spChg>
+        <pc:spChg chg="mod topLvl">
+          <ac:chgData name="Laurits Wieslander Lyngbæk" userId="5b145d83-88ad-4e24-ae77-3c6a2a84db4d" providerId="ADAL" clId="{1E89B219-3BCB-4B40-B85F-99C37FE5B570}" dt="2023-01-02T16:38:05.266" v="248" actId="165"/>
+          <ac:spMkLst>
+            <pc:docMk/>
+            <pc:sldMk cId="1775946418" sldId="271"/>
+            <ac:spMk id="63" creationId="{DC9AADE9-C5BA-9725-2F3F-3DF627D7B8D9}"/>
+          </ac:spMkLst>
+        </pc:spChg>
+        <pc:spChg chg="mod">
+          <ac:chgData name="Laurits Wieslander Lyngbæk" userId="5b145d83-88ad-4e24-ae77-3c6a2a84db4d" providerId="ADAL" clId="{1E89B219-3BCB-4B40-B85F-99C37FE5B570}" dt="2023-01-02T16:26:17.368" v="115" actId="164"/>
+          <ac:spMkLst>
+            <pc:docMk/>
+            <pc:sldMk cId="1775946418" sldId="271"/>
+            <ac:spMk id="64" creationId="{736F8A3A-EC71-E546-A0BA-A0CADB447AAE}"/>
+          </ac:spMkLst>
+        </pc:spChg>
+        <pc:spChg chg="mod">
+          <ac:chgData name="Laurits Wieslander Lyngbæk" userId="5b145d83-88ad-4e24-ae77-3c6a2a84db4d" providerId="ADAL" clId="{1E89B219-3BCB-4B40-B85F-99C37FE5B570}" dt="2023-01-02T16:26:17.368" v="115" actId="164"/>
+          <ac:spMkLst>
+            <pc:docMk/>
+            <pc:sldMk cId="1775946418" sldId="271"/>
+            <ac:spMk id="65" creationId="{E3BA26CE-D8C6-E819-D543-89825B953832}"/>
+          </ac:spMkLst>
+        </pc:spChg>
+        <pc:spChg chg="mod topLvl">
+          <ac:chgData name="Laurits Wieslander Lyngbæk" userId="5b145d83-88ad-4e24-ae77-3c6a2a84db4d" providerId="ADAL" clId="{1E89B219-3BCB-4B40-B85F-99C37FE5B570}" dt="2023-01-02T16:38:05.266" v="248" actId="165"/>
+          <ac:spMkLst>
+            <pc:docMk/>
+            <pc:sldMk cId="1775946418" sldId="271"/>
+            <ac:spMk id="66" creationId="{B8EB780F-1625-074E-8FC7-674D5CA3EB67}"/>
+          </ac:spMkLst>
+        </pc:spChg>
+        <pc:spChg chg="del mod">
+          <ac:chgData name="Laurits Wieslander Lyngbæk" userId="5b145d83-88ad-4e24-ae77-3c6a2a84db4d" providerId="ADAL" clId="{1E89B219-3BCB-4B40-B85F-99C37FE5B570}" dt="2023-01-02T16:21:18.967" v="6" actId="478"/>
+          <ac:spMkLst>
+            <pc:docMk/>
+            <pc:sldMk cId="1775946418" sldId="271"/>
+            <ac:spMk id="67" creationId="{EC6A0CF0-E1F7-A4EC-90C4-174A4AB1C607}"/>
+          </ac:spMkLst>
+        </pc:spChg>
+        <pc:spChg chg="del mod">
+          <ac:chgData name="Laurits Wieslander Lyngbæk" userId="5b145d83-88ad-4e24-ae77-3c6a2a84db4d" providerId="ADAL" clId="{1E89B219-3BCB-4B40-B85F-99C37FE5B570}" dt="2023-01-02T16:21:25.692" v="11" actId="478"/>
+          <ac:spMkLst>
+            <pc:docMk/>
+            <pc:sldMk cId="1775946418" sldId="271"/>
+            <ac:spMk id="68" creationId="{0E44F9ED-A467-8057-D3D8-741ED33930F3}"/>
+          </ac:spMkLst>
+        </pc:spChg>
+        <pc:spChg chg="del">
+          <ac:chgData name="Laurits Wieslander Lyngbæk" userId="5b145d83-88ad-4e24-ae77-3c6a2a84db4d" providerId="ADAL" clId="{1E89B219-3BCB-4B40-B85F-99C37FE5B570}" dt="2023-01-02T16:21:20.342" v="7" actId="478"/>
+          <ac:spMkLst>
+            <pc:docMk/>
+            <pc:sldMk cId="1775946418" sldId="271"/>
+            <ac:spMk id="69" creationId="{96E9F45B-89FE-CE3C-BA38-A1C7B625CC8C}"/>
+          </ac:spMkLst>
+        </pc:spChg>
+        <pc:spChg chg="del">
+          <ac:chgData name="Laurits Wieslander Lyngbæk" userId="5b145d83-88ad-4e24-ae77-3c6a2a84db4d" providerId="ADAL" clId="{1E89B219-3BCB-4B40-B85F-99C37FE5B570}" dt="2023-01-02T16:21:21.682" v="8" actId="478"/>
+          <ac:spMkLst>
+            <pc:docMk/>
+            <pc:sldMk cId="1775946418" sldId="271"/>
+            <ac:spMk id="70" creationId="{82663B7D-C062-4757-6833-2B2A76E47820}"/>
+          </ac:spMkLst>
+        </pc:spChg>
+        <pc:spChg chg="del">
+          <ac:chgData name="Laurits Wieslander Lyngbæk" userId="5b145d83-88ad-4e24-ae77-3c6a2a84db4d" providerId="ADAL" clId="{1E89B219-3BCB-4B40-B85F-99C37FE5B570}" dt="2023-01-02T16:21:07.732" v="1" actId="478"/>
+          <ac:spMkLst>
+            <pc:docMk/>
+            <pc:sldMk cId="1775946418" sldId="271"/>
+            <ac:spMk id="71" creationId="{CD15835A-2083-753C-5BAA-2B471DAB8034}"/>
+          </ac:spMkLst>
+        </pc:spChg>
+        <pc:spChg chg="mod">
+          <ac:chgData name="Laurits Wieslander Lyngbæk" userId="5b145d83-88ad-4e24-ae77-3c6a2a84db4d" providerId="ADAL" clId="{1E89B219-3BCB-4B40-B85F-99C37FE5B570}" dt="2023-01-02T16:26:17.368" v="115" actId="164"/>
+          <ac:spMkLst>
+            <pc:docMk/>
+            <pc:sldMk cId="1775946418" sldId="271"/>
+            <ac:spMk id="72" creationId="{B66D48D6-94A8-A368-477D-0E2EA864245A}"/>
+          </ac:spMkLst>
+        </pc:spChg>
+        <pc:spChg chg="mod topLvl">
+          <ac:chgData name="Laurits Wieslander Lyngbæk" userId="5b145d83-88ad-4e24-ae77-3c6a2a84db4d" providerId="ADAL" clId="{1E89B219-3BCB-4B40-B85F-99C37FE5B570}" dt="2023-01-02T16:38:05.266" v="248" actId="165"/>
+          <ac:spMkLst>
+            <pc:docMk/>
+            <pc:sldMk cId="1775946418" sldId="271"/>
+            <ac:spMk id="73" creationId="{2C2BFF43-B635-ABF7-0230-18D998ED0740}"/>
+          </ac:spMkLst>
+        </pc:spChg>
+        <pc:spChg chg="mod topLvl">
+          <ac:chgData name="Laurits Wieslander Lyngbæk" userId="5b145d83-88ad-4e24-ae77-3c6a2a84db4d" providerId="ADAL" clId="{1E89B219-3BCB-4B40-B85F-99C37FE5B570}" dt="2023-01-02T16:38:05.266" v="248" actId="165"/>
+          <ac:spMkLst>
+            <pc:docMk/>
+            <pc:sldMk cId="1775946418" sldId="271"/>
+            <ac:spMk id="74" creationId="{8C7AD258-7BB4-5A1B-7EAA-17B8CF24491F}"/>
+          </ac:spMkLst>
+        </pc:spChg>
+        <pc:spChg chg="mod topLvl">
+          <ac:chgData name="Laurits Wieslander Lyngbæk" userId="5b145d83-88ad-4e24-ae77-3c6a2a84db4d" providerId="ADAL" clId="{1E89B219-3BCB-4B40-B85F-99C37FE5B570}" dt="2023-01-02T16:38:05.266" v="248" actId="165"/>
+          <ac:spMkLst>
+            <pc:docMk/>
+            <pc:sldMk cId="1775946418" sldId="271"/>
+            <ac:spMk id="75" creationId="{66BD32BB-75C5-2E4A-65AA-3D3B35B040B7}"/>
+          </ac:spMkLst>
+        </pc:spChg>
+        <pc:spChg chg="mod topLvl">
+          <ac:chgData name="Laurits Wieslander Lyngbæk" userId="5b145d83-88ad-4e24-ae77-3c6a2a84db4d" providerId="ADAL" clId="{1E89B219-3BCB-4B40-B85F-99C37FE5B570}" dt="2023-01-02T16:38:05.266" v="248" actId="165"/>
+          <ac:spMkLst>
+            <pc:docMk/>
+            <pc:sldMk cId="1775946418" sldId="271"/>
+            <ac:spMk id="76" creationId="{7DC9FA67-DCF8-04FA-870B-BD994CDEA60A}"/>
+          </ac:spMkLst>
+        </pc:spChg>
+        <pc:spChg chg="mod topLvl">
+          <ac:chgData name="Laurits Wieslander Lyngbæk" userId="5b145d83-88ad-4e24-ae77-3c6a2a84db4d" providerId="ADAL" clId="{1E89B219-3BCB-4B40-B85F-99C37FE5B570}" dt="2023-01-02T16:38:05.266" v="248" actId="165"/>
+          <ac:spMkLst>
+            <pc:docMk/>
+            <pc:sldMk cId="1775946418" sldId="271"/>
+            <ac:spMk id="77" creationId="{57B4048C-2A9A-D8C2-332B-2578F7BAF659}"/>
+          </ac:spMkLst>
+        </pc:spChg>
+        <pc:spChg chg="mod">
+          <ac:chgData name="Laurits Wieslander Lyngbæk" userId="5b145d83-88ad-4e24-ae77-3c6a2a84db4d" providerId="ADAL" clId="{1E89B219-3BCB-4B40-B85F-99C37FE5B570}" dt="2023-01-02T16:37:58.917" v="245" actId="571"/>
+          <ac:spMkLst>
+            <pc:docMk/>
+            <pc:sldMk cId="1775946418" sldId="271"/>
+            <ac:spMk id="79" creationId="{579B1A96-0197-8DBB-4A3E-915104DA566A}"/>
+          </ac:spMkLst>
+        </pc:spChg>
+        <pc:spChg chg="mod">
+          <ac:chgData name="Laurits Wieslander Lyngbæk" userId="5b145d83-88ad-4e24-ae77-3c6a2a84db4d" providerId="ADAL" clId="{1E89B219-3BCB-4B40-B85F-99C37FE5B570}" dt="2023-01-02T16:37:58.917" v="245" actId="571"/>
+          <ac:spMkLst>
+            <pc:docMk/>
+            <pc:sldMk cId="1775946418" sldId="271"/>
+            <ac:spMk id="80" creationId="{B8CDB609-9C4E-4DE5-7523-6212C3E2ECEC}"/>
+          </ac:spMkLst>
+        </pc:spChg>
+        <pc:spChg chg="mod">
+          <ac:chgData name="Laurits Wieslander Lyngbæk" userId="5b145d83-88ad-4e24-ae77-3c6a2a84db4d" providerId="ADAL" clId="{1E89B219-3BCB-4B40-B85F-99C37FE5B570}" dt="2023-01-02T16:37:58.917" v="245" actId="571"/>
+          <ac:spMkLst>
+            <pc:docMk/>
+            <pc:sldMk cId="1775946418" sldId="271"/>
+            <ac:spMk id="81" creationId="{E9028F0D-6A58-1CEC-2FF5-9E4233CEC1F2}"/>
+          </ac:spMkLst>
+        </pc:spChg>
+        <pc:spChg chg="mod">
+          <ac:chgData name="Laurits Wieslander Lyngbæk" userId="5b145d83-88ad-4e24-ae77-3c6a2a84db4d" providerId="ADAL" clId="{1E89B219-3BCB-4B40-B85F-99C37FE5B570}" dt="2023-01-02T16:37:58.917" v="245" actId="571"/>
+          <ac:spMkLst>
+            <pc:docMk/>
+            <pc:sldMk cId="1775946418" sldId="271"/>
+            <ac:spMk id="82" creationId="{0CC9052F-8F5C-345A-1FEE-58E2BBBAC17E}"/>
+          </ac:spMkLst>
+        </pc:spChg>
+        <pc:spChg chg="mod">
+          <ac:chgData name="Laurits Wieslander Lyngbæk" userId="5b145d83-88ad-4e24-ae77-3c6a2a84db4d" providerId="ADAL" clId="{1E89B219-3BCB-4B40-B85F-99C37FE5B570}" dt="2023-01-02T16:37:58.917" v="245" actId="571"/>
+          <ac:spMkLst>
+            <pc:docMk/>
+            <pc:sldMk cId="1775946418" sldId="271"/>
+            <ac:spMk id="83" creationId="{16A4C1C4-FDE9-F7D5-3470-8CA11F667788}"/>
+          </ac:spMkLst>
+        </pc:spChg>
+        <pc:spChg chg="mod">
+          <ac:chgData name="Laurits Wieslander Lyngbæk" userId="5b145d83-88ad-4e24-ae77-3c6a2a84db4d" providerId="ADAL" clId="{1E89B219-3BCB-4B40-B85F-99C37FE5B570}" dt="2023-01-02T16:37:58.917" v="245" actId="571"/>
+          <ac:spMkLst>
+            <pc:docMk/>
+            <pc:sldMk cId="1775946418" sldId="271"/>
+            <ac:spMk id="84" creationId="{4FB22A71-DF48-2763-305D-1CF3547D7644}"/>
+          </ac:spMkLst>
+        </pc:spChg>
+        <pc:spChg chg="mod">
+          <ac:chgData name="Laurits Wieslander Lyngbæk" userId="5b145d83-88ad-4e24-ae77-3c6a2a84db4d" providerId="ADAL" clId="{1E89B219-3BCB-4B40-B85F-99C37FE5B570}" dt="2023-01-02T16:37:58.917" v="245" actId="571"/>
+          <ac:spMkLst>
+            <pc:docMk/>
+            <pc:sldMk cId="1775946418" sldId="271"/>
+            <ac:spMk id="85" creationId="{61EB805B-A57C-6CE7-3B6F-ECDEC9B148C0}"/>
+          </ac:spMkLst>
+        </pc:spChg>
+        <pc:spChg chg="mod">
+          <ac:chgData name="Laurits Wieslander Lyngbæk" userId="5b145d83-88ad-4e24-ae77-3c6a2a84db4d" providerId="ADAL" clId="{1E89B219-3BCB-4B40-B85F-99C37FE5B570}" dt="2023-01-02T16:37:58.917" v="245" actId="571"/>
+          <ac:spMkLst>
+            <pc:docMk/>
+            <pc:sldMk cId="1775946418" sldId="271"/>
+            <ac:spMk id="86" creationId="{EA172FB3-1C1F-57EC-CF6A-1E051BF95507}"/>
+          </ac:spMkLst>
+        </pc:spChg>
+        <pc:spChg chg="mod">
+          <ac:chgData name="Laurits Wieslander Lyngbæk" userId="5b145d83-88ad-4e24-ae77-3c6a2a84db4d" providerId="ADAL" clId="{1E89B219-3BCB-4B40-B85F-99C37FE5B570}" dt="2023-01-02T16:37:58.917" v="245" actId="571"/>
+          <ac:spMkLst>
+            <pc:docMk/>
+            <pc:sldMk cId="1775946418" sldId="271"/>
+            <ac:spMk id="87" creationId="{68E0A54B-5C47-78C9-2F7B-5FB7D4495A57}"/>
+          </ac:spMkLst>
+        </pc:spChg>
+        <pc:spChg chg="mod">
+          <ac:chgData name="Laurits Wieslander Lyngbæk" userId="5b145d83-88ad-4e24-ae77-3c6a2a84db4d" providerId="ADAL" clId="{1E89B219-3BCB-4B40-B85F-99C37FE5B570}" dt="2023-01-02T16:37:58.917" v="245" actId="571"/>
+          <ac:spMkLst>
+            <pc:docMk/>
+            <pc:sldMk cId="1775946418" sldId="271"/>
+            <ac:spMk id="88" creationId="{677DA56F-A34A-ED6B-A0FC-C7555570AB09}"/>
+          </ac:spMkLst>
+        </pc:spChg>
+        <pc:spChg chg="mod">
+          <ac:chgData name="Laurits Wieslander Lyngbæk" userId="5b145d83-88ad-4e24-ae77-3c6a2a84db4d" providerId="ADAL" clId="{1E89B219-3BCB-4B40-B85F-99C37FE5B570}" dt="2023-01-02T16:37:58.917" v="245" actId="571"/>
+          <ac:spMkLst>
+            <pc:docMk/>
+            <pc:sldMk cId="1775946418" sldId="271"/>
+            <ac:spMk id="89" creationId="{6A52ED08-79DE-ADE9-1DB9-D58E5F2B637E}"/>
+          </ac:spMkLst>
+        </pc:spChg>
+        <pc:spChg chg="add mod">
+          <ac:chgData name="Laurits Wieslander Lyngbæk" userId="5b145d83-88ad-4e24-ae77-3c6a2a84db4d" providerId="ADAL" clId="{1E89B219-3BCB-4B40-B85F-99C37FE5B570}" dt="2023-01-02T16:37:58.917" v="245" actId="571"/>
+          <ac:spMkLst>
+            <pc:docMk/>
+            <pc:sldMk cId="1775946418" sldId="271"/>
+            <ac:spMk id="90" creationId="{B2DFF246-CF7D-9C25-0E99-2FED8977B56B}"/>
+          </ac:spMkLst>
+        </pc:spChg>
+        <pc:grpChg chg="add mod">
+          <ac:chgData name="Laurits Wieslander Lyngbæk" userId="5b145d83-88ad-4e24-ae77-3c6a2a84db4d" providerId="ADAL" clId="{1E89B219-3BCB-4B40-B85F-99C37FE5B570}" dt="2023-01-02T16:26:17.368" v="115" actId="164"/>
+          <ac:grpSpMkLst>
+            <pc:docMk/>
+            <pc:sldMk cId="1775946418" sldId="271"/>
+            <ac:grpSpMk id="9" creationId="{FB4AFFDB-9F07-B0B5-17F9-0F2DE1E86F1D}"/>
+          </ac:grpSpMkLst>
+        </pc:grpChg>
+        <pc:grpChg chg="add mod">
+          <ac:chgData name="Laurits Wieslander Lyngbæk" userId="5b145d83-88ad-4e24-ae77-3c6a2a84db4d" providerId="ADAL" clId="{1E89B219-3BCB-4B40-B85F-99C37FE5B570}" dt="2023-01-02T16:26:28.133" v="118" actId="1076"/>
+          <ac:grpSpMkLst>
+            <pc:docMk/>
+            <pc:sldMk cId="1775946418" sldId="271"/>
+            <ac:grpSpMk id="10" creationId="{D3307A97-9201-6E2E-6AA5-5959176869F1}"/>
+          </ac:grpSpMkLst>
+        </pc:grpChg>
+        <pc:grpChg chg="mod">
+          <ac:chgData name="Laurits Wieslander Lyngbæk" userId="5b145d83-88ad-4e24-ae77-3c6a2a84db4d" providerId="ADAL" clId="{1E89B219-3BCB-4B40-B85F-99C37FE5B570}" dt="2023-01-02T16:22:02.820" v="14" actId="165"/>
+          <ac:grpSpMkLst>
+            <pc:docMk/>
+            <pc:sldMk cId="1775946418" sldId="271"/>
+            <ac:grpSpMk id="12" creationId="{2CBE4BB2-ED1E-EC54-823E-1C7C9569F687}"/>
+          </ac:grpSpMkLst>
+        </pc:grpChg>
+        <pc:grpChg chg="mod">
+          <ac:chgData name="Laurits Wieslander Lyngbæk" userId="5b145d83-88ad-4e24-ae77-3c6a2a84db4d" providerId="ADAL" clId="{1E89B219-3BCB-4B40-B85F-99C37FE5B570}" dt="2023-01-02T16:22:02.820" v="14" actId="165"/>
+          <ac:grpSpMkLst>
+            <pc:docMk/>
+            <pc:sldMk cId="1775946418" sldId="271"/>
+            <ac:grpSpMk id="13" creationId="{DEDB5D24-D665-BFA5-93FF-0064008BA0F5}"/>
+          </ac:grpSpMkLst>
+        </pc:grpChg>
+        <pc:grpChg chg="del mod">
+          <ac:chgData name="Laurits Wieslander Lyngbæk" userId="5b145d83-88ad-4e24-ae77-3c6a2a84db4d" providerId="ADAL" clId="{1E89B219-3BCB-4B40-B85F-99C37FE5B570}" dt="2023-01-02T16:38:05.266" v="248" actId="165"/>
+          <ac:grpSpMkLst>
+            <pc:docMk/>
+            <pc:sldMk cId="1775946418" sldId="271"/>
+            <ac:grpSpMk id="34" creationId="{A700038D-F133-DF78-6AC1-B3369B436977}"/>
+          </ac:grpSpMkLst>
+        </pc:grpChg>
+        <pc:grpChg chg="mod topLvl">
+          <ac:chgData name="Laurits Wieslander Lyngbæk" userId="5b145d83-88ad-4e24-ae77-3c6a2a84db4d" providerId="ADAL" clId="{1E89B219-3BCB-4B40-B85F-99C37FE5B570}" dt="2023-01-02T16:22:42.540" v="20" actId="164"/>
+          <ac:grpSpMkLst>
+            <pc:docMk/>
+            <pc:sldMk cId="1775946418" sldId="271"/>
+            <ac:grpSpMk id="38" creationId="{235F8EF7-711C-85AB-0484-BC02C109B5A1}"/>
+          </ac:grpSpMkLst>
+        </pc:grpChg>
+        <pc:grpChg chg="mod topLvl">
+          <ac:chgData name="Laurits Wieslander Lyngbæk" userId="5b145d83-88ad-4e24-ae77-3c6a2a84db4d" providerId="ADAL" clId="{1E89B219-3BCB-4B40-B85F-99C37FE5B570}" dt="2023-01-02T16:22:42.540" v="20" actId="164"/>
+          <ac:grpSpMkLst>
+            <pc:docMk/>
+            <pc:sldMk cId="1775946418" sldId="271"/>
+            <ac:grpSpMk id="41" creationId="{E950C475-999D-80DA-7DCE-53DFD8F3E324}"/>
+          </ac:grpSpMkLst>
+        </pc:grpChg>
+        <pc:grpChg chg="del mod topLvl">
+          <ac:chgData name="Laurits Wieslander Lyngbæk" userId="5b145d83-88ad-4e24-ae77-3c6a2a84db4d" providerId="ADAL" clId="{1E89B219-3BCB-4B40-B85F-99C37FE5B570}" dt="2023-01-02T16:22:18.311" v="16" actId="478"/>
+          <ac:grpSpMkLst>
+            <pc:docMk/>
+            <pc:sldMk cId="1775946418" sldId="271"/>
+            <ac:grpSpMk id="42" creationId="{69845139-2475-1B67-7DF2-FF379598EAF0}"/>
+          </ac:grpSpMkLst>
+        </pc:grpChg>
+        <pc:grpChg chg="mod">
+          <ac:chgData name="Laurits Wieslander Lyngbæk" userId="5b145d83-88ad-4e24-ae77-3c6a2a84db4d" providerId="ADAL" clId="{1E89B219-3BCB-4B40-B85F-99C37FE5B570}" dt="2023-01-02T16:22:02.820" v="14" actId="165"/>
+          <ac:grpSpMkLst>
+            <pc:docMk/>
+            <pc:sldMk cId="1775946418" sldId="271"/>
+            <ac:grpSpMk id="43" creationId="{CA02ACC2-CCC5-2BE5-4F8A-49D1791BC302}"/>
+          </ac:grpSpMkLst>
+        </pc:grpChg>
+        <pc:grpChg chg="mod">
+          <ac:chgData name="Laurits Wieslander Lyngbæk" userId="5b145d83-88ad-4e24-ae77-3c6a2a84db4d" providerId="ADAL" clId="{1E89B219-3BCB-4B40-B85F-99C37FE5B570}" dt="2023-01-02T16:22:02.820" v="14" actId="165"/>
+          <ac:grpSpMkLst>
+            <pc:docMk/>
+            <pc:sldMk cId="1775946418" sldId="271"/>
+            <ac:grpSpMk id="44" creationId="{9A328A96-ACE9-314B-02F2-61DF73224032}"/>
+          </ac:grpSpMkLst>
+        </pc:grpChg>
+        <pc:grpChg chg="add del">
+          <ac:chgData name="Laurits Wieslander Lyngbæk" userId="5b145d83-88ad-4e24-ae77-3c6a2a84db4d" providerId="ADAL" clId="{1E89B219-3BCB-4B40-B85F-99C37FE5B570}" dt="2023-01-02T16:22:02.820" v="14" actId="165"/>
+          <ac:grpSpMkLst>
+            <pc:docMk/>
+            <pc:sldMk cId="1775946418" sldId="271"/>
+            <ac:grpSpMk id="49" creationId="{C8D94D8B-C6CD-7D04-3F2B-DF20DDFFDEA5}"/>
+          </ac:grpSpMkLst>
+        </pc:grpChg>
+        <pc:grpChg chg="add mod">
+          <ac:chgData name="Laurits Wieslander Lyngbæk" userId="5b145d83-88ad-4e24-ae77-3c6a2a84db4d" providerId="ADAL" clId="{1E89B219-3BCB-4B40-B85F-99C37FE5B570}" dt="2023-01-02T16:37:58.917" v="245" actId="571"/>
+          <ac:grpSpMkLst>
+            <pc:docMk/>
+            <pc:sldMk cId="1775946418" sldId="271"/>
+            <ac:grpSpMk id="78" creationId="{ACB45B9E-1E1C-EF45-AB8D-4F66B46E3111}"/>
+          </ac:grpSpMkLst>
+        </pc:grpChg>
+        <pc:graphicFrameChg chg="add del mod">
+          <ac:chgData name="Laurits Wieslander Lyngbæk" userId="5b145d83-88ad-4e24-ae77-3c6a2a84db4d" providerId="ADAL" clId="{1E89B219-3BCB-4B40-B85F-99C37FE5B570}" dt="2023-01-02T16:37:54.160" v="243" actId="18245"/>
+          <ac:graphicFrameMkLst>
+            <pc:docMk/>
+            <pc:sldMk cId="1775946418" sldId="271"/>
+            <ac:graphicFrameMk id="18" creationId="{56DF6445-700A-FB50-E1FD-2ABF2791027B}"/>
+          </ac:graphicFrameMkLst>
+        </pc:graphicFrameChg>
+        <pc:picChg chg="add mod">
+          <ac:chgData name="Laurits Wieslander Lyngbæk" userId="5b145d83-88ad-4e24-ae77-3c6a2a84db4d" providerId="ADAL" clId="{1E89B219-3BCB-4B40-B85F-99C37FE5B570}" dt="2023-01-02T16:26:58.311" v="124" actId="1076"/>
+          <ac:picMkLst>
+            <pc:docMk/>
+            <pc:sldMk cId="1775946418" sldId="271"/>
+            <ac:picMk id="17" creationId="{3AC16E0A-ECC2-F5BA-911D-C5EC700532B7}"/>
+          </ac:picMkLst>
+        </pc:picChg>
+        <pc:picChg chg="add mod">
+          <ac:chgData name="Laurits Wieslander Lyngbæk" userId="5b145d83-88ad-4e24-ae77-3c6a2a84db4d" providerId="ADAL" clId="{1E89B219-3BCB-4B40-B85F-99C37FE5B570}" dt="2023-01-02T16:31:24.968" v="126" actId="1076"/>
+          <ac:picMkLst>
+            <pc:docMk/>
+            <pc:sldMk cId="1775946418" sldId="271"/>
+            <ac:picMk id="23" creationId="{34A927FA-0EC3-8C62-CA9E-2B727A48D725}"/>
+          </ac:picMkLst>
+        </pc:picChg>
+        <pc:picChg chg="add mod">
+          <ac:chgData name="Laurits Wieslander Lyngbæk" userId="5b145d83-88ad-4e24-ae77-3c6a2a84db4d" providerId="ADAL" clId="{1E89B219-3BCB-4B40-B85F-99C37FE5B570}" dt="2023-01-02T16:33:49.160" v="173" actId="1076"/>
+          <ac:picMkLst>
+            <pc:docMk/>
+            <pc:sldMk cId="1775946418" sldId="271"/>
+            <ac:picMk id="26" creationId="{15B422AD-3A3D-6FBB-7163-6E0D1F4CADA8}"/>
+          </ac:picMkLst>
+        </pc:picChg>
+        <pc:picChg chg="add mod">
+          <ac:chgData name="Laurits Wieslander Lyngbæk" userId="5b145d83-88ad-4e24-ae77-3c6a2a84db4d" providerId="ADAL" clId="{1E89B219-3BCB-4B40-B85F-99C37FE5B570}" dt="2023-01-02T16:31:24.968" v="126" actId="1076"/>
+          <ac:picMkLst>
+            <pc:docMk/>
+            <pc:sldMk cId="1775946418" sldId="271"/>
+            <ac:picMk id="27" creationId="{F8934C7E-1FF6-0301-1B86-D3B406D24FCE}"/>
+          </ac:picMkLst>
+        </pc:picChg>
+        <pc:cxnChg chg="mod">
+          <ac:chgData name="Laurits Wieslander Lyngbæk" userId="5b145d83-88ad-4e24-ae77-3c6a2a84db4d" providerId="ADAL" clId="{1E89B219-3BCB-4B40-B85F-99C37FE5B570}" dt="2023-01-02T16:32:32.940" v="129" actId="692"/>
+          <ac:cxnSpMkLst>
+            <pc:docMk/>
+            <pc:sldMk cId="1775946418" sldId="271"/>
+            <ac:cxnSpMk id="7" creationId="{1B3FAACA-7A83-1BC4-04AB-FF81ED95B6B9}"/>
+          </ac:cxnSpMkLst>
+        </pc:cxnChg>
+        <pc:cxnChg chg="add mod">
+          <ac:chgData name="Laurits Wieslander Lyngbæk" userId="5b145d83-88ad-4e24-ae77-3c6a2a84db4d" providerId="ADAL" clId="{1E89B219-3BCB-4B40-B85F-99C37FE5B570}" dt="2023-01-02T16:31:24.968" v="126" actId="1076"/>
+          <ac:cxnSpMkLst>
+            <pc:docMk/>
+            <pc:sldMk cId="1775946418" sldId="271"/>
+            <ac:cxnSpMk id="19" creationId="{F3DEEACA-7528-6870-7444-482339602CD7}"/>
+          </ac:cxnSpMkLst>
+        </pc:cxnChg>
+      </pc:sldChg>
+      <pc:sldChg chg="addSp delSp modSp add mod ord modClrScheme chgLayout">
+        <pc:chgData name="Laurits Wieslander Lyngbæk" userId="5b145d83-88ad-4e24-ae77-3c6a2a84db4d" providerId="ADAL" clId="{1E89B219-3BCB-4B40-B85F-99C37FE5B570}" dt="2023-01-02T21:34:03.716" v="491" actId="20577"/>
+        <pc:sldMkLst>
+          <pc:docMk/>
+          <pc:sldMk cId="3070723275" sldId="272"/>
+        </pc:sldMkLst>
+        <pc:spChg chg="del mod">
+          <ac:chgData name="Laurits Wieslander Lyngbæk" userId="5b145d83-88ad-4e24-ae77-3c6a2a84db4d" providerId="ADAL" clId="{1E89B219-3BCB-4B40-B85F-99C37FE5B570}" dt="2023-01-02T16:36:37.172" v="220" actId="478"/>
+          <ac:spMkLst>
+            <pc:docMk/>
+            <pc:sldMk cId="3070723275" sldId="272"/>
+            <ac:spMk id="3" creationId="{77762301-F83A-4BEA-9D11-E6C99FB574A8}"/>
+          </ac:spMkLst>
+        </pc:spChg>
+        <pc:spChg chg="del">
+          <ac:chgData name="Laurits Wieslander Lyngbæk" userId="5b145d83-88ad-4e24-ae77-3c6a2a84db4d" providerId="ADAL" clId="{1E89B219-3BCB-4B40-B85F-99C37FE5B570}" dt="2023-01-02T16:36:18.626" v="215" actId="478"/>
+          <ac:spMkLst>
+            <pc:docMk/>
+            <pc:sldMk cId="3070723275" sldId="272"/>
+            <ac:spMk id="5" creationId="{45529085-7A53-E884-EFA7-B94AA91EB6A3}"/>
+          </ac:spMkLst>
+        </pc:spChg>
+        <pc:spChg chg="mod ord">
+          <ac:chgData name="Laurits Wieslander Lyngbæk" userId="5b145d83-88ad-4e24-ae77-3c6a2a84db4d" providerId="ADAL" clId="{1E89B219-3BCB-4B40-B85F-99C37FE5B570}" dt="2023-01-02T16:38:56.407" v="269" actId="700"/>
+          <ac:spMkLst>
+            <pc:docMk/>
+            <pc:sldMk cId="3070723275" sldId="272"/>
+            <ac:spMk id="6" creationId="{3627CC26-34EF-4BB9-B289-9EC56B07D1E6}"/>
+          </ac:spMkLst>
+        </pc:spChg>
+        <pc:spChg chg="mod ord">
+          <ac:chgData name="Laurits Wieslander Lyngbæk" userId="5b145d83-88ad-4e24-ae77-3c6a2a84db4d" providerId="ADAL" clId="{1E89B219-3BCB-4B40-B85F-99C37FE5B570}" dt="2023-01-02T16:38:56.407" v="269" actId="700"/>
+          <ac:spMkLst>
+            <pc:docMk/>
+            <pc:sldMk cId="3070723275" sldId="272"/>
+            <ac:spMk id="7" creationId="{4E98E6AD-9D37-499C-898E-ED12AC36D31D}"/>
+          </ac:spMkLst>
+        </pc:spChg>
+        <pc:spChg chg="mod ord">
+          <ac:chgData name="Laurits Wieslander Lyngbæk" userId="5b145d83-88ad-4e24-ae77-3c6a2a84db4d" providerId="ADAL" clId="{1E89B219-3BCB-4B40-B85F-99C37FE5B570}" dt="2023-01-02T16:38:56.407" v="269" actId="700"/>
+          <ac:spMkLst>
+            <pc:docMk/>
+            <pc:sldMk cId="3070723275" sldId="272"/>
+            <ac:spMk id="8" creationId="{92908AF9-2A07-4B50-BC13-471792106EC8}"/>
+          </ac:spMkLst>
+        </pc:spChg>
+        <pc:spChg chg="del">
+          <ac:chgData name="Laurits Wieslander Lyngbæk" userId="5b145d83-88ad-4e24-ae77-3c6a2a84db4d" providerId="ADAL" clId="{1E89B219-3BCB-4B40-B85F-99C37FE5B570}" dt="2023-01-02T16:36:18.626" v="215" actId="478"/>
+          <ac:spMkLst>
+            <pc:docMk/>
+            <pc:sldMk cId="3070723275" sldId="272"/>
+            <ac:spMk id="10" creationId="{17F30B6D-24FC-F3BD-0AAF-8320BE88B67D}"/>
+          </ac:spMkLst>
+        </pc:spChg>
+        <pc:spChg chg="del">
+          <ac:chgData name="Laurits Wieslander Lyngbæk" userId="5b145d83-88ad-4e24-ae77-3c6a2a84db4d" providerId="ADAL" clId="{1E89B219-3BCB-4B40-B85F-99C37FE5B570}" dt="2023-01-02T16:36:18.626" v="215" actId="478"/>
+          <ac:spMkLst>
+            <pc:docMk/>
+            <pc:sldMk cId="3070723275" sldId="272"/>
+            <ac:spMk id="11" creationId="{52942107-0C1D-D16B-CB8C-666FBBD83D2F}"/>
+          </ac:spMkLst>
+        </pc:spChg>
+        <pc:spChg chg="del">
+          <ac:chgData name="Laurits Wieslander Lyngbæk" userId="5b145d83-88ad-4e24-ae77-3c6a2a84db4d" providerId="ADAL" clId="{1E89B219-3BCB-4B40-B85F-99C37FE5B570}" dt="2023-01-02T16:36:18.626" v="215" actId="478"/>
+          <ac:spMkLst>
+            <pc:docMk/>
+            <pc:sldMk cId="3070723275" sldId="272"/>
+            <ac:spMk id="12" creationId="{4B1C4BD6-5B7C-4345-6638-2205F54AAB55}"/>
+          </ac:spMkLst>
+        </pc:spChg>
+        <pc:spChg chg="del">
+          <ac:chgData name="Laurits Wieslander Lyngbæk" userId="5b145d83-88ad-4e24-ae77-3c6a2a84db4d" providerId="ADAL" clId="{1E89B219-3BCB-4B40-B85F-99C37FE5B570}" dt="2023-01-02T16:36:18.626" v="215" actId="478"/>
+          <ac:spMkLst>
+            <pc:docMk/>
+            <pc:sldMk cId="3070723275" sldId="272"/>
+            <ac:spMk id="13" creationId="{D34A323D-33FC-1D8F-2CEB-B84295C4CA46}"/>
+          </ac:spMkLst>
+        </pc:spChg>
+        <pc:spChg chg="add del mod">
+          <ac:chgData name="Laurits Wieslander Lyngbæk" userId="5b145d83-88ad-4e24-ae77-3c6a2a84db4d" providerId="ADAL" clId="{1E89B219-3BCB-4B40-B85F-99C37FE5B570}" dt="2023-01-02T16:36:21.920" v="218" actId="478"/>
+          <ac:spMkLst>
+            <pc:docMk/>
+            <pc:sldMk cId="3070723275" sldId="272"/>
+            <ac:spMk id="14" creationId="{3C98628F-D012-ADCC-6C33-9B37284810A7}"/>
+          </ac:spMkLst>
+        </pc:spChg>
+        <pc:spChg chg="del">
+          <ac:chgData name="Laurits Wieslander Lyngbæk" userId="5b145d83-88ad-4e24-ae77-3c6a2a84db4d" providerId="ADAL" clId="{1E89B219-3BCB-4B40-B85F-99C37FE5B570}" dt="2023-01-02T16:36:18.626" v="215" actId="478"/>
+          <ac:spMkLst>
+            <pc:docMk/>
+            <pc:sldMk cId="3070723275" sldId="272"/>
+            <ac:spMk id="17" creationId="{AB1DE75A-90E4-CC6E-53FB-89C7FF0219FA}"/>
+          </ac:spMkLst>
+        </pc:spChg>
+        <pc:spChg chg="del">
+          <ac:chgData name="Laurits Wieslander Lyngbæk" userId="5b145d83-88ad-4e24-ae77-3c6a2a84db4d" providerId="ADAL" clId="{1E89B219-3BCB-4B40-B85F-99C37FE5B570}" dt="2023-01-02T16:36:18.626" v="215" actId="478"/>
+          <ac:spMkLst>
+            <pc:docMk/>
+            <pc:sldMk cId="3070723275" sldId="272"/>
+            <ac:spMk id="18" creationId="{DEC7EBA3-04C3-2A70-53CE-7DFE8FABE37E}"/>
+          </ac:spMkLst>
+        </pc:spChg>
+        <pc:spChg chg="add mod ord">
+          <ac:chgData name="Laurits Wieslander Lyngbæk" userId="5b145d83-88ad-4e24-ae77-3c6a2a84db4d" providerId="ADAL" clId="{1E89B219-3BCB-4B40-B85F-99C37FE5B570}" dt="2023-01-02T16:39:11.488" v="273" actId="1076"/>
+          <ac:spMkLst>
+            <pc:docMk/>
+            <pc:sldMk cId="3070723275" sldId="272"/>
+            <ac:spMk id="19" creationId="{B3C8C386-7845-EE50-E749-3AAA44F0DFF8}"/>
+          </ac:spMkLst>
+        </pc:spChg>
+        <pc:spChg chg="add del mod">
+          <ac:chgData name="Laurits Wieslander Lyngbæk" userId="5b145d83-88ad-4e24-ae77-3c6a2a84db4d" providerId="ADAL" clId="{1E89B219-3BCB-4B40-B85F-99C37FE5B570}" dt="2023-01-02T16:37:16.546" v="241"/>
+          <ac:spMkLst>
+            <pc:docMk/>
+            <pc:sldMk cId="3070723275" sldId="272"/>
+            <ac:spMk id="21" creationId="{64025435-52AF-3AF9-8F90-E57CEB68CBF5}"/>
+          </ac:spMkLst>
+        </pc:spChg>
+        <pc:spChg chg="add mod">
+          <ac:chgData name="Laurits Wieslander Lyngbæk" userId="5b145d83-88ad-4e24-ae77-3c6a2a84db4d" providerId="ADAL" clId="{1E89B219-3BCB-4B40-B85F-99C37FE5B570}" dt="2023-01-02T16:39:16.896" v="274" actId="1076"/>
+          <ac:spMkLst>
+            <pc:docMk/>
+            <pc:sldMk cId="3070723275" sldId="272"/>
+            <ac:spMk id="22" creationId="{BD77EF5A-5930-FF70-7FA4-2DC6A55C9EE7}"/>
+          </ac:spMkLst>
+        </pc:spChg>
+        <pc:spChg chg="add mod">
+          <ac:chgData name="Laurits Wieslander Lyngbæk" userId="5b145d83-88ad-4e24-ae77-3c6a2a84db4d" providerId="ADAL" clId="{1E89B219-3BCB-4B40-B85F-99C37FE5B570}" dt="2023-01-02T16:41:17.093" v="318" actId="1076"/>
+          <ac:spMkLst>
+            <pc:docMk/>
+            <pc:sldMk cId="3070723275" sldId="272"/>
+            <ac:spMk id="23" creationId="{2A12EBB0-70BC-AB65-C78C-E812A002B326}"/>
+          </ac:spMkLst>
+        </pc:spChg>
+        <pc:spChg chg="add mod">
+          <ac:chgData name="Laurits Wieslander Lyngbæk" userId="5b145d83-88ad-4e24-ae77-3c6a2a84db4d" providerId="ADAL" clId="{1E89B219-3BCB-4B40-B85F-99C37FE5B570}" dt="2023-01-02T16:41:07.612" v="316" actId="1076"/>
+          <ac:spMkLst>
+            <pc:docMk/>
+            <pc:sldMk cId="3070723275" sldId="272"/>
+            <ac:spMk id="24" creationId="{8414DE4A-B1C4-7D52-F8CC-A091867BD9DF}"/>
+          </ac:spMkLst>
+        </pc:spChg>
+        <pc:spChg chg="add mod">
+          <ac:chgData name="Laurits Wieslander Lyngbæk" userId="5b145d83-88ad-4e24-ae77-3c6a2a84db4d" providerId="ADAL" clId="{1E89B219-3BCB-4B40-B85F-99C37FE5B570}" dt="2023-01-02T16:41:01.243" v="315" actId="1076"/>
+          <ac:spMkLst>
+            <pc:docMk/>
+            <pc:sldMk cId="3070723275" sldId="272"/>
+            <ac:spMk id="26" creationId="{1CB5B6F6-9F84-D7F5-4FFC-E9202F39889A}"/>
+          </ac:spMkLst>
+        </pc:spChg>
+        <pc:spChg chg="add del mod ord">
+          <ac:chgData name="Laurits Wieslander Lyngbæk" userId="5b145d83-88ad-4e24-ae77-3c6a2a84db4d" providerId="ADAL" clId="{1E89B219-3BCB-4B40-B85F-99C37FE5B570}" dt="2023-01-02T16:38:58.783" v="270" actId="478"/>
+          <ac:spMkLst>
+            <pc:docMk/>
+            <pc:sldMk cId="3070723275" sldId="272"/>
+            <ac:spMk id="27" creationId="{72B71CA3-EC82-8755-667C-23B1AB412431}"/>
+          </ac:spMkLst>
+        </pc:spChg>
+        <pc:spChg chg="add mod">
+          <ac:chgData name="Laurits Wieslander Lyngbæk" userId="5b145d83-88ad-4e24-ae77-3c6a2a84db4d" providerId="ADAL" clId="{1E89B219-3BCB-4B40-B85F-99C37FE5B570}" dt="2023-01-02T16:43:48.451" v="395" actId="20577"/>
+          <ac:spMkLst>
+            <pc:docMk/>
+            <pc:sldMk cId="3070723275" sldId="272"/>
+            <ac:spMk id="28" creationId="{AEA7E5D3-CE6D-5CF4-240C-757CD0237DF9}"/>
+          </ac:spMkLst>
+        </pc:spChg>
+        <pc:spChg chg="add mod">
+          <ac:chgData name="Laurits Wieslander Lyngbæk" userId="5b145d83-88ad-4e24-ae77-3c6a2a84db4d" providerId="ADAL" clId="{1E89B219-3BCB-4B40-B85F-99C37FE5B570}" dt="2023-01-02T16:39:31.800" v="276" actId="1076"/>
+          <ac:spMkLst>
+            <pc:docMk/>
+            <pc:sldMk cId="3070723275" sldId="272"/>
+            <ac:spMk id="29" creationId="{EFE996F1-E0D0-3E3E-C140-54D9DAB3BE64}"/>
+          </ac:spMkLst>
+        </pc:spChg>
+        <pc:spChg chg="add mod">
+          <ac:chgData name="Laurits Wieslander Lyngbæk" userId="5b145d83-88ad-4e24-ae77-3c6a2a84db4d" providerId="ADAL" clId="{1E89B219-3BCB-4B40-B85F-99C37FE5B570}" dt="2023-01-02T16:45:30.213" v="427" actId="1076"/>
+          <ac:spMkLst>
+            <pc:docMk/>
+            <pc:sldMk cId="3070723275" sldId="272"/>
+            <ac:spMk id="30" creationId="{1A73B77F-D6B5-C6D9-3F8E-6CF55ECD5C22}"/>
+          </ac:spMkLst>
+        </pc:spChg>
+        <pc:spChg chg="add mod">
+          <ac:chgData name="Laurits Wieslander Lyngbæk" userId="5b145d83-88ad-4e24-ae77-3c6a2a84db4d" providerId="ADAL" clId="{1E89B219-3BCB-4B40-B85F-99C37FE5B570}" dt="2023-01-02T16:55:28.784" v="485" actId="20577"/>
+          <ac:spMkLst>
+            <pc:docMk/>
+            <pc:sldMk cId="3070723275" sldId="272"/>
+            <ac:spMk id="32" creationId="{3B8E2385-7E35-1D98-B214-2F41E30CA6B5}"/>
+          </ac:spMkLst>
+        </pc:spChg>
+        <pc:spChg chg="add mod">
+          <ac:chgData name="Laurits Wieslander Lyngbæk" userId="5b145d83-88ad-4e24-ae77-3c6a2a84db4d" providerId="ADAL" clId="{1E89B219-3BCB-4B40-B85F-99C37FE5B570}" dt="2023-01-02T16:44:05.287" v="408" actId="313"/>
+          <ac:spMkLst>
+            <pc:docMk/>
+            <pc:sldMk cId="3070723275" sldId="272"/>
+            <ac:spMk id="34" creationId="{F173E130-81AD-2D7F-74CA-0C099AF475F3}"/>
+          </ac:spMkLst>
+        </pc:spChg>
+        <pc:spChg chg="add mod">
+          <ac:chgData name="Laurits Wieslander Lyngbæk" userId="5b145d83-88ad-4e24-ae77-3c6a2a84db4d" providerId="ADAL" clId="{1E89B219-3BCB-4B40-B85F-99C37FE5B570}" dt="2023-01-02T16:39:38.493" v="278" actId="1076"/>
+          <ac:spMkLst>
+            <pc:docMk/>
+            <pc:sldMk cId="3070723275" sldId="272"/>
+            <ac:spMk id="35" creationId="{A5B94970-0163-465E-BF1A-B5F86A8A8FD8}"/>
+          </ac:spMkLst>
+        </pc:spChg>
+        <pc:spChg chg="add mod">
+          <ac:chgData name="Laurits Wieslander Lyngbæk" userId="5b145d83-88ad-4e24-ae77-3c6a2a84db4d" providerId="ADAL" clId="{1E89B219-3BCB-4B40-B85F-99C37FE5B570}" dt="2023-01-02T16:45:53.030" v="434" actId="1076"/>
+          <ac:spMkLst>
+            <pc:docMk/>
+            <pc:sldMk cId="3070723275" sldId="272"/>
+            <ac:spMk id="36" creationId="{5C47DC66-9C0B-5327-872A-EFD34674BCF5}"/>
+          </ac:spMkLst>
+        </pc:spChg>
+        <pc:spChg chg="add mod">
+          <ac:chgData name="Laurits Wieslander Lyngbæk" userId="5b145d83-88ad-4e24-ae77-3c6a2a84db4d" providerId="ADAL" clId="{1E89B219-3BCB-4B40-B85F-99C37FE5B570}" dt="2023-01-02T21:34:03.716" v="491" actId="20577"/>
+          <ac:spMkLst>
+            <pc:docMk/>
+            <pc:sldMk cId="3070723275" sldId="272"/>
+            <ac:spMk id="38" creationId="{2BABBA5D-217A-0EFD-24BF-E3FD633D0292}"/>
+          </ac:spMkLst>
+        </pc:spChg>
+        <pc:spChg chg="add mod">
+          <ac:chgData name="Laurits Wieslander Lyngbæk" userId="5b145d83-88ad-4e24-ae77-3c6a2a84db4d" providerId="ADAL" clId="{1E89B219-3BCB-4B40-B85F-99C37FE5B570}" dt="2023-01-02T16:44:47.557" v="425" actId="20577"/>
+          <ac:spMkLst>
+            <pc:docMk/>
+            <pc:sldMk cId="3070723275" sldId="272"/>
+            <ac:spMk id="39" creationId="{D0E21903-928E-8B74-FD3F-FF22421327F9}"/>
+          </ac:spMkLst>
+        </pc:spChg>
+        <pc:spChg chg="add mod">
+          <ac:chgData name="Laurits Wieslander Lyngbæk" userId="5b145d83-88ad-4e24-ae77-3c6a2a84db4d" providerId="ADAL" clId="{1E89B219-3BCB-4B40-B85F-99C37FE5B570}" dt="2023-01-02T16:47:11.680" v="450" actId="1076"/>
+          <ac:spMkLst>
+            <pc:docMk/>
+            <pc:sldMk cId="3070723275" sldId="272"/>
+            <ac:spMk id="40" creationId="{C858143E-0F4E-66AB-C19F-D6A20B1EBDB8}"/>
+          </ac:spMkLst>
+        </pc:spChg>
+        <pc:spChg chg="add mod">
+          <ac:chgData name="Laurits Wieslander Lyngbæk" userId="5b145d83-88ad-4e24-ae77-3c6a2a84db4d" providerId="ADAL" clId="{1E89B219-3BCB-4B40-B85F-99C37FE5B570}" dt="2023-01-02T16:42:08.880" v="355" actId="1076"/>
+          <ac:spMkLst>
+            <pc:docMk/>
+            <pc:sldMk cId="3070723275" sldId="272"/>
+            <ac:spMk id="41" creationId="{E82556FB-BED5-DEF6-0BBD-6ADB99B5CFC3}"/>
+          </ac:spMkLst>
+        </pc:spChg>
+        <pc:spChg chg="add mod">
+          <ac:chgData name="Laurits Wieslander Lyngbæk" userId="5b145d83-88ad-4e24-ae77-3c6a2a84db4d" providerId="ADAL" clId="{1E89B219-3BCB-4B40-B85F-99C37FE5B570}" dt="2023-01-02T16:45:44.673" v="430" actId="1076"/>
+          <ac:spMkLst>
+            <pc:docMk/>
+            <pc:sldMk cId="3070723275" sldId="272"/>
+            <ac:spMk id="43" creationId="{C700A08E-ABF3-6C42-A367-4C989F3358A9}"/>
+          </ac:spMkLst>
+        </pc:spChg>
+        <pc:spChg chg="add del mod">
+          <ac:chgData name="Laurits Wieslander Lyngbæk" userId="5b145d83-88ad-4e24-ae77-3c6a2a84db4d" providerId="ADAL" clId="{1E89B219-3BCB-4B40-B85F-99C37FE5B570}" dt="2023-01-02T16:40:05.993" v="284"/>
+          <ac:spMkLst>
+            <pc:docMk/>
+            <pc:sldMk cId="3070723275" sldId="272"/>
+            <ac:spMk id="44" creationId="{3B0C2B6D-7A5F-19F0-EB5F-384F8F9BD77A}"/>
+          </ac:spMkLst>
+        </pc:spChg>
+        <pc:spChg chg="add mod">
+          <ac:chgData name="Laurits Wieslander Lyngbæk" userId="5b145d83-88ad-4e24-ae77-3c6a2a84db4d" providerId="ADAL" clId="{1E89B219-3BCB-4B40-B85F-99C37FE5B570}" dt="2023-01-02T16:41:07.612" v="316" actId="1076"/>
+          <ac:spMkLst>
+            <pc:docMk/>
+            <pc:sldMk cId="3070723275" sldId="272"/>
+            <ac:spMk id="45" creationId="{EE5E31E2-E4B4-A34E-D2A0-B0401AC1AD6C}"/>
+          </ac:spMkLst>
+        </pc:spChg>
+        <pc:spChg chg="add del mod">
+          <ac:chgData name="Laurits Wieslander Lyngbæk" userId="5b145d83-88ad-4e24-ae77-3c6a2a84db4d" providerId="ADAL" clId="{1E89B219-3BCB-4B40-B85F-99C37FE5B570}" dt="2023-01-02T16:43:28.342" v="373"/>
+          <ac:spMkLst>
+            <pc:docMk/>
+            <pc:sldMk cId="3070723275" sldId="272"/>
+            <ac:spMk id="55" creationId="{5BBB264D-1599-9D7E-6B38-9892FC6A6726}"/>
+          </ac:spMkLst>
+        </pc:spChg>
+        <pc:spChg chg="add mod">
+          <ac:chgData name="Laurits Wieslander Lyngbæk" userId="5b145d83-88ad-4e24-ae77-3c6a2a84db4d" providerId="ADAL" clId="{1E89B219-3BCB-4B40-B85F-99C37FE5B570}" dt="2023-01-02T16:47:15.231" v="451" actId="14100"/>
+          <ac:spMkLst>
+            <pc:docMk/>
+            <pc:sldMk cId="3070723275" sldId="272"/>
+            <ac:spMk id="56" creationId="{F000EA7E-7198-84B2-0EDB-D3BC0733D9E7}"/>
+          </ac:spMkLst>
+        </pc:spChg>
+        <pc:spChg chg="add mod">
+          <ac:chgData name="Laurits Wieslander Lyngbæk" userId="5b145d83-88ad-4e24-ae77-3c6a2a84db4d" providerId="ADAL" clId="{1E89B219-3BCB-4B40-B85F-99C37FE5B570}" dt="2023-01-02T16:47:48.716" v="473" actId="20577"/>
+          <ac:spMkLst>
+            <pc:docMk/>
+            <pc:sldMk cId="3070723275" sldId="272"/>
+            <ac:spMk id="57" creationId="{B769B331-8FEC-64F7-57E4-7EA4DF8693D1}"/>
+          </ac:spMkLst>
+        </pc:spChg>
+        <pc:spChg chg="add mod">
+          <ac:chgData name="Laurits Wieslander Lyngbæk" userId="5b145d83-88ad-4e24-ae77-3c6a2a84db4d" providerId="ADAL" clId="{1E89B219-3BCB-4B40-B85F-99C37FE5B570}" dt="2023-01-02T16:47:56.774" v="475" actId="1076"/>
+          <ac:spMkLst>
+            <pc:docMk/>
+            <pc:sldMk cId="3070723275" sldId="272"/>
+            <ac:spMk id="58" creationId="{48747908-B0E6-9E5D-C623-7F1513C55B7C}"/>
+          </ac:spMkLst>
+        </pc:spChg>
+        <pc:spChg chg="add mod">
+          <ac:chgData name="Laurits Wieslander Lyngbæk" userId="5b145d83-88ad-4e24-ae77-3c6a2a84db4d" providerId="ADAL" clId="{1E89B219-3BCB-4B40-B85F-99C37FE5B570}" dt="2023-01-02T16:48:02.166" v="477" actId="1076"/>
+          <ac:spMkLst>
+            <pc:docMk/>
+            <pc:sldMk cId="3070723275" sldId="272"/>
+            <ac:spMk id="59" creationId="{70B5FB10-293B-CBCD-BEF2-E824F0F62A43}"/>
+          </ac:spMkLst>
+        </pc:spChg>
+        <pc:graphicFrameChg chg="del mod">
+          <ac:chgData name="Laurits Wieslander Lyngbæk" userId="5b145d83-88ad-4e24-ae77-3c6a2a84db4d" providerId="ADAL" clId="{1E89B219-3BCB-4B40-B85F-99C37FE5B570}" dt="2023-01-02T16:36:20.948" v="217" actId="478"/>
+          <ac:graphicFrameMkLst>
+            <pc:docMk/>
+            <pc:sldMk cId="3070723275" sldId="272"/>
+            <ac:graphicFrameMk id="33" creationId="{7BC1F95D-CCD2-421B-B06B-706699FAAD5D}"/>
+          </ac:graphicFrameMkLst>
+        </pc:graphicFrameChg>
+        <pc:picChg chg="del">
+          <ac:chgData name="Laurits Wieslander Lyngbæk" userId="5b145d83-88ad-4e24-ae77-3c6a2a84db4d" providerId="ADAL" clId="{1E89B219-3BCB-4B40-B85F-99C37FE5B570}" dt="2023-01-02T16:36:18.626" v="215" actId="478"/>
+          <ac:picMkLst>
+            <pc:docMk/>
+            <pc:sldMk cId="3070723275" sldId="272"/>
+            <ac:picMk id="2" creationId="{FB679D40-FC7A-A078-2F72-55FDDA0F07C0}"/>
+          </ac:picMkLst>
+        </pc:picChg>
+        <pc:picChg chg="del">
+          <ac:chgData name="Laurits Wieslander Lyngbæk" userId="5b145d83-88ad-4e24-ae77-3c6a2a84db4d" providerId="ADAL" clId="{1E89B219-3BCB-4B40-B85F-99C37FE5B570}" dt="2023-01-02T16:36:18.626" v="215" actId="478"/>
+          <ac:picMkLst>
+            <pc:docMk/>
+            <pc:sldMk cId="3070723275" sldId="272"/>
+            <ac:picMk id="15" creationId="{BCF675B7-F6A0-0962-CC00-5EE525216FDF}"/>
+          </ac:picMkLst>
+        </pc:picChg>
+        <pc:picChg chg="del">
+          <ac:chgData name="Laurits Wieslander Lyngbæk" userId="5b145d83-88ad-4e24-ae77-3c6a2a84db4d" providerId="ADAL" clId="{1E89B219-3BCB-4B40-B85F-99C37FE5B570}" dt="2023-01-02T16:36:18.626" v="215" actId="478"/>
+          <ac:picMkLst>
+            <pc:docMk/>
+            <pc:sldMk cId="3070723275" sldId="272"/>
+            <ac:picMk id="20" creationId="{6E459199-E6A8-1C36-C5F4-E545A5B55783}"/>
+          </ac:picMkLst>
+        </pc:picChg>
+        <pc:picChg chg="add mod">
+          <ac:chgData name="Laurits Wieslander Lyngbæk" userId="5b145d83-88ad-4e24-ae77-3c6a2a84db4d" providerId="ADAL" clId="{1E89B219-3BCB-4B40-B85F-99C37FE5B570}" dt="2023-01-02T16:41:07.612" v="316" actId="1076"/>
+          <ac:picMkLst>
+            <pc:docMk/>
+            <pc:sldMk cId="3070723275" sldId="272"/>
+            <ac:picMk id="25" creationId="{875D8511-62B3-CFD3-F69D-A90C96B34E3F}"/>
+          </ac:picMkLst>
+        </pc:picChg>
+        <pc:picChg chg="add mod">
+          <ac:chgData name="Laurits Wieslander Lyngbæk" userId="5b145d83-88ad-4e24-ae77-3c6a2a84db4d" providerId="ADAL" clId="{1E89B219-3BCB-4B40-B85F-99C37FE5B570}" dt="2023-01-02T16:39:31.800" v="276" actId="1076"/>
+          <ac:picMkLst>
+            <pc:docMk/>
+            <pc:sldMk cId="3070723275" sldId="272"/>
+            <ac:picMk id="31" creationId="{856C798B-F9D7-8A42-37D0-136E9FBEBEED}"/>
+          </ac:picMkLst>
+        </pc:picChg>
+        <pc:picChg chg="add mod">
+          <ac:chgData name="Laurits Wieslander Lyngbæk" userId="5b145d83-88ad-4e24-ae77-3c6a2a84db4d" providerId="ADAL" clId="{1E89B219-3BCB-4B40-B85F-99C37FE5B570}" dt="2023-01-02T16:39:38.493" v="278" actId="1076"/>
+          <ac:picMkLst>
+            <pc:docMk/>
+            <pc:sldMk cId="3070723275" sldId="272"/>
+            <ac:picMk id="37" creationId="{8DDF70E3-A905-825D-02C6-2E038158C4AE}"/>
+          </ac:picMkLst>
+        </pc:picChg>
+        <pc:picChg chg="add mod">
+          <ac:chgData name="Laurits Wieslander Lyngbæk" userId="5b145d83-88ad-4e24-ae77-3c6a2a84db4d" providerId="ADAL" clId="{1E89B219-3BCB-4B40-B85F-99C37FE5B570}" dt="2023-01-02T16:46:01.631" v="435" actId="1076"/>
+          <ac:picMkLst>
+            <pc:docMk/>
+            <pc:sldMk cId="3070723275" sldId="272"/>
+            <ac:picMk id="42" creationId="{2B871273-0663-34D0-CFBD-778776E0D0B7}"/>
+          </ac:picMkLst>
+        </pc:picChg>
+        <pc:cxnChg chg="del">
+          <ac:chgData name="Laurits Wieslander Lyngbæk" userId="5b145d83-88ad-4e24-ae77-3c6a2a84db4d" providerId="ADAL" clId="{1E89B219-3BCB-4B40-B85F-99C37FE5B570}" dt="2023-01-02T16:36:18.626" v="215" actId="478"/>
+          <ac:cxnSpMkLst>
+            <pc:docMk/>
+            <pc:sldMk cId="3070723275" sldId="272"/>
+            <ac:cxnSpMk id="4" creationId="{55A5DE9D-AEF5-B8E2-A083-627330906D58}"/>
+          </ac:cxnSpMkLst>
+        </pc:cxnChg>
+        <pc:cxnChg chg="add mod">
+          <ac:chgData name="Laurits Wieslander Lyngbæk" userId="5b145d83-88ad-4e24-ae77-3c6a2a84db4d" providerId="ADAL" clId="{1E89B219-3BCB-4B40-B85F-99C37FE5B570}" dt="2023-01-02T16:42:49.383" v="366" actId="13822"/>
+          <ac:cxnSpMkLst>
+            <pc:docMk/>
+            <pc:sldMk cId="3070723275" sldId="272"/>
+            <ac:cxnSpMk id="47" creationId="{5AE60FF8-31E7-156C-AC1A-B2C77B305A3C}"/>
+          </ac:cxnSpMkLst>
+        </pc:cxnChg>
+        <pc:cxnChg chg="add mod">
+          <ac:chgData name="Laurits Wieslander Lyngbæk" userId="5b145d83-88ad-4e24-ae77-3c6a2a84db4d" providerId="ADAL" clId="{1E89B219-3BCB-4B40-B85F-99C37FE5B570}" dt="2023-01-02T16:43:07.684" v="368" actId="13822"/>
+          <ac:cxnSpMkLst>
+            <pc:docMk/>
+            <pc:sldMk cId="3070723275" sldId="272"/>
+            <ac:cxnSpMk id="52" creationId="{6862257E-7E72-C2BC-E99E-37290D942037}"/>
+          </ac:cxnSpMkLst>
+        </pc:cxnChg>
+        <pc:cxnChg chg="add mod">
+          <ac:chgData name="Laurits Wieslander Lyngbæk" userId="5b145d83-88ad-4e24-ae77-3c6a2a84db4d" providerId="ADAL" clId="{1E89B219-3BCB-4B40-B85F-99C37FE5B570}" dt="2023-01-02T16:48:08.587" v="478" actId="14100"/>
+          <ac:cxnSpMkLst>
+            <pc:docMk/>
+            <pc:sldMk cId="3070723275" sldId="272"/>
+            <ac:cxnSpMk id="53" creationId="{A201A84B-6C8F-F867-42EE-FE0B7C479336}"/>
+          </ac:cxnSpMkLst>
+        </pc:cxnChg>
+        <pc:cxnChg chg="add mod">
+          <ac:chgData name="Laurits Wieslander Lyngbæk" userId="5b145d83-88ad-4e24-ae77-3c6a2a84db4d" providerId="ADAL" clId="{1E89B219-3BCB-4B40-B85F-99C37FE5B570}" dt="2023-01-02T16:48:23.020" v="481" actId="1076"/>
+          <ac:cxnSpMkLst>
+            <pc:docMk/>
+            <pc:sldMk cId="3070723275" sldId="272"/>
+            <ac:cxnSpMk id="61" creationId="{135E90FE-E8A2-55CB-1E73-83A19BC4CCBF}"/>
+          </ac:cxnSpMkLst>
+        </pc:cxnChg>
+      </pc:sldChg>
+    </pc:docChg>
+  </pc:docChgLst>
+</pc:chgInfo>
 </file>
 
 <file path=ppt/diagrams/colors1.xml><?xml version="1.0" encoding="utf-8"?>
@@ -3759,7 +4923,7 @@
           <a:p>
             <a:fld id="{B56F32FC-4BD9-442A-A8C6-51598C909FE3}" type="datetimeFigureOut">
               <a:rPr lang="en-US" smtClean="0"/>
-              <a:t>11/25/2022</a:t>
+              <a:t>1/2/2023</a:t>
             </a:fld>
             <a:endParaRPr lang="en-US" dirty="0"/>
           </a:p>
@@ -3936,7 +5100,7 @@
           <a:p>
             <a:fld id="{056371FA-A98D-41E8-93F4-09945841298A}" type="datetimeFigureOut">
               <a:rPr lang="en-US" smtClean="0"/>
-              <a:t>11/25/2022</a:t>
+              <a:t>1/2/2023</a:t>
             </a:fld>
             <a:endParaRPr lang="en-US" dirty="0"/>
           </a:p>
@@ -13147,35 +14311,6 @@
       </p:grpSpPr>
       <p:sp>
         <p:nvSpPr>
-          <p:cNvPr id="2" name="Title 1">
-            <a:extLst>
-              <a:ext uri="{FF2B5EF4-FFF2-40B4-BE49-F238E27FC236}">
-                <a16:creationId xmlns:a16="http://schemas.microsoft.com/office/drawing/2014/main" id="{A43D07E3-4DA1-9EBC-902B-14B1F8E1A980}"/>
-              </a:ext>
-            </a:extLst>
-          </p:cNvPr>
-          <p:cNvSpPr>
-            <a:spLocks noGrp="1"/>
-          </p:cNvSpPr>
-          <p:nvPr>
-            <p:ph type="title"/>
-          </p:nvPr>
-        </p:nvSpPr>
-        <p:spPr/>
-        <p:txBody>
-          <a:bodyPr/>
-          <a:lstStyle/>
-          <a:p>
-            <a:r>
-              <a:rPr lang="en-GB" dirty="0"/>
-              <a:t>Stimuli Correspondence</a:t>
-            </a:r>
-            <a:endParaRPr lang="en-DK" dirty="0"/>
-          </a:p>
-        </p:txBody>
-      </p:sp>
-      <p:sp>
-        <p:nvSpPr>
           <p:cNvPr id="4" name="Date Placeholder 3">
             <a:extLst>
               <a:ext uri="{FF2B5EF4-FFF2-40B4-BE49-F238E27FC236}">
@@ -13197,7 +14332,7 @@
           <a:p>
             <a:r>
               <a:rPr lang="en-US" dirty="0"/>
-              <a:t>2022</a:t>
+              <a:t>2023</a:t>
             </a:r>
           </a:p>
         </p:txBody>
@@ -13246,70 +14381,29 @@
             <p:ph type="sldNum" sz="quarter" idx="12"/>
           </p:nvPr>
         </p:nvSpPr>
-        <p:spPr/>
+        <p:spPr>
+          <a:xfrm>
+            <a:off x="8576018" y="6326219"/>
+            <a:ext cx="2743200" cy="365125"/>
+          </a:xfrm>
+        </p:spPr>
         <p:txBody>
           <a:bodyPr/>
           <a:lstStyle/>
           <a:p>
-            <a:fld id="{A49DFD55-3C28-40EF-9E31-A92D2E4017FF}" type="slidenum">
-              <a:rPr lang="en-US" smtClean="0"/>
-              <a:pPr/>
-              <a:t>2</a:t>
-            </a:fld>
-            <a:endParaRPr lang="en-US" dirty="0"/>
+            <a:r>
+              <a:rPr lang="en-US" dirty="0"/>
+              <a:t>Laurits Lyngbæk</a:t>
+            </a:r>
           </a:p>
         </p:txBody>
       </p:sp>
-      <p:cxnSp>
-        <p:nvCxnSpPr>
-          <p:cNvPr id="7" name="Straight Arrow Connector 6">
-            <a:extLst>
-              <a:ext uri="{FF2B5EF4-FFF2-40B4-BE49-F238E27FC236}">
-                <a16:creationId xmlns:a16="http://schemas.microsoft.com/office/drawing/2014/main" id="{1B3FAACA-7A83-1BC4-04AB-FF81ED95B6B9}"/>
-              </a:ext>
-            </a:extLst>
-          </p:cNvPr>
-          <p:cNvCxnSpPr/>
-          <p:nvPr/>
-        </p:nvCxnSpPr>
-        <p:spPr>
-          <a:xfrm>
-            <a:off x="1063045" y="3668643"/>
-            <a:ext cx="10177669" cy="0"/>
-          </a:xfrm>
-          <a:prstGeom prst="straightConnector1">
-            <a:avLst/>
-          </a:prstGeom>
-          <a:ln w="76200">
-            <a:solidFill>
-              <a:schemeClr val="accent1">
-                <a:lumMod val="50000"/>
-              </a:schemeClr>
-            </a:solidFill>
-            <a:tailEnd type="triangle"/>
-          </a:ln>
-        </p:spPr>
-        <p:style>
-          <a:lnRef idx="1">
-            <a:schemeClr val="accent1"/>
-          </a:lnRef>
-          <a:fillRef idx="0">
-            <a:schemeClr val="accent1"/>
-          </a:fillRef>
-          <a:effectRef idx="0">
-            <a:schemeClr val="accent1"/>
-          </a:effectRef>
-          <a:fontRef idx="minor">
-            <a:schemeClr val="tx1"/>
-          </a:fontRef>
-        </p:style>
-      </p:cxnSp>
       <p:grpSp>
         <p:nvGrpSpPr>
-          <p:cNvPr id="49" name="Group 48">
-            <a:extLst>
-              <a:ext uri="{FF2B5EF4-FFF2-40B4-BE49-F238E27FC236}">
-                <a16:creationId xmlns:a16="http://schemas.microsoft.com/office/drawing/2014/main" id="{C8D94D8B-C6CD-7D04-3F2B-DF20DDFFDEA5}"/>
+          <p:cNvPr id="10" name="Group 9">
+            <a:extLst>
+              <a:ext uri="{FF2B5EF4-FFF2-40B4-BE49-F238E27FC236}">
+                <a16:creationId xmlns:a16="http://schemas.microsoft.com/office/drawing/2014/main" id="{D3307A97-9201-6E2E-6AA5-5959176869F1}"/>
               </a:ext>
             </a:extLst>
           </p:cNvPr>
@@ -13318,18 +14412,540 @@
         </p:nvGrpSpPr>
         <p:grpSpPr>
           <a:xfrm>
-            <a:off x="1397000" y="3221603"/>
-            <a:ext cx="9027160" cy="899319"/>
-            <a:chOff x="1397000" y="3221603"/>
-            <a:chExt cx="7030724" cy="899319"/>
+            <a:off x="1188301" y="136525"/>
+            <a:ext cx="10177669" cy="3100462"/>
+            <a:chOff x="1063045" y="1922073"/>
+            <a:chExt cx="10177669" cy="3100462"/>
           </a:xfrm>
         </p:grpSpPr>
+        <p:cxnSp>
+          <p:nvCxnSpPr>
+            <p:cNvPr id="7" name="Straight Arrow Connector 6">
+              <a:extLst>
+                <a:ext uri="{FF2B5EF4-FFF2-40B4-BE49-F238E27FC236}">
+                  <a16:creationId xmlns:a16="http://schemas.microsoft.com/office/drawing/2014/main" id="{1B3FAACA-7A83-1BC4-04AB-FF81ED95B6B9}"/>
+                </a:ext>
+              </a:extLst>
+            </p:cNvPr>
+            <p:cNvCxnSpPr/>
+            <p:nvPr/>
+          </p:nvCxnSpPr>
+          <p:spPr>
+            <a:xfrm>
+              <a:off x="1063045" y="3668643"/>
+              <a:ext cx="10177669" cy="0"/>
+            </a:xfrm>
+            <a:prstGeom prst="straightConnector1">
+              <a:avLst/>
+            </a:prstGeom>
+            <a:ln w="76200">
+              <a:solidFill>
+                <a:schemeClr val="accent1">
+                  <a:lumMod val="50000"/>
+                </a:schemeClr>
+              </a:solidFill>
+              <a:headEnd type="diamond"/>
+              <a:tailEnd type="diamond"/>
+            </a:ln>
+          </p:spPr>
+          <p:style>
+            <a:lnRef idx="1">
+              <a:schemeClr val="accent1"/>
+            </a:lnRef>
+            <a:fillRef idx="0">
+              <a:schemeClr val="accent1"/>
+            </a:fillRef>
+            <a:effectRef idx="0">
+              <a:schemeClr val="accent1"/>
+            </a:effectRef>
+            <a:fontRef idx="minor">
+              <a:schemeClr val="tx1"/>
+            </a:fontRef>
+          </p:style>
+        </p:cxnSp>
+        <p:sp>
+          <p:nvSpPr>
+            <p:cNvPr id="52" name="TextBox 51">
+              <a:extLst>
+                <a:ext uri="{FF2B5EF4-FFF2-40B4-BE49-F238E27FC236}">
+                  <a16:creationId xmlns:a16="http://schemas.microsoft.com/office/drawing/2014/main" id="{1956B3DC-228F-DA41-3466-4BC43A18F6DC}"/>
+                </a:ext>
+              </a:extLst>
+            </p:cNvPr>
+            <p:cNvSpPr txBox="1"/>
+            <p:nvPr/>
+          </p:nvSpPr>
+          <p:spPr>
+            <a:xfrm rot="18828670">
+              <a:off x="1187203" y="2662501"/>
+              <a:ext cx="955040" cy="369332"/>
+            </a:xfrm>
+            <a:prstGeom prst="rect">
+              <a:avLst/>
+            </a:prstGeom>
+            <a:noFill/>
+          </p:spPr>
+          <p:txBody>
+            <a:bodyPr wrap="square" rtlCol="0">
+              <a:spAutoFit/>
+            </a:bodyPr>
+            <a:lstStyle/>
+            <a:p>
+              <a:r>
+                <a:rPr lang="en-GB" dirty="0"/>
+                <a:t>296 Hz</a:t>
+              </a:r>
+              <a:endParaRPr lang="en-DK" dirty="0"/>
+            </a:p>
+          </p:txBody>
+        </p:sp>
+        <p:sp>
+          <p:nvSpPr>
+            <p:cNvPr id="54" name="TextBox 53">
+              <a:extLst>
+                <a:ext uri="{FF2B5EF4-FFF2-40B4-BE49-F238E27FC236}">
+                  <a16:creationId xmlns:a16="http://schemas.microsoft.com/office/drawing/2014/main" id="{97684BAA-11B5-0D0E-1646-1D8CF3403335}"/>
+                </a:ext>
+              </a:extLst>
+            </p:cNvPr>
+            <p:cNvSpPr txBox="1"/>
+            <p:nvPr/>
+          </p:nvSpPr>
+          <p:spPr>
+            <a:xfrm rot="18828670">
+              <a:off x="2664994" y="2647075"/>
+              <a:ext cx="955040" cy="369332"/>
+            </a:xfrm>
+            <a:prstGeom prst="rect">
+              <a:avLst/>
+            </a:prstGeom>
+            <a:noFill/>
+          </p:spPr>
+          <p:txBody>
+            <a:bodyPr wrap="square" rtlCol="0">
+              <a:spAutoFit/>
+            </a:bodyPr>
+            <a:lstStyle/>
+            <a:p>
+              <a:r>
+                <a:rPr lang="en-GB" dirty="0"/>
+                <a:t>444 Hz</a:t>
+              </a:r>
+              <a:endParaRPr lang="en-DK" dirty="0"/>
+            </a:p>
+          </p:txBody>
+        </p:sp>
+        <p:sp>
+          <p:nvSpPr>
+            <p:cNvPr id="55" name="TextBox 54">
+              <a:extLst>
+                <a:ext uri="{FF2B5EF4-FFF2-40B4-BE49-F238E27FC236}">
+                  <a16:creationId xmlns:a16="http://schemas.microsoft.com/office/drawing/2014/main" id="{01ADAA91-0B50-B2CC-F3ED-C1D0DBB47586}"/>
+                </a:ext>
+              </a:extLst>
+            </p:cNvPr>
+            <p:cNvSpPr txBox="1"/>
+            <p:nvPr/>
+          </p:nvSpPr>
+          <p:spPr>
+            <a:xfrm rot="3003862">
+              <a:off x="2653084" y="4333136"/>
+              <a:ext cx="955040" cy="369332"/>
+            </a:xfrm>
+            <a:prstGeom prst="rect">
+              <a:avLst/>
+            </a:prstGeom>
+            <a:noFill/>
+          </p:spPr>
+          <p:txBody>
+            <a:bodyPr wrap="square" rtlCol="0">
+              <a:spAutoFit/>
+            </a:bodyPr>
+            <a:lstStyle/>
+            <a:p>
+              <a:r>
+                <a:rPr lang="en-GB" dirty="0"/>
+                <a:t>2.6</a:t>
+              </a:r>
+              <a:r>
+                <a:rPr lang="en-GB" sz="1800" dirty="0">
+                  <a:effectLst/>
+                  <a:latin typeface="Arial" panose="020B0604020202020204" pitchFamily="34" charset="0"/>
+                  <a:ea typeface="Arial" panose="020B0604020202020204" pitchFamily="34" charset="0"/>
+                  <a:cs typeface="Times New Roman" panose="02020603050405020304" pitchFamily="18" charset="0"/>
+                </a:rPr>
+                <a:t>°</a:t>
+              </a:r>
+              <a:endParaRPr lang="en-DK" dirty="0"/>
+            </a:p>
+          </p:txBody>
+        </p:sp>
+        <p:sp>
+          <p:nvSpPr>
+            <p:cNvPr id="56" name="TextBox 55">
+              <a:extLst>
+                <a:ext uri="{FF2B5EF4-FFF2-40B4-BE49-F238E27FC236}">
+                  <a16:creationId xmlns:a16="http://schemas.microsoft.com/office/drawing/2014/main" id="{AFF7A86D-0F91-9DEF-BBCD-77BA4E50C770}"/>
+                </a:ext>
+              </a:extLst>
+            </p:cNvPr>
+            <p:cNvSpPr txBox="1"/>
+            <p:nvPr/>
+          </p:nvSpPr>
+          <p:spPr>
+            <a:xfrm rot="18828670">
+              <a:off x="4116789" y="2662499"/>
+              <a:ext cx="955040" cy="369332"/>
+            </a:xfrm>
+            <a:prstGeom prst="rect">
+              <a:avLst/>
+            </a:prstGeom>
+            <a:noFill/>
+          </p:spPr>
+          <p:txBody>
+            <a:bodyPr wrap="square" rtlCol="0">
+              <a:spAutoFit/>
+            </a:bodyPr>
+            <a:lstStyle/>
+            <a:p>
+              <a:r>
+                <a:rPr lang="en-GB" dirty="0"/>
+                <a:t>667 Hz</a:t>
+              </a:r>
+              <a:endParaRPr lang="en-DK" dirty="0"/>
+            </a:p>
+          </p:txBody>
+        </p:sp>
+        <p:sp>
+          <p:nvSpPr>
+            <p:cNvPr id="57" name="TextBox 56">
+              <a:extLst>
+                <a:ext uri="{FF2B5EF4-FFF2-40B4-BE49-F238E27FC236}">
+                  <a16:creationId xmlns:a16="http://schemas.microsoft.com/office/drawing/2014/main" id="{D9A50D9C-549A-4CD7-76B5-5B3D7DCCED0C}"/>
+                </a:ext>
+              </a:extLst>
+            </p:cNvPr>
+            <p:cNvSpPr txBox="1"/>
+            <p:nvPr/>
+          </p:nvSpPr>
+          <p:spPr>
+            <a:xfrm rot="3003862">
+              <a:off x="4094704" y="4360349"/>
+              <a:ext cx="955040" cy="369332"/>
+            </a:xfrm>
+            <a:prstGeom prst="rect">
+              <a:avLst/>
+            </a:prstGeom>
+            <a:noFill/>
+          </p:spPr>
+          <p:txBody>
+            <a:bodyPr wrap="square" rtlCol="0">
+              <a:spAutoFit/>
+            </a:bodyPr>
+            <a:lstStyle/>
+            <a:p>
+              <a:r>
+                <a:rPr lang="en-GB" dirty="0"/>
+                <a:t>2.8</a:t>
+              </a:r>
+              <a:r>
+                <a:rPr lang="en-GB" sz="1800" dirty="0">
+                  <a:effectLst/>
+                  <a:latin typeface="Arial" panose="020B0604020202020204" pitchFamily="34" charset="0"/>
+                  <a:ea typeface="Arial" panose="020B0604020202020204" pitchFamily="34" charset="0"/>
+                  <a:cs typeface="Times New Roman" panose="02020603050405020304" pitchFamily="18" charset="0"/>
+                </a:rPr>
+                <a:t>°</a:t>
+              </a:r>
+              <a:endParaRPr lang="en-DK" dirty="0"/>
+            </a:p>
+          </p:txBody>
+        </p:sp>
+        <p:sp>
+          <p:nvSpPr>
+            <p:cNvPr id="58" name="TextBox 57">
+              <a:extLst>
+                <a:ext uri="{FF2B5EF4-FFF2-40B4-BE49-F238E27FC236}">
+                  <a16:creationId xmlns:a16="http://schemas.microsoft.com/office/drawing/2014/main" id="{65F52B3F-58AA-BD69-4A56-8F74724FB530}"/>
+                </a:ext>
+              </a:extLst>
+            </p:cNvPr>
+            <p:cNvSpPr txBox="1"/>
+            <p:nvPr/>
+          </p:nvSpPr>
+          <p:spPr>
+            <a:xfrm rot="18828670">
+              <a:off x="5546603" y="2467941"/>
+              <a:ext cx="1461067" cy="369332"/>
+            </a:xfrm>
+            <a:prstGeom prst="rect">
+              <a:avLst/>
+            </a:prstGeom>
+            <a:noFill/>
+          </p:spPr>
+          <p:txBody>
+            <a:bodyPr wrap="square" rtlCol="0">
+              <a:spAutoFit/>
+            </a:bodyPr>
+            <a:lstStyle/>
+            <a:p>
+              <a:r>
+                <a:rPr lang="en-GB" dirty="0"/>
+                <a:t>1000 Hz</a:t>
+              </a:r>
+              <a:endParaRPr lang="en-DK" dirty="0"/>
+            </a:p>
+          </p:txBody>
+        </p:sp>
+        <p:sp>
+          <p:nvSpPr>
+            <p:cNvPr id="59" name="TextBox 58">
+              <a:extLst>
+                <a:ext uri="{FF2B5EF4-FFF2-40B4-BE49-F238E27FC236}">
+                  <a16:creationId xmlns:a16="http://schemas.microsoft.com/office/drawing/2014/main" id="{ED5648A4-5379-46B9-1512-41A4070FC955}"/>
+                </a:ext>
+              </a:extLst>
+            </p:cNvPr>
+            <p:cNvSpPr txBox="1"/>
+            <p:nvPr/>
+          </p:nvSpPr>
+          <p:spPr>
+            <a:xfrm rot="3003862">
+              <a:off x="5598174" y="4325936"/>
+              <a:ext cx="955040" cy="369332"/>
+            </a:xfrm>
+            <a:prstGeom prst="rect">
+              <a:avLst/>
+            </a:prstGeom>
+            <a:noFill/>
+          </p:spPr>
+          <p:txBody>
+            <a:bodyPr wrap="square" rtlCol="0">
+              <a:spAutoFit/>
+            </a:bodyPr>
+            <a:lstStyle/>
+            <a:p>
+              <a:r>
+                <a:rPr lang="en-GB" dirty="0"/>
+                <a:t>3.1</a:t>
+              </a:r>
+              <a:r>
+                <a:rPr lang="en-GB" sz="1800" dirty="0">
+                  <a:effectLst/>
+                  <a:latin typeface="Arial" panose="020B0604020202020204" pitchFamily="34" charset="0"/>
+                  <a:ea typeface="Arial" panose="020B0604020202020204" pitchFamily="34" charset="0"/>
+                  <a:cs typeface="Times New Roman" panose="02020603050405020304" pitchFamily="18" charset="0"/>
+                </a:rPr>
+                <a:t>°</a:t>
+              </a:r>
+              <a:endParaRPr lang="en-DK" dirty="0"/>
+            </a:p>
+          </p:txBody>
+        </p:sp>
+        <p:sp>
+          <p:nvSpPr>
+            <p:cNvPr id="60" name="TextBox 59">
+              <a:extLst>
+                <a:ext uri="{FF2B5EF4-FFF2-40B4-BE49-F238E27FC236}">
+                  <a16:creationId xmlns:a16="http://schemas.microsoft.com/office/drawing/2014/main" id="{796A17E4-0317-D975-0C5F-E49F2AC822D6}"/>
+                </a:ext>
+              </a:extLst>
+            </p:cNvPr>
+            <p:cNvSpPr txBox="1"/>
+            <p:nvPr/>
+          </p:nvSpPr>
+          <p:spPr>
+            <a:xfrm rot="18828670">
+              <a:off x="10325092" y="2542516"/>
+              <a:ext cx="1287578" cy="369332"/>
+            </a:xfrm>
+            <a:prstGeom prst="rect">
+              <a:avLst/>
+            </a:prstGeom>
+            <a:noFill/>
+          </p:spPr>
+          <p:txBody>
+            <a:bodyPr wrap="square" rtlCol="0">
+              <a:spAutoFit/>
+            </a:bodyPr>
+            <a:lstStyle/>
+            <a:p>
+              <a:r>
+                <a:rPr lang="en-GB" dirty="0"/>
+                <a:t>3375 Hz</a:t>
+              </a:r>
+              <a:endParaRPr lang="en-DK" dirty="0"/>
+            </a:p>
+          </p:txBody>
+        </p:sp>
+        <p:sp>
+          <p:nvSpPr>
+            <p:cNvPr id="61" name="TextBox 60">
+              <a:extLst>
+                <a:ext uri="{FF2B5EF4-FFF2-40B4-BE49-F238E27FC236}">
+                  <a16:creationId xmlns:a16="http://schemas.microsoft.com/office/drawing/2014/main" id="{E84F4A33-1493-204A-C90C-12840FFE5EAD}"/>
+                </a:ext>
+              </a:extLst>
+            </p:cNvPr>
+            <p:cNvSpPr txBox="1"/>
+            <p:nvPr/>
+          </p:nvSpPr>
+          <p:spPr>
+            <a:xfrm rot="3003862">
+              <a:off x="8664380" y="4360349"/>
+              <a:ext cx="955040" cy="369332"/>
+            </a:xfrm>
+            <a:prstGeom prst="rect">
+              <a:avLst/>
+            </a:prstGeom>
+            <a:noFill/>
+          </p:spPr>
+          <p:txBody>
+            <a:bodyPr wrap="square" rtlCol="0">
+              <a:spAutoFit/>
+            </a:bodyPr>
+            <a:lstStyle/>
+            <a:p>
+              <a:r>
+                <a:rPr lang="en-GB" dirty="0"/>
+                <a:t>3.8</a:t>
+              </a:r>
+              <a:r>
+                <a:rPr lang="en-GB" sz="1800" dirty="0">
+                  <a:effectLst/>
+                  <a:latin typeface="Arial" panose="020B0604020202020204" pitchFamily="34" charset="0"/>
+                  <a:ea typeface="Arial" panose="020B0604020202020204" pitchFamily="34" charset="0"/>
+                  <a:cs typeface="Times New Roman" panose="02020603050405020304" pitchFamily="18" charset="0"/>
+                </a:rPr>
+                <a:t>°</a:t>
+              </a:r>
+              <a:endParaRPr lang="en-DK" dirty="0"/>
+            </a:p>
+          </p:txBody>
+        </p:sp>
+        <p:sp>
+          <p:nvSpPr>
+            <p:cNvPr id="64" name="TextBox 63">
+              <a:extLst>
+                <a:ext uri="{FF2B5EF4-FFF2-40B4-BE49-F238E27FC236}">
+                  <a16:creationId xmlns:a16="http://schemas.microsoft.com/office/drawing/2014/main" id="{736F8A3A-EC71-E546-A0BA-A0CADB447AAE}"/>
+                </a:ext>
+              </a:extLst>
+            </p:cNvPr>
+            <p:cNvSpPr txBox="1"/>
+            <p:nvPr/>
+          </p:nvSpPr>
+          <p:spPr>
+            <a:xfrm rot="18828670">
+              <a:off x="7185009" y="2567220"/>
+              <a:ext cx="1176365" cy="369332"/>
+            </a:xfrm>
+            <a:prstGeom prst="rect">
+              <a:avLst/>
+            </a:prstGeom>
+            <a:noFill/>
+          </p:spPr>
+          <p:txBody>
+            <a:bodyPr wrap="square" rtlCol="0">
+              <a:spAutoFit/>
+            </a:bodyPr>
+            <a:lstStyle/>
+            <a:p>
+              <a:r>
+                <a:rPr lang="en-GB" dirty="0"/>
+                <a:t>1500 Hz</a:t>
+              </a:r>
+              <a:endParaRPr lang="en-DK" dirty="0"/>
+            </a:p>
+          </p:txBody>
+        </p:sp>
+        <p:sp>
+          <p:nvSpPr>
+            <p:cNvPr id="65" name="TextBox 64">
+              <a:extLst>
+                <a:ext uri="{FF2B5EF4-FFF2-40B4-BE49-F238E27FC236}">
+                  <a16:creationId xmlns:a16="http://schemas.microsoft.com/office/drawing/2014/main" id="{E3BA26CE-D8C6-E819-D543-89825B953832}"/>
+                </a:ext>
+              </a:extLst>
+            </p:cNvPr>
+            <p:cNvSpPr txBox="1"/>
+            <p:nvPr/>
+          </p:nvSpPr>
+          <p:spPr>
+            <a:xfrm rot="3003862">
+              <a:off x="7160910" y="4360348"/>
+              <a:ext cx="955040" cy="369332"/>
+            </a:xfrm>
+            <a:prstGeom prst="rect">
+              <a:avLst/>
+            </a:prstGeom>
+            <a:noFill/>
+          </p:spPr>
+          <p:txBody>
+            <a:bodyPr wrap="square" rtlCol="0">
+              <a:spAutoFit/>
+            </a:bodyPr>
+            <a:lstStyle/>
+            <a:p>
+              <a:r>
+                <a:rPr lang="en-GB" dirty="0"/>
+                <a:t>3.4</a:t>
+              </a:r>
+              <a:r>
+                <a:rPr lang="en-GB" sz="1800" dirty="0">
+                  <a:effectLst/>
+                  <a:latin typeface="Arial" panose="020B0604020202020204" pitchFamily="34" charset="0"/>
+                  <a:ea typeface="Arial" panose="020B0604020202020204" pitchFamily="34" charset="0"/>
+                  <a:cs typeface="Times New Roman" panose="02020603050405020304" pitchFamily="18" charset="0"/>
+                </a:rPr>
+                <a:t>°</a:t>
+              </a:r>
+              <a:endParaRPr lang="en-DK" dirty="0"/>
+            </a:p>
+          </p:txBody>
+        </p:sp>
+        <p:sp>
+          <p:nvSpPr>
+            <p:cNvPr id="72" name="TextBox 71">
+              <a:extLst>
+                <a:ext uri="{FF2B5EF4-FFF2-40B4-BE49-F238E27FC236}">
+                  <a16:creationId xmlns:a16="http://schemas.microsoft.com/office/drawing/2014/main" id="{B66D48D6-94A8-A368-477D-0E2EA864245A}"/>
+                </a:ext>
+              </a:extLst>
+            </p:cNvPr>
+            <p:cNvSpPr txBox="1"/>
+            <p:nvPr/>
+          </p:nvSpPr>
+          <p:spPr>
+            <a:xfrm rot="18828670">
+              <a:off x="8600189" y="2567846"/>
+              <a:ext cx="1253586" cy="369332"/>
+            </a:xfrm>
+            <a:prstGeom prst="rect">
+              <a:avLst/>
+            </a:prstGeom>
+            <a:noFill/>
+          </p:spPr>
+          <p:txBody>
+            <a:bodyPr wrap="square" rtlCol="0">
+              <a:spAutoFit/>
+            </a:bodyPr>
+            <a:lstStyle/>
+            <a:p>
+              <a:r>
+                <a:rPr lang="en-GB" dirty="0"/>
+                <a:t>2250 Hz</a:t>
+              </a:r>
+              <a:endParaRPr lang="en-DK" dirty="0"/>
+            </a:p>
+          </p:txBody>
+        </p:sp>
         <p:grpSp>
           <p:nvGrpSpPr>
-            <p:cNvPr id="41" name="Group 40">
+            <p:cNvPr id="9" name="Group 8">
               <a:extLst>
                 <a:ext uri="{FF2B5EF4-FFF2-40B4-BE49-F238E27FC236}">
-                  <a16:creationId xmlns:a16="http://schemas.microsoft.com/office/drawing/2014/main" id="{E950C475-999D-80DA-7DCE-53DFD8F3E324}"/>
+                  <a16:creationId xmlns:a16="http://schemas.microsoft.com/office/drawing/2014/main" id="{FB4AFFDB-9F07-B0B5-17F9-0F2DE1E86F1D}"/>
                 </a:ext>
               </a:extLst>
             </p:cNvPr>
@@ -13338,18 +14954,18 @@
           </p:nvGrpSpPr>
           <p:grpSpPr>
             <a:xfrm>
-              <a:off x="1397000" y="3221603"/>
-              <a:ext cx="2346962" cy="894080"/>
+              <a:off x="1396999" y="3221603"/>
+              <a:ext cx="9305089" cy="899319"/>
               <a:chOff x="1397000" y="3221603"/>
-              <a:chExt cx="2346962" cy="894080"/>
+              <a:chExt cx="6152134" cy="899319"/>
             </a:xfrm>
           </p:grpSpPr>
           <p:grpSp>
             <p:nvGrpSpPr>
-              <p:cNvPr id="12" name="Group 11">
+              <p:cNvPr id="41" name="Group 40">
                 <a:extLst>
                   <a:ext uri="{FF2B5EF4-FFF2-40B4-BE49-F238E27FC236}">
-                    <a16:creationId xmlns:a16="http://schemas.microsoft.com/office/drawing/2014/main" id="{2CBE4BB2-ED1E-EC54-823E-1C7C9569F687}"/>
+                    <a16:creationId xmlns:a16="http://schemas.microsoft.com/office/drawing/2014/main" id="{E950C475-999D-80DA-7DCE-53DFD8F3E324}"/>
                   </a:ext>
                 </a:extLst>
               </p:cNvPr>
@@ -13359,17 +14975,288 @@
             <p:grpSpPr>
               <a:xfrm>
                 <a:off x="1397000" y="3221603"/>
-                <a:ext cx="812800" cy="894080"/>
+                <a:ext cx="3013403" cy="894080"/>
+                <a:chOff x="1397000" y="3221603"/>
+                <a:chExt cx="2346962" cy="894080"/>
+              </a:xfrm>
+            </p:grpSpPr>
+            <p:grpSp>
+              <p:nvGrpSpPr>
+                <p:cNvPr id="12" name="Group 11">
+                  <a:extLst>
+                    <a:ext uri="{FF2B5EF4-FFF2-40B4-BE49-F238E27FC236}">
+                      <a16:creationId xmlns:a16="http://schemas.microsoft.com/office/drawing/2014/main" id="{2CBE4BB2-ED1E-EC54-823E-1C7C9569F687}"/>
+                    </a:ext>
+                  </a:extLst>
+                </p:cNvPr>
+                <p:cNvGrpSpPr/>
+                <p:nvPr/>
+              </p:nvGrpSpPr>
+              <p:grpSpPr>
+                <a:xfrm>
+                  <a:off x="1397000" y="3221603"/>
+                  <a:ext cx="812800" cy="894080"/>
+                  <a:chOff x="1397000" y="3221603"/>
+                  <a:chExt cx="812800" cy="894080"/>
+                </a:xfrm>
+              </p:grpSpPr>
+              <p:sp>
+                <p:nvSpPr>
+                  <p:cNvPr id="8" name="Rectangle 7">
+                    <a:extLst>
+                      <a:ext uri="{FF2B5EF4-FFF2-40B4-BE49-F238E27FC236}">
+                        <a16:creationId xmlns:a16="http://schemas.microsoft.com/office/drawing/2014/main" id="{3E53FE23-EFB9-B8F6-E398-B6D66192C633}"/>
+                      </a:ext>
+                    </a:extLst>
+                  </p:cNvPr>
+                  <p:cNvSpPr/>
+                  <p:nvPr/>
+                </p:nvSpPr>
+                <p:spPr>
+                  <a:xfrm>
+                    <a:off x="1397000" y="3221603"/>
+                    <a:ext cx="45719" cy="894080"/>
+                  </a:xfrm>
+                  <a:prstGeom prst="rect">
+                    <a:avLst/>
+                  </a:prstGeom>
+                  <a:solidFill>
+                    <a:srgbClr val="877A5D"/>
+                  </a:solidFill>
+                  <a:ln>
+                    <a:noFill/>
+                  </a:ln>
+                </p:spPr>
+                <p:style>
+                  <a:lnRef idx="2">
+                    <a:schemeClr val="accent1">
+                      <a:shade val="50000"/>
+                    </a:schemeClr>
+                  </a:lnRef>
+                  <a:fillRef idx="1">
+                    <a:schemeClr val="accent1"/>
+                  </a:fillRef>
+                  <a:effectRef idx="0">
+                    <a:schemeClr val="accent1"/>
+                  </a:effectRef>
+                  <a:fontRef idx="minor">
+                    <a:schemeClr val="lt1"/>
+                  </a:fontRef>
+                </p:style>
+                <p:txBody>
+                  <a:bodyPr rtlCol="0" anchor="ctr"/>
+                  <a:lstStyle/>
+                  <a:p>
+                    <a:pPr algn="ctr"/>
+                    <a:endParaRPr lang="en-DK"/>
+                  </a:p>
+                </p:txBody>
+              </p:sp>
+              <p:sp>
+                <p:nvSpPr>
+                  <p:cNvPr id="11" name="Rectangle 10">
+                    <a:extLst>
+                      <a:ext uri="{FF2B5EF4-FFF2-40B4-BE49-F238E27FC236}">
+                        <a16:creationId xmlns:a16="http://schemas.microsoft.com/office/drawing/2014/main" id="{42F7E7DE-BB7A-7530-B1E0-E75783E0E78A}"/>
+                      </a:ext>
+                    </a:extLst>
+                  </p:cNvPr>
+                  <p:cNvSpPr/>
+                  <p:nvPr/>
+                </p:nvSpPr>
+                <p:spPr>
+                  <a:xfrm>
+                    <a:off x="2164081" y="3221603"/>
+                    <a:ext cx="45719" cy="894080"/>
+                  </a:xfrm>
+                  <a:prstGeom prst="rect">
+                    <a:avLst/>
+                  </a:prstGeom>
+                  <a:solidFill>
+                    <a:srgbClr val="877A5D"/>
+                  </a:solidFill>
+                  <a:ln>
+                    <a:noFill/>
+                  </a:ln>
+                </p:spPr>
+                <p:style>
+                  <a:lnRef idx="2">
+                    <a:schemeClr val="accent1">
+                      <a:shade val="50000"/>
+                    </a:schemeClr>
+                  </a:lnRef>
+                  <a:fillRef idx="1">
+                    <a:schemeClr val="accent1"/>
+                  </a:fillRef>
+                  <a:effectRef idx="0">
+                    <a:schemeClr val="accent1"/>
+                  </a:effectRef>
+                  <a:fontRef idx="minor">
+                    <a:schemeClr val="lt1"/>
+                  </a:fontRef>
+                </p:style>
+                <p:txBody>
+                  <a:bodyPr rtlCol="0" anchor="ctr"/>
+                  <a:lstStyle/>
+                  <a:p>
+                    <a:pPr algn="ctr"/>
+                    <a:endParaRPr lang="en-DK"/>
+                  </a:p>
+                </p:txBody>
+              </p:sp>
+            </p:grpSp>
+            <p:grpSp>
+              <p:nvGrpSpPr>
+                <p:cNvPr id="13" name="Group 12">
+                  <a:extLst>
+                    <a:ext uri="{FF2B5EF4-FFF2-40B4-BE49-F238E27FC236}">
+                      <a16:creationId xmlns:a16="http://schemas.microsoft.com/office/drawing/2014/main" id="{DEDB5D24-D665-BFA5-93FF-0064008BA0F5}"/>
+                    </a:ext>
+                  </a:extLst>
+                </p:cNvPr>
+                <p:cNvGrpSpPr/>
+                <p:nvPr/>
+              </p:nvGrpSpPr>
+              <p:grpSpPr>
+                <a:xfrm>
+                  <a:off x="2931162" y="3221603"/>
+                  <a:ext cx="812800" cy="894080"/>
+                  <a:chOff x="1397000" y="3221603"/>
+                  <a:chExt cx="812800" cy="894080"/>
+                </a:xfrm>
+              </p:grpSpPr>
+              <p:sp>
+                <p:nvSpPr>
+                  <p:cNvPr id="14" name="Rectangle 13">
+                    <a:extLst>
+                      <a:ext uri="{FF2B5EF4-FFF2-40B4-BE49-F238E27FC236}">
+                        <a16:creationId xmlns:a16="http://schemas.microsoft.com/office/drawing/2014/main" id="{4F07F882-FE45-D4AC-A325-F63C500D2DD1}"/>
+                      </a:ext>
+                    </a:extLst>
+                  </p:cNvPr>
+                  <p:cNvSpPr/>
+                  <p:nvPr/>
+                </p:nvSpPr>
+                <p:spPr>
+                  <a:xfrm>
+                    <a:off x="1397000" y="3221603"/>
+                    <a:ext cx="45719" cy="894080"/>
+                  </a:xfrm>
+                  <a:prstGeom prst="rect">
+                    <a:avLst/>
+                  </a:prstGeom>
+                  <a:solidFill>
+                    <a:srgbClr val="877A5D"/>
+                  </a:solidFill>
+                  <a:ln>
+                    <a:noFill/>
+                  </a:ln>
+                </p:spPr>
+                <p:style>
+                  <a:lnRef idx="2">
+                    <a:schemeClr val="accent1">
+                      <a:shade val="50000"/>
+                    </a:schemeClr>
+                  </a:lnRef>
+                  <a:fillRef idx="1">
+                    <a:schemeClr val="accent1"/>
+                  </a:fillRef>
+                  <a:effectRef idx="0">
+                    <a:schemeClr val="accent1"/>
+                  </a:effectRef>
+                  <a:fontRef idx="minor">
+                    <a:schemeClr val="lt1"/>
+                  </a:fontRef>
+                </p:style>
+                <p:txBody>
+                  <a:bodyPr rtlCol="0" anchor="ctr"/>
+                  <a:lstStyle/>
+                  <a:p>
+                    <a:pPr algn="ctr"/>
+                    <a:endParaRPr lang="en-DK"/>
+                  </a:p>
+                </p:txBody>
+              </p:sp>
+              <p:sp>
+                <p:nvSpPr>
+                  <p:cNvPr id="15" name="Rectangle 14">
+                    <a:extLst>
+                      <a:ext uri="{FF2B5EF4-FFF2-40B4-BE49-F238E27FC236}">
+                        <a16:creationId xmlns:a16="http://schemas.microsoft.com/office/drawing/2014/main" id="{8773B10D-DF26-7D93-38BB-FFAE9426765E}"/>
+                      </a:ext>
+                    </a:extLst>
+                  </p:cNvPr>
+                  <p:cNvSpPr/>
+                  <p:nvPr/>
+                </p:nvSpPr>
+                <p:spPr>
+                  <a:xfrm>
+                    <a:off x="2164081" y="3221603"/>
+                    <a:ext cx="45719" cy="894080"/>
+                  </a:xfrm>
+                  <a:prstGeom prst="rect">
+                    <a:avLst/>
+                  </a:prstGeom>
+                  <a:solidFill>
+                    <a:srgbClr val="877A5D"/>
+                  </a:solidFill>
+                  <a:ln>
+                    <a:noFill/>
+                  </a:ln>
+                </p:spPr>
+                <p:style>
+                  <a:lnRef idx="2">
+                    <a:schemeClr val="accent1">
+                      <a:shade val="50000"/>
+                    </a:schemeClr>
+                  </a:lnRef>
+                  <a:fillRef idx="1">
+                    <a:schemeClr val="accent1"/>
+                  </a:fillRef>
+                  <a:effectRef idx="0">
+                    <a:schemeClr val="accent1"/>
+                  </a:effectRef>
+                  <a:fontRef idx="minor">
+                    <a:schemeClr val="lt1"/>
+                  </a:fontRef>
+                </p:style>
+                <p:txBody>
+                  <a:bodyPr rtlCol="0" anchor="ctr"/>
+                  <a:lstStyle/>
+                  <a:p>
+                    <a:pPr algn="ctr"/>
+                    <a:endParaRPr lang="en-DK"/>
+                  </a:p>
+                </p:txBody>
+              </p:sp>
+            </p:grpSp>
+          </p:grpSp>
+          <p:grpSp>
+            <p:nvGrpSpPr>
+              <p:cNvPr id="38" name="Group 37">
+                <a:extLst>
+                  <a:ext uri="{FF2B5EF4-FFF2-40B4-BE49-F238E27FC236}">
+                    <a16:creationId xmlns:a16="http://schemas.microsoft.com/office/drawing/2014/main" id="{235F8EF7-711C-85AB-0484-BC02C109B5A1}"/>
+                  </a:ext>
+                </a:extLst>
+              </p:cNvPr>
+              <p:cNvGrpSpPr/>
+              <p:nvPr/>
+            </p:nvGrpSpPr>
+            <p:grpSpPr>
+              <a:xfrm>
+                <a:off x="5388779" y="3226842"/>
+                <a:ext cx="1043602" cy="894080"/>
                 <a:chOff x="1397000" y="3221603"/>
                 <a:chExt cx="812800" cy="894080"/>
               </a:xfrm>
             </p:grpSpPr>
             <p:sp>
               <p:nvSpPr>
-                <p:cNvPr id="8" name="Rectangle 7">
+                <p:cNvPr id="39" name="Rectangle 38">
                   <a:extLst>
                     <a:ext uri="{FF2B5EF4-FFF2-40B4-BE49-F238E27FC236}">
-                      <a16:creationId xmlns:a16="http://schemas.microsoft.com/office/drawing/2014/main" id="{3E53FE23-EFB9-B8F6-E398-B6D66192C633}"/>
+                      <a16:creationId xmlns:a16="http://schemas.microsoft.com/office/drawing/2014/main" id="{B9BBA8EF-E574-EB3A-4347-F0F970AFFB03}"/>
                     </a:ext>
                   </a:extLst>
                 </p:cNvPr>
@@ -13418,10 +15305,10 @@
             </p:sp>
             <p:sp>
               <p:nvSpPr>
-                <p:cNvPr id="11" name="Rectangle 10">
+                <p:cNvPr id="40" name="Rectangle 39">
                   <a:extLst>
                     <a:ext uri="{FF2B5EF4-FFF2-40B4-BE49-F238E27FC236}">
-                      <a16:creationId xmlns:a16="http://schemas.microsoft.com/office/drawing/2014/main" id="{42F7E7DE-BB7A-7530-B1E0-E75783E0E78A}"/>
+                      <a16:creationId xmlns:a16="http://schemas.microsoft.com/office/drawing/2014/main" id="{65871663-BACF-F1AA-7A61-9B2F4FC7BC51}"/>
                     </a:ext>
                   </a:extLst>
                 </p:cNvPr>
@@ -13469,158 +15356,12 @@
               </p:txBody>
             </p:sp>
           </p:grpSp>
-          <p:grpSp>
-            <p:nvGrpSpPr>
-              <p:cNvPr id="13" name="Group 12">
+          <p:sp>
+            <p:nvSpPr>
+              <p:cNvPr id="3" name="Rectangle 2">
                 <a:extLst>
                   <a:ext uri="{FF2B5EF4-FFF2-40B4-BE49-F238E27FC236}">
-                    <a16:creationId xmlns:a16="http://schemas.microsoft.com/office/drawing/2014/main" id="{DEDB5D24-D665-BFA5-93FF-0064008BA0F5}"/>
-                  </a:ext>
-                </a:extLst>
-              </p:cNvPr>
-              <p:cNvGrpSpPr/>
-              <p:nvPr/>
-            </p:nvGrpSpPr>
-            <p:grpSpPr>
-              <a:xfrm>
-                <a:off x="2931162" y="3221603"/>
-                <a:ext cx="812800" cy="894080"/>
-                <a:chOff x="1397000" y="3221603"/>
-                <a:chExt cx="812800" cy="894080"/>
-              </a:xfrm>
-            </p:grpSpPr>
-            <p:sp>
-              <p:nvSpPr>
-                <p:cNvPr id="14" name="Rectangle 13">
-                  <a:extLst>
-                    <a:ext uri="{FF2B5EF4-FFF2-40B4-BE49-F238E27FC236}">
-                      <a16:creationId xmlns:a16="http://schemas.microsoft.com/office/drawing/2014/main" id="{4F07F882-FE45-D4AC-A325-F63C500D2DD1}"/>
-                    </a:ext>
-                  </a:extLst>
-                </p:cNvPr>
-                <p:cNvSpPr/>
-                <p:nvPr/>
-              </p:nvSpPr>
-              <p:spPr>
-                <a:xfrm>
-                  <a:off x="1397000" y="3221603"/>
-                  <a:ext cx="45719" cy="894080"/>
-                </a:xfrm>
-                <a:prstGeom prst="rect">
-                  <a:avLst/>
-                </a:prstGeom>
-                <a:solidFill>
-                  <a:srgbClr val="877A5D"/>
-                </a:solidFill>
-                <a:ln>
-                  <a:noFill/>
-                </a:ln>
-              </p:spPr>
-              <p:style>
-                <a:lnRef idx="2">
-                  <a:schemeClr val="accent1">
-                    <a:shade val="50000"/>
-                  </a:schemeClr>
-                </a:lnRef>
-                <a:fillRef idx="1">
-                  <a:schemeClr val="accent1"/>
-                </a:fillRef>
-                <a:effectRef idx="0">
-                  <a:schemeClr val="accent1"/>
-                </a:effectRef>
-                <a:fontRef idx="minor">
-                  <a:schemeClr val="lt1"/>
-                </a:fontRef>
-              </p:style>
-              <p:txBody>
-                <a:bodyPr rtlCol="0" anchor="ctr"/>
-                <a:lstStyle/>
-                <a:p>
-                  <a:pPr algn="ctr"/>
-                  <a:endParaRPr lang="en-DK"/>
-                </a:p>
-              </p:txBody>
-            </p:sp>
-            <p:sp>
-              <p:nvSpPr>
-                <p:cNvPr id="15" name="Rectangle 14">
-                  <a:extLst>
-                    <a:ext uri="{FF2B5EF4-FFF2-40B4-BE49-F238E27FC236}">
-                      <a16:creationId xmlns:a16="http://schemas.microsoft.com/office/drawing/2014/main" id="{8773B10D-DF26-7D93-38BB-FFAE9426765E}"/>
-                    </a:ext>
-                  </a:extLst>
-                </p:cNvPr>
-                <p:cNvSpPr/>
-                <p:nvPr/>
-              </p:nvSpPr>
-              <p:spPr>
-                <a:xfrm>
-                  <a:off x="2164081" y="3221603"/>
-                  <a:ext cx="45719" cy="894080"/>
-                </a:xfrm>
-                <a:prstGeom prst="rect">
-                  <a:avLst/>
-                </a:prstGeom>
-                <a:solidFill>
-                  <a:srgbClr val="877A5D"/>
-                </a:solidFill>
-                <a:ln>
-                  <a:noFill/>
-                </a:ln>
-              </p:spPr>
-              <p:style>
-                <a:lnRef idx="2">
-                  <a:schemeClr val="accent1">
-                    <a:shade val="50000"/>
-                  </a:schemeClr>
-                </a:lnRef>
-                <a:fillRef idx="1">
-                  <a:schemeClr val="accent1"/>
-                </a:fillRef>
-                <a:effectRef idx="0">
-                  <a:schemeClr val="accent1"/>
-                </a:effectRef>
-                <a:fontRef idx="minor">
-                  <a:schemeClr val="lt1"/>
-                </a:fontRef>
-              </p:style>
-              <p:txBody>
-                <a:bodyPr rtlCol="0" anchor="ctr"/>
-                <a:lstStyle/>
-                <a:p>
-                  <a:pPr algn="ctr"/>
-                  <a:endParaRPr lang="en-DK"/>
-                </a:p>
-              </p:txBody>
-            </p:sp>
-          </p:grpSp>
-        </p:grpSp>
-        <p:grpSp>
-          <p:nvGrpSpPr>
-            <p:cNvPr id="38" name="Group 37">
-              <a:extLst>
-                <a:ext uri="{FF2B5EF4-FFF2-40B4-BE49-F238E27FC236}">
-                  <a16:creationId xmlns:a16="http://schemas.microsoft.com/office/drawing/2014/main" id="{235F8EF7-711C-85AB-0484-BC02C109B5A1}"/>
-                </a:ext>
-              </a:extLst>
-            </p:cNvPr>
-            <p:cNvGrpSpPr/>
-            <p:nvPr/>
-          </p:nvGrpSpPr>
-          <p:grpSpPr>
-            <a:xfrm>
-              <a:off x="4505962" y="3226842"/>
-              <a:ext cx="812800" cy="894080"/>
-              <a:chOff x="1397000" y="3221603"/>
-              <a:chExt cx="812800" cy="894080"/>
-            </a:xfrm>
-          </p:grpSpPr>
-          <p:sp>
-            <p:nvSpPr>
-              <p:cNvPr id="39" name="Rectangle 38">
-                <a:extLst>
-                  <a:ext uri="{FF2B5EF4-FFF2-40B4-BE49-F238E27FC236}">
-                    <a16:creationId xmlns:a16="http://schemas.microsoft.com/office/drawing/2014/main" id="{B9BBA8EF-E574-EB3A-4347-F0F970AFFB03}"/>
+                    <a16:creationId xmlns:a16="http://schemas.microsoft.com/office/drawing/2014/main" id="{BF9DEF7D-CA3F-0BB6-2F47-6A13AEDA1F2A}"/>
                   </a:ext>
                 </a:extLst>
               </p:cNvPr>
@@ -13629,60 +15370,8 @@
             </p:nvSpPr>
             <p:spPr>
               <a:xfrm>
-                <a:off x="1397000" y="3221603"/>
-                <a:ext cx="45719" cy="894080"/>
-              </a:xfrm>
-              <a:prstGeom prst="rect">
-                <a:avLst/>
-              </a:prstGeom>
-              <a:solidFill>
-                <a:srgbClr val="877A5D"/>
-              </a:solidFill>
-              <a:ln>
-                <a:noFill/>
-              </a:ln>
-            </p:spPr>
-            <p:style>
-              <a:lnRef idx="2">
-                <a:schemeClr val="accent1">
-                  <a:shade val="50000"/>
-                </a:schemeClr>
-              </a:lnRef>
-              <a:fillRef idx="1">
-                <a:schemeClr val="accent1"/>
-              </a:fillRef>
-              <a:effectRef idx="0">
-                <a:schemeClr val="accent1"/>
-              </a:effectRef>
-              <a:fontRef idx="minor">
-                <a:schemeClr val="lt1"/>
-              </a:fontRef>
-            </p:style>
-            <p:txBody>
-              <a:bodyPr rtlCol="0" anchor="ctr"/>
-              <a:lstStyle/>
-              <a:p>
-                <a:pPr algn="ctr"/>
-                <a:endParaRPr lang="en-DK"/>
-              </a:p>
-            </p:txBody>
-          </p:sp>
-          <p:sp>
-            <p:nvSpPr>
-              <p:cNvPr id="40" name="Rectangle 39">
-                <a:extLst>
-                  <a:ext uri="{FF2B5EF4-FFF2-40B4-BE49-F238E27FC236}">
-                    <a16:creationId xmlns:a16="http://schemas.microsoft.com/office/drawing/2014/main" id="{65871663-BACF-F1AA-7A61-9B2F4FC7BC51}"/>
-                  </a:ext>
-                </a:extLst>
-              </p:cNvPr>
-              <p:cNvSpPr/>
-              <p:nvPr/>
-            </p:nvSpPr>
-            <p:spPr>
-              <a:xfrm>
-                <a:off x="2164081" y="3221603"/>
-                <a:ext cx="45719" cy="894080"/>
+                <a:off x="7490433" y="3221603"/>
+                <a:ext cx="58701" cy="894080"/>
               </a:xfrm>
               <a:prstGeom prst="rect">
                 <a:avLst/>
@@ -13720,284 +15409,1466 @@
             </p:txBody>
           </p:sp>
         </p:grpSp>
-        <p:grpSp>
-          <p:nvGrpSpPr>
-            <p:cNvPr id="42" name="Group 41">
-              <a:extLst>
-                <a:ext uri="{FF2B5EF4-FFF2-40B4-BE49-F238E27FC236}">
-                  <a16:creationId xmlns:a16="http://schemas.microsoft.com/office/drawing/2014/main" id="{69845139-2475-1B67-7DF2-FF379598EAF0}"/>
-                </a:ext>
-              </a:extLst>
-            </p:cNvPr>
-            <p:cNvGrpSpPr/>
-            <p:nvPr/>
-          </p:nvGrpSpPr>
-          <p:grpSpPr>
-            <a:xfrm>
-              <a:off x="6080762" y="3221603"/>
-              <a:ext cx="2346962" cy="894080"/>
-              <a:chOff x="1397000" y="3221603"/>
-              <a:chExt cx="2346962" cy="894080"/>
-            </a:xfrm>
-          </p:grpSpPr>
-          <p:grpSp>
-            <p:nvGrpSpPr>
-              <p:cNvPr id="43" name="Group 42">
-                <a:extLst>
-                  <a:ext uri="{FF2B5EF4-FFF2-40B4-BE49-F238E27FC236}">
-                    <a16:creationId xmlns:a16="http://schemas.microsoft.com/office/drawing/2014/main" id="{CA02ACC2-CCC5-2BE5-4F8A-49D1791BC302}"/>
-                  </a:ext>
-                </a:extLst>
-              </p:cNvPr>
-              <p:cNvGrpSpPr/>
-              <p:nvPr/>
-            </p:nvGrpSpPr>
-            <p:grpSpPr>
-              <a:xfrm>
-                <a:off x="1397000" y="3221603"/>
-                <a:ext cx="812800" cy="894080"/>
-                <a:chOff x="1397000" y="3221603"/>
-                <a:chExt cx="812800" cy="894080"/>
-              </a:xfrm>
-            </p:grpSpPr>
-            <p:sp>
-              <p:nvSpPr>
-                <p:cNvPr id="47" name="Rectangle 46">
-                  <a:extLst>
-                    <a:ext uri="{FF2B5EF4-FFF2-40B4-BE49-F238E27FC236}">
-                      <a16:creationId xmlns:a16="http://schemas.microsoft.com/office/drawing/2014/main" id="{71069530-8BA2-EDF1-81A7-37C3EC1DD84D}"/>
-                    </a:ext>
-                  </a:extLst>
-                </p:cNvPr>
-                <p:cNvSpPr/>
-                <p:nvPr/>
-              </p:nvSpPr>
-              <p:spPr>
-                <a:xfrm>
-                  <a:off x="1397000" y="3221603"/>
-                  <a:ext cx="45719" cy="894080"/>
-                </a:xfrm>
-                <a:prstGeom prst="rect">
-                  <a:avLst/>
-                </a:prstGeom>
-                <a:solidFill>
-                  <a:srgbClr val="877A5D"/>
-                </a:solidFill>
-                <a:ln>
-                  <a:noFill/>
-                </a:ln>
-              </p:spPr>
-              <p:style>
-                <a:lnRef idx="2">
-                  <a:schemeClr val="accent1">
-                    <a:shade val="50000"/>
-                  </a:schemeClr>
-                </a:lnRef>
-                <a:fillRef idx="1">
-                  <a:schemeClr val="accent1"/>
-                </a:fillRef>
-                <a:effectRef idx="0">
-                  <a:schemeClr val="accent1"/>
-                </a:effectRef>
-                <a:fontRef idx="minor">
-                  <a:schemeClr val="lt1"/>
-                </a:fontRef>
-              </p:style>
-              <p:txBody>
-                <a:bodyPr rtlCol="0" anchor="ctr"/>
-                <a:lstStyle/>
-                <a:p>
-                  <a:pPr algn="ctr"/>
-                  <a:endParaRPr lang="en-DK"/>
-                </a:p>
-              </p:txBody>
-            </p:sp>
-            <p:sp>
-              <p:nvSpPr>
-                <p:cNvPr id="48" name="Rectangle 47">
-                  <a:extLst>
-                    <a:ext uri="{FF2B5EF4-FFF2-40B4-BE49-F238E27FC236}">
-                      <a16:creationId xmlns:a16="http://schemas.microsoft.com/office/drawing/2014/main" id="{39031337-033B-2A75-84BD-86B2920644F1}"/>
-                    </a:ext>
-                  </a:extLst>
-                </p:cNvPr>
-                <p:cNvSpPr/>
-                <p:nvPr/>
-              </p:nvSpPr>
-              <p:spPr>
-                <a:xfrm>
-                  <a:off x="2164081" y="3221603"/>
-                  <a:ext cx="45719" cy="894080"/>
-                </a:xfrm>
-                <a:prstGeom prst="rect">
-                  <a:avLst/>
-                </a:prstGeom>
-                <a:solidFill>
-                  <a:srgbClr val="877A5D"/>
-                </a:solidFill>
-                <a:ln>
-                  <a:noFill/>
-                </a:ln>
-              </p:spPr>
-              <p:style>
-                <a:lnRef idx="2">
-                  <a:schemeClr val="accent1">
-                    <a:shade val="50000"/>
-                  </a:schemeClr>
-                </a:lnRef>
-                <a:fillRef idx="1">
-                  <a:schemeClr val="accent1"/>
-                </a:fillRef>
-                <a:effectRef idx="0">
-                  <a:schemeClr val="accent1"/>
-                </a:effectRef>
-                <a:fontRef idx="minor">
-                  <a:schemeClr val="lt1"/>
-                </a:fontRef>
-              </p:style>
-              <p:txBody>
-                <a:bodyPr rtlCol="0" anchor="ctr"/>
-                <a:lstStyle/>
-                <a:p>
-                  <a:pPr algn="ctr"/>
-                  <a:endParaRPr lang="en-DK"/>
-                </a:p>
-              </p:txBody>
-            </p:sp>
-          </p:grpSp>
-          <p:grpSp>
-            <p:nvGrpSpPr>
-              <p:cNvPr id="44" name="Group 43">
-                <a:extLst>
-                  <a:ext uri="{FF2B5EF4-FFF2-40B4-BE49-F238E27FC236}">
-                    <a16:creationId xmlns:a16="http://schemas.microsoft.com/office/drawing/2014/main" id="{9A328A96-ACE9-314B-02F2-61DF73224032}"/>
-                  </a:ext>
-                </a:extLst>
-              </p:cNvPr>
-              <p:cNvGrpSpPr/>
-              <p:nvPr/>
-            </p:nvGrpSpPr>
-            <p:grpSpPr>
-              <a:xfrm>
-                <a:off x="2931162" y="3221603"/>
-                <a:ext cx="812800" cy="894080"/>
-                <a:chOff x="1397000" y="3221603"/>
-                <a:chExt cx="812800" cy="894080"/>
-              </a:xfrm>
-            </p:grpSpPr>
-            <p:sp>
-              <p:nvSpPr>
-                <p:cNvPr id="45" name="Rectangle 44">
-                  <a:extLst>
-                    <a:ext uri="{FF2B5EF4-FFF2-40B4-BE49-F238E27FC236}">
-                      <a16:creationId xmlns:a16="http://schemas.microsoft.com/office/drawing/2014/main" id="{45E50F75-89B3-3D9A-5B39-29C691F255A5}"/>
-                    </a:ext>
-                  </a:extLst>
-                </p:cNvPr>
-                <p:cNvSpPr/>
-                <p:nvPr/>
-              </p:nvSpPr>
-              <p:spPr>
-                <a:xfrm>
-                  <a:off x="1397000" y="3221603"/>
-                  <a:ext cx="45719" cy="894080"/>
-                </a:xfrm>
-                <a:prstGeom prst="rect">
-                  <a:avLst/>
-                </a:prstGeom>
-                <a:solidFill>
-                  <a:srgbClr val="877A5D"/>
-                </a:solidFill>
-                <a:ln>
-                  <a:noFill/>
-                </a:ln>
-              </p:spPr>
-              <p:style>
-                <a:lnRef idx="2">
-                  <a:schemeClr val="accent1">
-                    <a:shade val="50000"/>
-                  </a:schemeClr>
-                </a:lnRef>
-                <a:fillRef idx="1">
-                  <a:schemeClr val="accent1"/>
-                </a:fillRef>
-                <a:effectRef idx="0">
-                  <a:schemeClr val="accent1"/>
-                </a:effectRef>
-                <a:fontRef idx="minor">
-                  <a:schemeClr val="lt1"/>
-                </a:fontRef>
-              </p:style>
-              <p:txBody>
-                <a:bodyPr rtlCol="0" anchor="ctr"/>
-                <a:lstStyle/>
-                <a:p>
-                  <a:pPr algn="ctr"/>
-                  <a:endParaRPr lang="en-DK"/>
-                </a:p>
-              </p:txBody>
-            </p:sp>
-            <p:sp>
-              <p:nvSpPr>
-                <p:cNvPr id="46" name="Rectangle 45">
-                  <a:extLst>
-                    <a:ext uri="{FF2B5EF4-FFF2-40B4-BE49-F238E27FC236}">
-                      <a16:creationId xmlns:a16="http://schemas.microsoft.com/office/drawing/2014/main" id="{2FA628FE-BA13-AC7A-3931-1E7C5FC74044}"/>
-                    </a:ext>
-                  </a:extLst>
-                </p:cNvPr>
-                <p:cNvSpPr/>
-                <p:nvPr/>
-              </p:nvSpPr>
-              <p:spPr>
-                <a:xfrm>
-                  <a:off x="2164081" y="3221603"/>
-                  <a:ext cx="45719" cy="894080"/>
-                </a:xfrm>
-                <a:prstGeom prst="rect">
-                  <a:avLst/>
-                </a:prstGeom>
-                <a:solidFill>
-                  <a:srgbClr val="877A5D"/>
-                </a:solidFill>
-                <a:ln>
-                  <a:noFill/>
-                </a:ln>
-              </p:spPr>
-              <p:style>
-                <a:lnRef idx="2">
-                  <a:schemeClr val="accent1">
-                    <a:shade val="50000"/>
-                  </a:schemeClr>
-                </a:lnRef>
-                <a:fillRef idx="1">
-                  <a:schemeClr val="accent1"/>
-                </a:fillRef>
-                <a:effectRef idx="0">
-                  <a:schemeClr val="accent1"/>
-                </a:effectRef>
-                <a:fontRef idx="minor">
-                  <a:schemeClr val="lt1"/>
-                </a:fontRef>
-              </p:style>
-              <p:txBody>
-                <a:bodyPr rtlCol="0" anchor="ctr"/>
-                <a:lstStyle/>
-                <a:p>
-                  <a:pPr algn="ctr"/>
-                  <a:endParaRPr lang="en-DK"/>
-                </a:p>
-              </p:txBody>
-            </p:sp>
-          </p:grpSp>
-        </p:grpSp>
       </p:grpSp>
       <p:sp>
         <p:nvSpPr>
-          <p:cNvPr id="50" name="TextBox 49">
-            <a:extLst>
-              <a:ext uri="{FF2B5EF4-FFF2-40B4-BE49-F238E27FC236}">
-                <a16:creationId xmlns:a16="http://schemas.microsoft.com/office/drawing/2014/main" id="{344537A2-E0EF-1749-2BF0-D9FBC9F8D0D3}"/>
+          <p:cNvPr id="16" name="Oval 15">
+            <a:extLst>
+              <a:ext uri="{FF2B5EF4-FFF2-40B4-BE49-F238E27FC236}">
+                <a16:creationId xmlns:a16="http://schemas.microsoft.com/office/drawing/2014/main" id="{176E4D40-389C-24BF-3113-0FEE96129D96}"/>
+              </a:ext>
+            </a:extLst>
+          </p:cNvPr>
+          <p:cNvSpPr/>
+          <p:nvPr/>
+        </p:nvSpPr>
+        <p:spPr>
+          <a:xfrm>
+            <a:off x="891345" y="2240365"/>
+            <a:ext cx="413363" cy="365609"/>
+          </a:xfrm>
+          <a:prstGeom prst="ellipse">
+            <a:avLst/>
+          </a:prstGeom>
+        </p:spPr>
+        <p:style>
+          <a:lnRef idx="2">
+            <a:schemeClr val="accent1">
+              <a:shade val="50000"/>
+            </a:schemeClr>
+          </a:lnRef>
+          <a:fillRef idx="1">
+            <a:schemeClr val="accent1"/>
+          </a:fillRef>
+          <a:effectRef idx="0">
+            <a:schemeClr val="accent1"/>
+          </a:effectRef>
+          <a:fontRef idx="minor">
+            <a:schemeClr val="lt1"/>
+          </a:fontRef>
+        </p:style>
+        <p:txBody>
+          <a:bodyPr rtlCol="0" anchor="ctr"/>
+          <a:lstStyle/>
+          <a:p>
+            <a:pPr algn="ctr"/>
+            <a:endParaRPr lang="en-DK"/>
+          </a:p>
+        </p:txBody>
+      </p:sp>
+      <p:pic>
+        <p:nvPicPr>
+          <p:cNvPr id="17" name="Graphic 16" descr="Music outline">
+            <a:extLst>
+              <a:ext uri="{FF2B5EF4-FFF2-40B4-BE49-F238E27FC236}">
+                <a16:creationId xmlns:a16="http://schemas.microsoft.com/office/drawing/2014/main" id="{3AC16E0A-ECC2-F5BA-911D-C5EC700532B7}"/>
+              </a:ext>
+            </a:extLst>
+          </p:cNvPr>
+          <p:cNvPicPr>
+            <a:picLocks noChangeAspect="1"/>
+          </p:cNvPicPr>
+          <p:nvPr/>
+        </p:nvPicPr>
+        <p:blipFill>
+          <a:blip r:embed="rId2">
+            <a:extLst>
+              <a:ext uri="{96DAC541-7B7A-43D3-8B79-37D633B846F1}">
+                <asvg:svgBlip xmlns:asvg="http://schemas.microsoft.com/office/drawing/2016/SVG/main" r:embed="rId3"/>
+              </a:ext>
+            </a:extLst>
+          </a:blip>
+          <a:stretch>
+            <a:fillRect/>
+          </a:stretch>
+        </p:blipFill>
+        <p:spPr>
+          <a:xfrm>
+            <a:off x="922479" y="1021628"/>
+            <a:ext cx="351094" cy="351094"/>
+          </a:xfrm>
+          <a:prstGeom prst="rect">
+            <a:avLst/>
+          </a:prstGeom>
+        </p:spPr>
+      </p:pic>
+      <p:sp>
+        <p:nvSpPr>
+          <p:cNvPr id="35" name="Rectangle 34">
+            <a:extLst>
+              <a:ext uri="{FF2B5EF4-FFF2-40B4-BE49-F238E27FC236}">
+                <a16:creationId xmlns:a16="http://schemas.microsoft.com/office/drawing/2014/main" id="{66351D78-8533-A31E-EB3C-20A7F86F60F8}"/>
+              </a:ext>
+            </a:extLst>
+          </p:cNvPr>
+          <p:cNvSpPr/>
+          <p:nvPr/>
+        </p:nvSpPr>
+        <p:spPr>
+          <a:xfrm>
+            <a:off x="872782" y="2629714"/>
+            <a:ext cx="10515600" cy="3744913"/>
+          </a:xfrm>
+          <a:prstGeom prst="rect">
+            <a:avLst/>
+          </a:prstGeom>
+          <a:noFill/>
+        </p:spPr>
+      </p:sp>
+      <p:sp>
+        <p:nvSpPr>
+          <p:cNvPr id="36" name="Freeform: Shape 35">
+            <a:extLst>
+              <a:ext uri="{FF2B5EF4-FFF2-40B4-BE49-F238E27FC236}">
+                <a16:creationId xmlns:a16="http://schemas.microsoft.com/office/drawing/2014/main" id="{AEAEA43D-E96E-3774-1C53-2C7A1EDCA662}"/>
+              </a:ext>
+            </a:extLst>
+          </p:cNvPr>
+          <p:cNvSpPr/>
+          <p:nvPr/>
+        </p:nvSpPr>
+        <p:spPr>
+          <a:xfrm>
+            <a:off x="886542" y="3378696"/>
+            <a:ext cx="2011384" cy="603415"/>
+          </a:xfrm>
+          <a:custGeom>
+            <a:avLst/>
+            <a:gdLst>
+              <a:gd name="connsiteX0" fmla="*/ 0 w 2011384"/>
+              <a:gd name="connsiteY0" fmla="*/ 0 h 603415"/>
+              <a:gd name="connsiteX1" fmla="*/ 2011384 w 2011384"/>
+              <a:gd name="connsiteY1" fmla="*/ 0 h 603415"/>
+              <a:gd name="connsiteX2" fmla="*/ 2011384 w 2011384"/>
+              <a:gd name="connsiteY2" fmla="*/ 603415 h 603415"/>
+              <a:gd name="connsiteX3" fmla="*/ 0 w 2011384"/>
+              <a:gd name="connsiteY3" fmla="*/ 603415 h 603415"/>
+              <a:gd name="connsiteX4" fmla="*/ 0 w 2011384"/>
+              <a:gd name="connsiteY4" fmla="*/ 0 h 603415"/>
+            </a:gdLst>
+            <a:ahLst/>
+            <a:cxnLst>
+              <a:cxn ang="0">
+                <a:pos x="connsiteX0" y="connsiteY0"/>
+              </a:cxn>
+              <a:cxn ang="0">
+                <a:pos x="connsiteX1" y="connsiteY1"/>
+              </a:cxn>
+              <a:cxn ang="0">
+                <a:pos x="connsiteX2" y="connsiteY2"/>
+              </a:cxn>
+              <a:cxn ang="0">
+                <a:pos x="connsiteX3" y="connsiteY3"/>
+              </a:cxn>
+              <a:cxn ang="0">
+                <a:pos x="connsiteX4" y="connsiteY4"/>
+              </a:cxn>
+            </a:cxnLst>
+            <a:rect l="l" t="t" r="r" b="b"/>
+            <a:pathLst>
+              <a:path w="2011384" h="603415">
+                <a:moveTo>
+                  <a:pt x="0" y="0"/>
+                </a:moveTo>
+                <a:lnTo>
+                  <a:pt x="2011384" y="0"/>
+                </a:lnTo>
+                <a:lnTo>
+                  <a:pt x="2011384" y="603415"/>
+                </a:lnTo>
+                <a:lnTo>
+                  <a:pt x="0" y="603415"/>
+                </a:lnTo>
+                <a:lnTo>
+                  <a:pt x="0" y="0"/>
+                </a:lnTo>
+                <a:close/>
+              </a:path>
+            </a:pathLst>
+          </a:custGeom>
+        </p:spPr>
+        <p:style>
+          <a:lnRef idx="2">
+            <a:schemeClr val="accent1">
+              <a:hueOff val="0"/>
+              <a:satOff val="0"/>
+              <a:lumOff val="0"/>
+              <a:alphaOff val="0"/>
+            </a:schemeClr>
+          </a:lnRef>
+          <a:fillRef idx="1">
+            <a:schemeClr val="accent1">
+              <a:hueOff val="0"/>
+              <a:satOff val="0"/>
+              <a:lumOff val="0"/>
+              <a:alphaOff val="0"/>
+            </a:schemeClr>
+          </a:fillRef>
+          <a:effectRef idx="0">
+            <a:schemeClr val="accent1">
+              <a:hueOff val="0"/>
+              <a:satOff val="0"/>
+              <a:lumOff val="0"/>
+              <a:alphaOff val="0"/>
+            </a:schemeClr>
+          </a:effectRef>
+          <a:fontRef idx="minor">
+            <a:schemeClr val="lt1"/>
+          </a:fontRef>
+        </p:style>
+        <p:txBody>
+          <a:bodyPr spcFirstLastPara="0" vert="horz" wrap="square" lIns="158944" tIns="158944" rIns="158944" bIns="158944" numCol="1" spcCol="1270" anchor="ctr" anchorCtr="0">
+            <a:noAutofit/>
+          </a:bodyPr>
+          <a:lstStyle/>
+          <a:p>
+            <a:pPr marL="0" lvl="0" indent="0" algn="ctr" defTabSz="914400" rtl="0" eaLnBrk="1" latinLnBrk="0" hangingPunct="1">
+              <a:lnSpc>
+                <a:spcPct val="90000"/>
+              </a:lnSpc>
+              <a:spcBef>
+                <a:spcPct val="0"/>
+              </a:spcBef>
+              <a:spcAft>
+                <a:spcPct val="35000"/>
+              </a:spcAft>
+              <a:buFont typeface="Arial" panose="020B0604020202020204" pitchFamily="34" charset="0"/>
+              <a:buNone/>
+            </a:pPr>
+            <a:r>
+              <a:rPr lang="en-US" sz="1600" kern="1200" spc="150" baseline="0" dirty="0">
+                <a:solidFill>
+                  <a:schemeClr val="tx1"/>
+                </a:solidFill>
+                <a:latin typeface="+mj-lt"/>
+                <a:ea typeface="+mj-ea"/>
+                <a:cs typeface="+mj-cs"/>
+              </a:rPr>
+              <a:t>First Circle +</a:t>
+            </a:r>
+            <a:br>
+              <a:rPr lang="en-US" sz="1600" kern="1200" spc="150" baseline="0" dirty="0">
+                <a:solidFill>
+                  <a:schemeClr val="tx1"/>
+                </a:solidFill>
+                <a:latin typeface="+mj-lt"/>
+                <a:ea typeface="+mj-ea"/>
+                <a:cs typeface="+mj-cs"/>
+              </a:rPr>
+            </a:br>
+            <a:r>
+              <a:rPr lang="en-US" sz="1600" kern="1200" spc="150" baseline="0" dirty="0">
+                <a:solidFill>
+                  <a:schemeClr val="tx1"/>
+                </a:solidFill>
+                <a:latin typeface="+mj-lt"/>
+                <a:ea typeface="+mj-ea"/>
+                <a:cs typeface="+mj-cs"/>
+              </a:rPr>
+              <a:t>Auditory Input</a:t>
+            </a:r>
+          </a:p>
+        </p:txBody>
+      </p:sp>
+      <p:sp>
+        <p:nvSpPr>
+          <p:cNvPr id="37" name="Rectangle 36">
+            <a:extLst>
+              <a:ext uri="{FF2B5EF4-FFF2-40B4-BE49-F238E27FC236}">
+                <a16:creationId xmlns:a16="http://schemas.microsoft.com/office/drawing/2014/main" id="{6F10BF5C-092D-AC85-4435-F763F625CD4F}"/>
+              </a:ext>
+            </a:extLst>
+          </p:cNvPr>
+          <p:cNvSpPr/>
+          <p:nvPr/>
+        </p:nvSpPr>
+        <p:spPr>
+          <a:xfrm>
+            <a:off x="886542" y="3982111"/>
+            <a:ext cx="2011384" cy="1643532"/>
+          </a:xfrm>
+          <a:prstGeom prst="rect">
+            <a:avLst/>
+          </a:prstGeom>
+        </p:spPr>
+        <p:style>
+          <a:lnRef idx="2">
+            <a:schemeClr val="accent1">
+              <a:alpha val="90000"/>
+              <a:tint val="40000"/>
+              <a:hueOff val="0"/>
+              <a:satOff val="0"/>
+              <a:lumOff val="0"/>
+              <a:alphaOff val="0"/>
+            </a:schemeClr>
+          </a:lnRef>
+          <a:fillRef idx="1">
+            <a:schemeClr val="accent1">
+              <a:alpha val="90000"/>
+              <a:tint val="40000"/>
+              <a:hueOff val="0"/>
+              <a:satOff val="0"/>
+              <a:lumOff val="0"/>
+              <a:alphaOff val="0"/>
+            </a:schemeClr>
+          </a:fillRef>
+          <a:effectRef idx="0">
+            <a:schemeClr val="accent1">
+              <a:alpha val="90000"/>
+              <a:tint val="40000"/>
+              <a:hueOff val="0"/>
+              <a:satOff val="0"/>
+              <a:lumOff val="0"/>
+              <a:alphaOff val="0"/>
+            </a:schemeClr>
+          </a:effectRef>
+          <a:fontRef idx="minor">
+            <a:schemeClr val="dk1">
+              <a:hueOff val="0"/>
+              <a:satOff val="0"/>
+              <a:lumOff val="0"/>
+              <a:alphaOff val="0"/>
+            </a:schemeClr>
+          </a:fontRef>
+        </p:style>
+      </p:sp>
+      <p:sp>
+        <p:nvSpPr>
+          <p:cNvPr id="62" name="Freeform: Shape 61">
+            <a:extLst>
+              <a:ext uri="{FF2B5EF4-FFF2-40B4-BE49-F238E27FC236}">
+                <a16:creationId xmlns:a16="http://schemas.microsoft.com/office/drawing/2014/main" id="{1C4B9190-BEF5-880A-CA05-F651BE8A5264}"/>
+              </a:ext>
+            </a:extLst>
+          </p:cNvPr>
+          <p:cNvSpPr/>
+          <p:nvPr/>
+        </p:nvSpPr>
+        <p:spPr>
+          <a:xfrm>
+            <a:off x="3005715" y="3378696"/>
+            <a:ext cx="2011384" cy="603415"/>
+          </a:xfrm>
+          <a:custGeom>
+            <a:avLst/>
+            <a:gdLst>
+              <a:gd name="connsiteX0" fmla="*/ 0 w 2011384"/>
+              <a:gd name="connsiteY0" fmla="*/ 0 h 603415"/>
+              <a:gd name="connsiteX1" fmla="*/ 2011384 w 2011384"/>
+              <a:gd name="connsiteY1" fmla="*/ 0 h 603415"/>
+              <a:gd name="connsiteX2" fmla="*/ 2011384 w 2011384"/>
+              <a:gd name="connsiteY2" fmla="*/ 603415 h 603415"/>
+              <a:gd name="connsiteX3" fmla="*/ 0 w 2011384"/>
+              <a:gd name="connsiteY3" fmla="*/ 603415 h 603415"/>
+              <a:gd name="connsiteX4" fmla="*/ 0 w 2011384"/>
+              <a:gd name="connsiteY4" fmla="*/ 0 h 603415"/>
+            </a:gdLst>
+            <a:ahLst/>
+            <a:cxnLst>
+              <a:cxn ang="0">
+                <a:pos x="connsiteX0" y="connsiteY0"/>
+              </a:cxn>
+              <a:cxn ang="0">
+                <a:pos x="connsiteX1" y="connsiteY1"/>
+              </a:cxn>
+              <a:cxn ang="0">
+                <a:pos x="connsiteX2" y="connsiteY2"/>
+              </a:cxn>
+              <a:cxn ang="0">
+                <a:pos x="connsiteX3" y="connsiteY3"/>
+              </a:cxn>
+              <a:cxn ang="0">
+                <a:pos x="connsiteX4" y="connsiteY4"/>
+              </a:cxn>
+            </a:cxnLst>
+            <a:rect l="l" t="t" r="r" b="b"/>
+            <a:pathLst>
+              <a:path w="2011384" h="603415">
+                <a:moveTo>
+                  <a:pt x="0" y="0"/>
+                </a:moveTo>
+                <a:lnTo>
+                  <a:pt x="2011384" y="0"/>
+                </a:lnTo>
+                <a:lnTo>
+                  <a:pt x="2011384" y="603415"/>
+                </a:lnTo>
+                <a:lnTo>
+                  <a:pt x="0" y="603415"/>
+                </a:lnTo>
+                <a:lnTo>
+                  <a:pt x="0" y="0"/>
+                </a:lnTo>
+                <a:close/>
+              </a:path>
+            </a:pathLst>
+          </a:custGeom>
+        </p:spPr>
+        <p:style>
+          <a:lnRef idx="2">
+            <a:schemeClr val="accent1">
+              <a:hueOff val="0"/>
+              <a:satOff val="0"/>
+              <a:lumOff val="0"/>
+              <a:alphaOff val="0"/>
+            </a:schemeClr>
+          </a:lnRef>
+          <a:fillRef idx="1">
+            <a:schemeClr val="accent1">
+              <a:hueOff val="0"/>
+              <a:satOff val="0"/>
+              <a:lumOff val="0"/>
+              <a:alphaOff val="0"/>
+            </a:schemeClr>
+          </a:fillRef>
+          <a:effectRef idx="0">
+            <a:schemeClr val="accent1">
+              <a:hueOff val="0"/>
+              <a:satOff val="0"/>
+              <a:lumOff val="0"/>
+              <a:alphaOff val="0"/>
+            </a:schemeClr>
+          </a:effectRef>
+          <a:fontRef idx="minor">
+            <a:schemeClr val="lt1"/>
+          </a:fontRef>
+        </p:style>
+        <p:txBody>
+          <a:bodyPr spcFirstLastPara="0" vert="horz" wrap="square" lIns="158944" tIns="158944" rIns="158944" bIns="158944" numCol="1" spcCol="1270" anchor="ctr" anchorCtr="0">
+            <a:noAutofit/>
+          </a:bodyPr>
+          <a:lstStyle/>
+          <a:p>
+            <a:pPr marL="0" lvl="0" indent="0" algn="ctr" defTabSz="711200">
+              <a:lnSpc>
+                <a:spcPct val="90000"/>
+              </a:lnSpc>
+              <a:spcBef>
+                <a:spcPct val="0"/>
+              </a:spcBef>
+              <a:spcAft>
+                <a:spcPct val="35000"/>
+              </a:spcAft>
+              <a:buNone/>
+            </a:pPr>
+            <a:r>
+              <a:rPr lang="en-US" sz="1600" kern="1200" spc="150" baseline="0" dirty="0">
+                <a:solidFill>
+                  <a:prstClr val="black"/>
+                </a:solidFill>
+                <a:latin typeface="Tenorite"/>
+                <a:ea typeface="+mn-ea"/>
+                <a:cs typeface="+mn-cs"/>
+              </a:rPr>
+              <a:t>Blank Screen</a:t>
+            </a:r>
+          </a:p>
+        </p:txBody>
+      </p:sp>
+      <p:sp>
+        <p:nvSpPr>
+          <p:cNvPr id="63" name="Freeform: Shape 62">
+            <a:extLst>
+              <a:ext uri="{FF2B5EF4-FFF2-40B4-BE49-F238E27FC236}">
+                <a16:creationId xmlns:a16="http://schemas.microsoft.com/office/drawing/2014/main" id="{DC9AADE9-C5BA-9725-2F3F-3DF627D7B8D9}"/>
+              </a:ext>
+            </a:extLst>
+          </p:cNvPr>
+          <p:cNvSpPr/>
+          <p:nvPr/>
+        </p:nvSpPr>
+        <p:spPr>
+          <a:xfrm>
+            <a:off x="3005715" y="3982111"/>
+            <a:ext cx="2011384" cy="1643532"/>
+          </a:xfrm>
+          <a:custGeom>
+            <a:avLst/>
+            <a:gdLst>
+              <a:gd name="connsiteX0" fmla="*/ 0 w 2011384"/>
+              <a:gd name="connsiteY0" fmla="*/ 0 h 1643532"/>
+              <a:gd name="connsiteX1" fmla="*/ 2011384 w 2011384"/>
+              <a:gd name="connsiteY1" fmla="*/ 0 h 1643532"/>
+              <a:gd name="connsiteX2" fmla="*/ 2011384 w 2011384"/>
+              <a:gd name="connsiteY2" fmla="*/ 1643532 h 1643532"/>
+              <a:gd name="connsiteX3" fmla="*/ 0 w 2011384"/>
+              <a:gd name="connsiteY3" fmla="*/ 1643532 h 1643532"/>
+              <a:gd name="connsiteX4" fmla="*/ 0 w 2011384"/>
+              <a:gd name="connsiteY4" fmla="*/ 0 h 1643532"/>
+            </a:gdLst>
+            <a:ahLst/>
+            <a:cxnLst>
+              <a:cxn ang="0">
+                <a:pos x="connsiteX0" y="connsiteY0"/>
+              </a:cxn>
+              <a:cxn ang="0">
+                <a:pos x="connsiteX1" y="connsiteY1"/>
+              </a:cxn>
+              <a:cxn ang="0">
+                <a:pos x="connsiteX2" y="connsiteY2"/>
+              </a:cxn>
+              <a:cxn ang="0">
+                <a:pos x="connsiteX3" y="connsiteY3"/>
+              </a:cxn>
+              <a:cxn ang="0">
+                <a:pos x="connsiteX4" y="connsiteY4"/>
+              </a:cxn>
+            </a:cxnLst>
+            <a:rect l="l" t="t" r="r" b="b"/>
+            <a:pathLst>
+              <a:path w="2011384" h="1643532">
+                <a:moveTo>
+                  <a:pt x="0" y="0"/>
+                </a:moveTo>
+                <a:lnTo>
+                  <a:pt x="2011384" y="0"/>
+                </a:lnTo>
+                <a:lnTo>
+                  <a:pt x="2011384" y="1643532"/>
+                </a:lnTo>
+                <a:lnTo>
+                  <a:pt x="0" y="1643532"/>
+                </a:lnTo>
+                <a:lnTo>
+                  <a:pt x="0" y="0"/>
+                </a:lnTo>
+                <a:close/>
+              </a:path>
+            </a:pathLst>
+          </a:custGeom>
+        </p:spPr>
+        <p:style>
+          <a:lnRef idx="2">
+            <a:schemeClr val="accent1">
+              <a:alpha val="90000"/>
+              <a:tint val="40000"/>
+              <a:hueOff val="0"/>
+              <a:satOff val="0"/>
+              <a:lumOff val="0"/>
+              <a:alphaOff val="0"/>
+            </a:schemeClr>
+          </a:lnRef>
+          <a:fillRef idx="1">
+            <a:schemeClr val="accent1">
+              <a:alpha val="90000"/>
+              <a:tint val="40000"/>
+              <a:hueOff val="0"/>
+              <a:satOff val="0"/>
+              <a:lumOff val="0"/>
+              <a:alphaOff val="0"/>
+            </a:schemeClr>
+          </a:fillRef>
+          <a:effectRef idx="0">
+            <a:schemeClr val="accent1">
+              <a:alpha val="90000"/>
+              <a:tint val="40000"/>
+              <a:hueOff val="0"/>
+              <a:satOff val="0"/>
+              <a:lumOff val="0"/>
+              <a:alphaOff val="0"/>
+            </a:schemeClr>
+          </a:effectRef>
+          <a:fontRef idx="minor">
+            <a:schemeClr val="dk1">
+              <a:hueOff val="0"/>
+              <a:satOff val="0"/>
+              <a:lumOff val="0"/>
+              <a:alphaOff val="0"/>
+            </a:schemeClr>
+          </a:fontRef>
+        </p:style>
+        <p:txBody>
+          <a:bodyPr spcFirstLastPara="0" vert="horz" wrap="square" lIns="198680" tIns="198680" rIns="198680" bIns="198680" numCol="1" spcCol="1270" anchor="t" anchorCtr="0">
+            <a:noAutofit/>
+          </a:bodyPr>
+          <a:lstStyle/>
+          <a:p>
+            <a:pPr marL="0" lvl="0" indent="0" algn="l" defTabSz="622300">
+              <a:lnSpc>
+                <a:spcPct val="100000"/>
+              </a:lnSpc>
+              <a:spcBef>
+                <a:spcPct val="0"/>
+              </a:spcBef>
+              <a:spcAft>
+                <a:spcPct val="35000"/>
+              </a:spcAft>
+              <a:buNone/>
+            </a:pPr>
+            <a:r>
+              <a:rPr lang="en-US" sz="1400" kern="1200" spc="50" baseline="0" dirty="0">
+                <a:latin typeface="+mn-lt"/>
+              </a:rPr>
+              <a:t>Wait 500 </a:t>
+            </a:r>
+            <a:r>
+              <a:rPr lang="en-US" sz="1400" kern="1200" spc="50" baseline="0" dirty="0" err="1">
+                <a:latin typeface="+mn-lt"/>
+              </a:rPr>
+              <a:t>ms</a:t>
+            </a:r>
+            <a:endParaRPr lang="en-US" sz="1400" kern="1200" spc="50" baseline="0" dirty="0">
+              <a:latin typeface="+mn-lt"/>
+            </a:endParaRPr>
+          </a:p>
+        </p:txBody>
+      </p:sp>
+      <p:sp>
+        <p:nvSpPr>
+          <p:cNvPr id="66" name="Freeform: Shape 65">
+            <a:extLst>
+              <a:ext uri="{FF2B5EF4-FFF2-40B4-BE49-F238E27FC236}">
+                <a16:creationId xmlns:a16="http://schemas.microsoft.com/office/drawing/2014/main" id="{B8EB780F-1625-074E-8FC7-674D5CA3EB67}"/>
+              </a:ext>
+            </a:extLst>
+          </p:cNvPr>
+          <p:cNvSpPr/>
+          <p:nvPr/>
+        </p:nvSpPr>
+        <p:spPr>
+          <a:xfrm>
+            <a:off x="5124889" y="3378696"/>
+            <a:ext cx="2011384" cy="603415"/>
+          </a:xfrm>
+          <a:custGeom>
+            <a:avLst/>
+            <a:gdLst>
+              <a:gd name="connsiteX0" fmla="*/ 0 w 2011384"/>
+              <a:gd name="connsiteY0" fmla="*/ 0 h 603415"/>
+              <a:gd name="connsiteX1" fmla="*/ 2011384 w 2011384"/>
+              <a:gd name="connsiteY1" fmla="*/ 0 h 603415"/>
+              <a:gd name="connsiteX2" fmla="*/ 2011384 w 2011384"/>
+              <a:gd name="connsiteY2" fmla="*/ 603415 h 603415"/>
+              <a:gd name="connsiteX3" fmla="*/ 0 w 2011384"/>
+              <a:gd name="connsiteY3" fmla="*/ 603415 h 603415"/>
+              <a:gd name="connsiteX4" fmla="*/ 0 w 2011384"/>
+              <a:gd name="connsiteY4" fmla="*/ 0 h 603415"/>
+            </a:gdLst>
+            <a:ahLst/>
+            <a:cxnLst>
+              <a:cxn ang="0">
+                <a:pos x="connsiteX0" y="connsiteY0"/>
+              </a:cxn>
+              <a:cxn ang="0">
+                <a:pos x="connsiteX1" y="connsiteY1"/>
+              </a:cxn>
+              <a:cxn ang="0">
+                <a:pos x="connsiteX2" y="connsiteY2"/>
+              </a:cxn>
+              <a:cxn ang="0">
+                <a:pos x="connsiteX3" y="connsiteY3"/>
+              </a:cxn>
+              <a:cxn ang="0">
+                <a:pos x="connsiteX4" y="connsiteY4"/>
+              </a:cxn>
+            </a:cxnLst>
+            <a:rect l="l" t="t" r="r" b="b"/>
+            <a:pathLst>
+              <a:path w="2011384" h="603415">
+                <a:moveTo>
+                  <a:pt x="0" y="0"/>
+                </a:moveTo>
+                <a:lnTo>
+                  <a:pt x="2011384" y="0"/>
+                </a:lnTo>
+                <a:lnTo>
+                  <a:pt x="2011384" y="603415"/>
+                </a:lnTo>
+                <a:lnTo>
+                  <a:pt x="0" y="603415"/>
+                </a:lnTo>
+                <a:lnTo>
+                  <a:pt x="0" y="0"/>
+                </a:lnTo>
+                <a:close/>
+              </a:path>
+            </a:pathLst>
+          </a:custGeom>
+        </p:spPr>
+        <p:style>
+          <a:lnRef idx="2">
+            <a:schemeClr val="accent1">
+              <a:hueOff val="0"/>
+              <a:satOff val="0"/>
+              <a:lumOff val="0"/>
+              <a:alphaOff val="0"/>
+            </a:schemeClr>
+          </a:lnRef>
+          <a:fillRef idx="1">
+            <a:schemeClr val="accent1">
+              <a:hueOff val="0"/>
+              <a:satOff val="0"/>
+              <a:lumOff val="0"/>
+              <a:alphaOff val="0"/>
+            </a:schemeClr>
+          </a:fillRef>
+          <a:effectRef idx="0">
+            <a:schemeClr val="accent1">
+              <a:hueOff val="0"/>
+              <a:satOff val="0"/>
+              <a:lumOff val="0"/>
+              <a:alphaOff val="0"/>
+            </a:schemeClr>
+          </a:effectRef>
+          <a:fontRef idx="minor">
+            <a:schemeClr val="lt1"/>
+          </a:fontRef>
+        </p:style>
+        <p:txBody>
+          <a:bodyPr spcFirstLastPara="0" vert="horz" wrap="square" lIns="158944" tIns="158944" rIns="158944" bIns="158944" numCol="1" spcCol="1270" anchor="ctr" anchorCtr="0">
+            <a:noAutofit/>
+          </a:bodyPr>
+          <a:lstStyle/>
+          <a:p>
+            <a:pPr marL="0" lvl="0" indent="0" algn="ctr" defTabSz="889000">
+              <a:lnSpc>
+                <a:spcPct val="90000"/>
+              </a:lnSpc>
+              <a:spcBef>
+                <a:spcPct val="0"/>
+              </a:spcBef>
+              <a:spcAft>
+                <a:spcPct val="35000"/>
+              </a:spcAft>
+              <a:buNone/>
+            </a:pPr>
+            <a:r>
+              <a:rPr lang="en-US" sz="1600" kern="1200" spc="150" baseline="0" dirty="0">
+                <a:solidFill>
+                  <a:prstClr val="black"/>
+                </a:solidFill>
+                <a:latin typeface="Tenorite"/>
+                <a:ea typeface="+mn-ea"/>
+                <a:cs typeface="+mn-cs"/>
+              </a:rPr>
+              <a:t>Second Circle + </a:t>
+            </a:r>
+            <a:br>
+              <a:rPr lang="en-US" sz="1600" kern="1200" spc="150" baseline="0" dirty="0">
+                <a:solidFill>
+                  <a:prstClr val="black"/>
+                </a:solidFill>
+                <a:latin typeface="Tenorite"/>
+                <a:ea typeface="+mn-ea"/>
+                <a:cs typeface="+mn-cs"/>
+              </a:rPr>
+            </a:br>
+            <a:r>
+              <a:rPr lang="en-US" sz="1600" kern="1200" spc="150" baseline="0" dirty="0">
+                <a:solidFill>
+                  <a:prstClr val="black"/>
+                </a:solidFill>
+                <a:latin typeface="Tenorite"/>
+                <a:ea typeface="+mn-ea"/>
+                <a:cs typeface="+mn-cs"/>
+              </a:rPr>
+              <a:t>Auditory Input</a:t>
+            </a:r>
+          </a:p>
+        </p:txBody>
+      </p:sp>
+      <p:sp>
+        <p:nvSpPr>
+          <p:cNvPr id="73" name="Rectangle 72">
+            <a:extLst>
+              <a:ext uri="{FF2B5EF4-FFF2-40B4-BE49-F238E27FC236}">
+                <a16:creationId xmlns:a16="http://schemas.microsoft.com/office/drawing/2014/main" id="{2C2BFF43-B635-ABF7-0230-18D998ED0740}"/>
+              </a:ext>
+            </a:extLst>
+          </p:cNvPr>
+          <p:cNvSpPr/>
+          <p:nvPr/>
+        </p:nvSpPr>
+        <p:spPr>
+          <a:xfrm>
+            <a:off x="5124889" y="3982111"/>
+            <a:ext cx="2011384" cy="1643532"/>
+          </a:xfrm>
+          <a:prstGeom prst="rect">
+            <a:avLst/>
+          </a:prstGeom>
+        </p:spPr>
+        <p:style>
+          <a:lnRef idx="2">
+            <a:schemeClr val="accent1">
+              <a:alpha val="90000"/>
+              <a:tint val="40000"/>
+              <a:hueOff val="0"/>
+              <a:satOff val="0"/>
+              <a:lumOff val="0"/>
+              <a:alphaOff val="0"/>
+            </a:schemeClr>
+          </a:lnRef>
+          <a:fillRef idx="1">
+            <a:schemeClr val="accent1">
+              <a:alpha val="90000"/>
+              <a:tint val="40000"/>
+              <a:hueOff val="0"/>
+              <a:satOff val="0"/>
+              <a:lumOff val="0"/>
+              <a:alphaOff val="0"/>
+            </a:schemeClr>
+          </a:fillRef>
+          <a:effectRef idx="0">
+            <a:schemeClr val="accent1">
+              <a:alpha val="90000"/>
+              <a:tint val="40000"/>
+              <a:hueOff val="0"/>
+              <a:satOff val="0"/>
+              <a:lumOff val="0"/>
+              <a:alphaOff val="0"/>
+            </a:schemeClr>
+          </a:effectRef>
+          <a:fontRef idx="minor">
+            <a:schemeClr val="dk1">
+              <a:hueOff val="0"/>
+              <a:satOff val="0"/>
+              <a:lumOff val="0"/>
+              <a:alphaOff val="0"/>
+            </a:schemeClr>
+          </a:fontRef>
+        </p:style>
+      </p:sp>
+      <p:sp>
+        <p:nvSpPr>
+          <p:cNvPr id="74" name="Freeform: Shape 73">
+            <a:extLst>
+              <a:ext uri="{FF2B5EF4-FFF2-40B4-BE49-F238E27FC236}">
+                <a16:creationId xmlns:a16="http://schemas.microsoft.com/office/drawing/2014/main" id="{8C7AD258-7BB4-5A1B-7EAA-17B8CF24491F}"/>
+              </a:ext>
+            </a:extLst>
+          </p:cNvPr>
+          <p:cNvSpPr/>
+          <p:nvPr/>
+        </p:nvSpPr>
+        <p:spPr>
+          <a:xfrm>
+            <a:off x="7244063" y="3378696"/>
+            <a:ext cx="2011384" cy="603415"/>
+          </a:xfrm>
+          <a:custGeom>
+            <a:avLst/>
+            <a:gdLst>
+              <a:gd name="connsiteX0" fmla="*/ 0 w 2011384"/>
+              <a:gd name="connsiteY0" fmla="*/ 0 h 603415"/>
+              <a:gd name="connsiteX1" fmla="*/ 2011384 w 2011384"/>
+              <a:gd name="connsiteY1" fmla="*/ 0 h 603415"/>
+              <a:gd name="connsiteX2" fmla="*/ 2011384 w 2011384"/>
+              <a:gd name="connsiteY2" fmla="*/ 603415 h 603415"/>
+              <a:gd name="connsiteX3" fmla="*/ 0 w 2011384"/>
+              <a:gd name="connsiteY3" fmla="*/ 603415 h 603415"/>
+              <a:gd name="connsiteX4" fmla="*/ 0 w 2011384"/>
+              <a:gd name="connsiteY4" fmla="*/ 0 h 603415"/>
+            </a:gdLst>
+            <a:ahLst/>
+            <a:cxnLst>
+              <a:cxn ang="0">
+                <a:pos x="connsiteX0" y="connsiteY0"/>
+              </a:cxn>
+              <a:cxn ang="0">
+                <a:pos x="connsiteX1" y="connsiteY1"/>
+              </a:cxn>
+              <a:cxn ang="0">
+                <a:pos x="connsiteX2" y="connsiteY2"/>
+              </a:cxn>
+              <a:cxn ang="0">
+                <a:pos x="connsiteX3" y="connsiteY3"/>
+              </a:cxn>
+              <a:cxn ang="0">
+                <a:pos x="connsiteX4" y="connsiteY4"/>
+              </a:cxn>
+            </a:cxnLst>
+            <a:rect l="l" t="t" r="r" b="b"/>
+            <a:pathLst>
+              <a:path w="2011384" h="603415">
+                <a:moveTo>
+                  <a:pt x="0" y="0"/>
+                </a:moveTo>
+                <a:lnTo>
+                  <a:pt x="2011384" y="0"/>
+                </a:lnTo>
+                <a:lnTo>
+                  <a:pt x="2011384" y="603415"/>
+                </a:lnTo>
+                <a:lnTo>
+                  <a:pt x="0" y="603415"/>
+                </a:lnTo>
+                <a:lnTo>
+                  <a:pt x="0" y="0"/>
+                </a:lnTo>
+                <a:close/>
+              </a:path>
+            </a:pathLst>
+          </a:custGeom>
+        </p:spPr>
+        <p:style>
+          <a:lnRef idx="2">
+            <a:schemeClr val="accent1">
+              <a:hueOff val="0"/>
+              <a:satOff val="0"/>
+              <a:lumOff val="0"/>
+              <a:alphaOff val="0"/>
+            </a:schemeClr>
+          </a:lnRef>
+          <a:fillRef idx="1">
+            <a:schemeClr val="accent1">
+              <a:hueOff val="0"/>
+              <a:satOff val="0"/>
+              <a:lumOff val="0"/>
+              <a:alphaOff val="0"/>
+            </a:schemeClr>
+          </a:fillRef>
+          <a:effectRef idx="0">
+            <a:schemeClr val="accent1">
+              <a:hueOff val="0"/>
+              <a:satOff val="0"/>
+              <a:lumOff val="0"/>
+              <a:alphaOff val="0"/>
+            </a:schemeClr>
+          </a:effectRef>
+          <a:fontRef idx="minor">
+            <a:schemeClr val="lt1"/>
+          </a:fontRef>
+        </p:style>
+        <p:txBody>
+          <a:bodyPr spcFirstLastPara="0" vert="horz" wrap="square" lIns="158944" tIns="158944" rIns="158944" bIns="158944" numCol="1" spcCol="1270" anchor="ctr" anchorCtr="0">
+            <a:noAutofit/>
+          </a:bodyPr>
+          <a:lstStyle/>
+          <a:p>
+            <a:pPr marL="0" lvl="0" indent="0" algn="ctr" defTabSz="711200">
+              <a:lnSpc>
+                <a:spcPct val="90000"/>
+              </a:lnSpc>
+              <a:spcBef>
+                <a:spcPct val="0"/>
+              </a:spcBef>
+              <a:spcAft>
+                <a:spcPct val="35000"/>
+              </a:spcAft>
+              <a:buNone/>
+            </a:pPr>
+            <a:r>
+              <a:rPr lang="en-US" sz="1600" kern="1200" spc="150" baseline="0" dirty="0">
+                <a:solidFill>
+                  <a:prstClr val="black"/>
+                </a:solidFill>
+                <a:latin typeface="Tenorite"/>
+                <a:ea typeface="+mn-ea"/>
+                <a:cs typeface="+mn-cs"/>
+              </a:rPr>
+              <a:t>Blank Screen</a:t>
+            </a:r>
+          </a:p>
+        </p:txBody>
+      </p:sp>
+      <p:sp>
+        <p:nvSpPr>
+          <p:cNvPr id="75" name="Freeform: Shape 74">
+            <a:extLst>
+              <a:ext uri="{FF2B5EF4-FFF2-40B4-BE49-F238E27FC236}">
+                <a16:creationId xmlns:a16="http://schemas.microsoft.com/office/drawing/2014/main" id="{66BD32BB-75C5-2E4A-65AA-3D3B35B040B7}"/>
+              </a:ext>
+            </a:extLst>
+          </p:cNvPr>
+          <p:cNvSpPr/>
+          <p:nvPr/>
+        </p:nvSpPr>
+        <p:spPr>
+          <a:xfrm>
+            <a:off x="7244063" y="3982111"/>
+            <a:ext cx="2011384" cy="1643532"/>
+          </a:xfrm>
+          <a:custGeom>
+            <a:avLst/>
+            <a:gdLst>
+              <a:gd name="connsiteX0" fmla="*/ 0 w 2011384"/>
+              <a:gd name="connsiteY0" fmla="*/ 0 h 1643532"/>
+              <a:gd name="connsiteX1" fmla="*/ 2011384 w 2011384"/>
+              <a:gd name="connsiteY1" fmla="*/ 0 h 1643532"/>
+              <a:gd name="connsiteX2" fmla="*/ 2011384 w 2011384"/>
+              <a:gd name="connsiteY2" fmla="*/ 1643532 h 1643532"/>
+              <a:gd name="connsiteX3" fmla="*/ 0 w 2011384"/>
+              <a:gd name="connsiteY3" fmla="*/ 1643532 h 1643532"/>
+              <a:gd name="connsiteX4" fmla="*/ 0 w 2011384"/>
+              <a:gd name="connsiteY4" fmla="*/ 0 h 1643532"/>
+            </a:gdLst>
+            <a:ahLst/>
+            <a:cxnLst>
+              <a:cxn ang="0">
+                <a:pos x="connsiteX0" y="connsiteY0"/>
+              </a:cxn>
+              <a:cxn ang="0">
+                <a:pos x="connsiteX1" y="connsiteY1"/>
+              </a:cxn>
+              <a:cxn ang="0">
+                <a:pos x="connsiteX2" y="connsiteY2"/>
+              </a:cxn>
+              <a:cxn ang="0">
+                <a:pos x="connsiteX3" y="connsiteY3"/>
+              </a:cxn>
+              <a:cxn ang="0">
+                <a:pos x="connsiteX4" y="connsiteY4"/>
+              </a:cxn>
+            </a:cxnLst>
+            <a:rect l="l" t="t" r="r" b="b"/>
+            <a:pathLst>
+              <a:path w="2011384" h="1643532">
+                <a:moveTo>
+                  <a:pt x="0" y="0"/>
+                </a:moveTo>
+                <a:lnTo>
+                  <a:pt x="2011384" y="0"/>
+                </a:lnTo>
+                <a:lnTo>
+                  <a:pt x="2011384" y="1643532"/>
+                </a:lnTo>
+                <a:lnTo>
+                  <a:pt x="0" y="1643532"/>
+                </a:lnTo>
+                <a:lnTo>
+                  <a:pt x="0" y="0"/>
+                </a:lnTo>
+                <a:close/>
+              </a:path>
+            </a:pathLst>
+          </a:custGeom>
+        </p:spPr>
+        <p:style>
+          <a:lnRef idx="2">
+            <a:schemeClr val="accent1">
+              <a:alpha val="90000"/>
+              <a:tint val="40000"/>
+              <a:hueOff val="0"/>
+              <a:satOff val="0"/>
+              <a:lumOff val="0"/>
+              <a:alphaOff val="0"/>
+            </a:schemeClr>
+          </a:lnRef>
+          <a:fillRef idx="1">
+            <a:schemeClr val="accent1">
+              <a:alpha val="90000"/>
+              <a:tint val="40000"/>
+              <a:hueOff val="0"/>
+              <a:satOff val="0"/>
+              <a:lumOff val="0"/>
+              <a:alphaOff val="0"/>
+            </a:schemeClr>
+          </a:fillRef>
+          <a:effectRef idx="0">
+            <a:schemeClr val="accent1">
+              <a:alpha val="90000"/>
+              <a:tint val="40000"/>
+              <a:hueOff val="0"/>
+              <a:satOff val="0"/>
+              <a:lumOff val="0"/>
+              <a:alphaOff val="0"/>
+            </a:schemeClr>
+          </a:effectRef>
+          <a:fontRef idx="minor">
+            <a:schemeClr val="dk1">
+              <a:hueOff val="0"/>
+              <a:satOff val="0"/>
+              <a:lumOff val="0"/>
+              <a:alphaOff val="0"/>
+            </a:schemeClr>
+          </a:fontRef>
+        </p:style>
+        <p:txBody>
+          <a:bodyPr spcFirstLastPara="0" vert="horz" wrap="square" lIns="198680" tIns="198680" rIns="198680" bIns="198680" numCol="1" spcCol="1270" anchor="t" anchorCtr="0">
+            <a:noAutofit/>
+          </a:bodyPr>
+          <a:lstStyle/>
+          <a:p>
+            <a:pPr marL="0" lvl="0" indent="0" algn="l" defTabSz="666750" rtl="0">
+              <a:lnSpc>
+                <a:spcPct val="100000"/>
+              </a:lnSpc>
+              <a:spcBef>
+                <a:spcPct val="0"/>
+              </a:spcBef>
+              <a:spcAft>
+                <a:spcPct val="35000"/>
+              </a:spcAft>
+              <a:buNone/>
+            </a:pPr>
+            <a:r>
+              <a:rPr lang="en-US" sz="1400" kern="1200" spc="50" baseline="0" dirty="0">
+                <a:solidFill>
+                  <a:prstClr val="black">
+                    <a:hueOff val="0"/>
+                    <a:satOff val="0"/>
+                    <a:lumOff val="0"/>
+                    <a:alphaOff val="0"/>
+                  </a:prstClr>
+                </a:solidFill>
+                <a:latin typeface="Tenorite"/>
+                <a:ea typeface="+mn-ea"/>
+                <a:cs typeface="+mn-cs"/>
+              </a:rPr>
+              <a:t>Wait 500 </a:t>
+            </a:r>
+            <a:r>
+              <a:rPr lang="en-US" sz="1400" kern="1200" spc="50" baseline="0" dirty="0" err="1">
+                <a:solidFill>
+                  <a:prstClr val="black">
+                    <a:hueOff val="0"/>
+                    <a:satOff val="0"/>
+                    <a:lumOff val="0"/>
+                    <a:alphaOff val="0"/>
+                  </a:prstClr>
+                </a:solidFill>
+                <a:latin typeface="Tenorite"/>
+                <a:ea typeface="+mn-ea"/>
+                <a:cs typeface="+mn-cs"/>
+              </a:rPr>
+              <a:t>ms</a:t>
+            </a:r>
+            <a:endParaRPr lang="en-US" sz="1400" kern="1200" spc="50" baseline="0" dirty="0">
+              <a:solidFill>
+                <a:prstClr val="black">
+                  <a:hueOff val="0"/>
+                  <a:satOff val="0"/>
+                  <a:lumOff val="0"/>
+                  <a:alphaOff val="0"/>
+                </a:prstClr>
+              </a:solidFill>
+              <a:latin typeface="Tenorite"/>
+              <a:ea typeface="+mn-ea"/>
+              <a:cs typeface="+mn-cs"/>
+            </a:endParaRPr>
+          </a:p>
+        </p:txBody>
+      </p:sp>
+      <p:sp>
+        <p:nvSpPr>
+          <p:cNvPr id="76" name="Freeform: Shape 75">
+            <a:extLst>
+              <a:ext uri="{FF2B5EF4-FFF2-40B4-BE49-F238E27FC236}">
+                <a16:creationId xmlns:a16="http://schemas.microsoft.com/office/drawing/2014/main" id="{7DC9FA67-DCF8-04FA-870B-BD994CDEA60A}"/>
+              </a:ext>
+            </a:extLst>
+          </p:cNvPr>
+          <p:cNvSpPr/>
+          <p:nvPr/>
+        </p:nvSpPr>
+        <p:spPr>
+          <a:xfrm>
+            <a:off x="9363237" y="3378696"/>
+            <a:ext cx="2011384" cy="603415"/>
+          </a:xfrm>
+          <a:custGeom>
+            <a:avLst/>
+            <a:gdLst>
+              <a:gd name="connsiteX0" fmla="*/ 0 w 2011384"/>
+              <a:gd name="connsiteY0" fmla="*/ 0 h 603415"/>
+              <a:gd name="connsiteX1" fmla="*/ 2011384 w 2011384"/>
+              <a:gd name="connsiteY1" fmla="*/ 0 h 603415"/>
+              <a:gd name="connsiteX2" fmla="*/ 2011384 w 2011384"/>
+              <a:gd name="connsiteY2" fmla="*/ 603415 h 603415"/>
+              <a:gd name="connsiteX3" fmla="*/ 0 w 2011384"/>
+              <a:gd name="connsiteY3" fmla="*/ 603415 h 603415"/>
+              <a:gd name="connsiteX4" fmla="*/ 0 w 2011384"/>
+              <a:gd name="connsiteY4" fmla="*/ 0 h 603415"/>
+            </a:gdLst>
+            <a:ahLst/>
+            <a:cxnLst>
+              <a:cxn ang="0">
+                <a:pos x="connsiteX0" y="connsiteY0"/>
+              </a:cxn>
+              <a:cxn ang="0">
+                <a:pos x="connsiteX1" y="connsiteY1"/>
+              </a:cxn>
+              <a:cxn ang="0">
+                <a:pos x="connsiteX2" y="connsiteY2"/>
+              </a:cxn>
+              <a:cxn ang="0">
+                <a:pos x="connsiteX3" y="connsiteY3"/>
+              </a:cxn>
+              <a:cxn ang="0">
+                <a:pos x="connsiteX4" y="connsiteY4"/>
+              </a:cxn>
+            </a:cxnLst>
+            <a:rect l="l" t="t" r="r" b="b"/>
+            <a:pathLst>
+              <a:path w="2011384" h="603415">
+                <a:moveTo>
+                  <a:pt x="0" y="0"/>
+                </a:moveTo>
+                <a:lnTo>
+                  <a:pt x="2011384" y="0"/>
+                </a:lnTo>
+                <a:lnTo>
+                  <a:pt x="2011384" y="603415"/>
+                </a:lnTo>
+                <a:lnTo>
+                  <a:pt x="0" y="603415"/>
+                </a:lnTo>
+                <a:lnTo>
+                  <a:pt x="0" y="0"/>
+                </a:lnTo>
+                <a:close/>
+              </a:path>
+            </a:pathLst>
+          </a:custGeom>
+        </p:spPr>
+        <p:style>
+          <a:lnRef idx="2">
+            <a:schemeClr val="accent1">
+              <a:hueOff val="0"/>
+              <a:satOff val="0"/>
+              <a:lumOff val="0"/>
+              <a:alphaOff val="0"/>
+            </a:schemeClr>
+          </a:lnRef>
+          <a:fillRef idx="1">
+            <a:schemeClr val="accent1">
+              <a:hueOff val="0"/>
+              <a:satOff val="0"/>
+              <a:lumOff val="0"/>
+              <a:alphaOff val="0"/>
+            </a:schemeClr>
+          </a:fillRef>
+          <a:effectRef idx="0">
+            <a:schemeClr val="accent1">
+              <a:hueOff val="0"/>
+              <a:satOff val="0"/>
+              <a:lumOff val="0"/>
+              <a:alphaOff val="0"/>
+            </a:schemeClr>
+          </a:effectRef>
+          <a:fontRef idx="minor">
+            <a:schemeClr val="lt1"/>
+          </a:fontRef>
+        </p:style>
+        <p:txBody>
+          <a:bodyPr spcFirstLastPara="0" vert="horz" wrap="square" lIns="158944" tIns="158944" rIns="158944" bIns="158944" numCol="1" spcCol="1270" anchor="ctr" anchorCtr="0">
+            <a:noAutofit/>
+          </a:bodyPr>
+          <a:lstStyle/>
+          <a:p>
+            <a:pPr marL="0" lvl="0" indent="0" algn="ctr" defTabSz="889000">
+              <a:lnSpc>
+                <a:spcPct val="90000"/>
+              </a:lnSpc>
+              <a:spcBef>
+                <a:spcPct val="0"/>
+              </a:spcBef>
+              <a:spcAft>
+                <a:spcPct val="35000"/>
+              </a:spcAft>
+              <a:buNone/>
+            </a:pPr>
+            <a:r>
+              <a:rPr lang="en-US" sz="1600" kern="1200" spc="150" baseline="0" dirty="0">
+                <a:solidFill>
+                  <a:prstClr val="black"/>
+                </a:solidFill>
+                <a:latin typeface="Tenorite"/>
+                <a:ea typeface="+mn-ea"/>
+                <a:cs typeface="+mn-cs"/>
+              </a:rPr>
+              <a:t>Mouse tracking</a:t>
+            </a:r>
+          </a:p>
+        </p:txBody>
+      </p:sp>
+      <p:sp>
+        <p:nvSpPr>
+          <p:cNvPr id="77" name="Freeform: Shape 76">
+            <a:extLst>
+              <a:ext uri="{FF2B5EF4-FFF2-40B4-BE49-F238E27FC236}">
+                <a16:creationId xmlns:a16="http://schemas.microsoft.com/office/drawing/2014/main" id="{57B4048C-2A9A-D8C2-332B-2578F7BAF659}"/>
+              </a:ext>
+            </a:extLst>
+          </p:cNvPr>
+          <p:cNvSpPr/>
+          <p:nvPr/>
+        </p:nvSpPr>
+        <p:spPr>
+          <a:xfrm>
+            <a:off x="9363237" y="3982111"/>
+            <a:ext cx="2011384" cy="1643532"/>
+          </a:xfrm>
+          <a:custGeom>
+            <a:avLst/>
+            <a:gdLst>
+              <a:gd name="connsiteX0" fmla="*/ 0 w 2011384"/>
+              <a:gd name="connsiteY0" fmla="*/ 0 h 1643532"/>
+              <a:gd name="connsiteX1" fmla="*/ 2011384 w 2011384"/>
+              <a:gd name="connsiteY1" fmla="*/ 0 h 1643532"/>
+              <a:gd name="connsiteX2" fmla="*/ 2011384 w 2011384"/>
+              <a:gd name="connsiteY2" fmla="*/ 1643532 h 1643532"/>
+              <a:gd name="connsiteX3" fmla="*/ 0 w 2011384"/>
+              <a:gd name="connsiteY3" fmla="*/ 1643532 h 1643532"/>
+              <a:gd name="connsiteX4" fmla="*/ 0 w 2011384"/>
+              <a:gd name="connsiteY4" fmla="*/ 0 h 1643532"/>
+            </a:gdLst>
+            <a:ahLst/>
+            <a:cxnLst>
+              <a:cxn ang="0">
+                <a:pos x="connsiteX0" y="connsiteY0"/>
+              </a:cxn>
+              <a:cxn ang="0">
+                <a:pos x="connsiteX1" y="connsiteY1"/>
+              </a:cxn>
+              <a:cxn ang="0">
+                <a:pos x="connsiteX2" y="connsiteY2"/>
+              </a:cxn>
+              <a:cxn ang="0">
+                <a:pos x="connsiteX3" y="connsiteY3"/>
+              </a:cxn>
+              <a:cxn ang="0">
+                <a:pos x="connsiteX4" y="connsiteY4"/>
+              </a:cxn>
+            </a:cxnLst>
+            <a:rect l="l" t="t" r="r" b="b"/>
+            <a:pathLst>
+              <a:path w="2011384" h="1643532">
+                <a:moveTo>
+                  <a:pt x="0" y="0"/>
+                </a:moveTo>
+                <a:lnTo>
+                  <a:pt x="2011384" y="0"/>
+                </a:lnTo>
+                <a:lnTo>
+                  <a:pt x="2011384" y="1643532"/>
+                </a:lnTo>
+                <a:lnTo>
+                  <a:pt x="0" y="1643532"/>
+                </a:lnTo>
+                <a:lnTo>
+                  <a:pt x="0" y="0"/>
+                </a:lnTo>
+                <a:close/>
+              </a:path>
+            </a:pathLst>
+          </a:custGeom>
+        </p:spPr>
+        <p:style>
+          <a:lnRef idx="2">
+            <a:schemeClr val="accent1">
+              <a:alpha val="90000"/>
+              <a:tint val="40000"/>
+              <a:hueOff val="0"/>
+              <a:satOff val="0"/>
+              <a:lumOff val="0"/>
+              <a:alphaOff val="0"/>
+            </a:schemeClr>
+          </a:lnRef>
+          <a:fillRef idx="1">
+            <a:schemeClr val="accent1">
+              <a:alpha val="90000"/>
+              <a:tint val="40000"/>
+              <a:hueOff val="0"/>
+              <a:satOff val="0"/>
+              <a:lumOff val="0"/>
+              <a:alphaOff val="0"/>
+            </a:schemeClr>
+          </a:fillRef>
+          <a:effectRef idx="0">
+            <a:schemeClr val="accent1">
+              <a:alpha val="90000"/>
+              <a:tint val="40000"/>
+              <a:hueOff val="0"/>
+              <a:satOff val="0"/>
+              <a:lumOff val="0"/>
+              <a:alphaOff val="0"/>
+            </a:schemeClr>
+          </a:effectRef>
+          <a:fontRef idx="minor">
+            <a:schemeClr val="dk1">
+              <a:hueOff val="0"/>
+              <a:satOff val="0"/>
+              <a:lumOff val="0"/>
+              <a:alphaOff val="0"/>
+            </a:schemeClr>
+          </a:fontRef>
+        </p:style>
+        <p:txBody>
+          <a:bodyPr spcFirstLastPara="0" vert="horz" wrap="square" lIns="182880" tIns="182880" rIns="182880" bIns="182880" numCol="1" spcCol="1270" anchor="t" anchorCtr="0">
+            <a:noAutofit/>
+          </a:bodyPr>
+          <a:lstStyle/>
+          <a:p>
+            <a:pPr marL="0" lvl="0" indent="0" algn="l" defTabSz="666750" rtl="0">
+              <a:lnSpc>
+                <a:spcPct val="100000"/>
+              </a:lnSpc>
+              <a:spcBef>
+                <a:spcPct val="0"/>
+              </a:spcBef>
+              <a:spcAft>
+                <a:spcPct val="35000"/>
+              </a:spcAft>
+              <a:buNone/>
+            </a:pPr>
+            <a:endParaRPr lang="en-US" sz="1400" kern="1200" spc="50" baseline="0" dirty="0">
+              <a:solidFill>
+                <a:prstClr val="black">
+                  <a:hueOff val="0"/>
+                  <a:satOff val="0"/>
+                  <a:lumOff val="0"/>
+                  <a:alphaOff val="0"/>
+                </a:prstClr>
+              </a:solidFill>
+              <a:latin typeface="Tenorite"/>
+              <a:ea typeface="+mn-ea"/>
+              <a:cs typeface="+mn-cs"/>
+            </a:endParaRPr>
+          </a:p>
+        </p:txBody>
+      </p:sp>
+      <p:cxnSp>
+        <p:nvCxnSpPr>
+          <p:cNvPr id="19" name="Straight Arrow Connector 18">
+            <a:extLst>
+              <a:ext uri="{FF2B5EF4-FFF2-40B4-BE49-F238E27FC236}">
+                <a16:creationId xmlns:a16="http://schemas.microsoft.com/office/drawing/2014/main" id="{F3DEEACA-7528-6870-7444-482339602CD7}"/>
+              </a:ext>
+            </a:extLst>
+          </p:cNvPr>
+          <p:cNvCxnSpPr/>
+          <p:nvPr/>
+        </p:nvCxnSpPr>
+        <p:spPr>
+          <a:xfrm>
+            <a:off x="1041747" y="3221782"/>
+            <a:ext cx="10177669" cy="0"/>
+          </a:xfrm>
+          <a:prstGeom prst="straightConnector1">
+            <a:avLst/>
+          </a:prstGeom>
+          <a:ln w="76200">
+            <a:solidFill>
+              <a:schemeClr val="accent1">
+                <a:lumMod val="50000"/>
+              </a:schemeClr>
+            </a:solidFill>
+            <a:tailEnd type="triangle"/>
+          </a:ln>
+        </p:spPr>
+        <p:style>
+          <a:lnRef idx="1">
+            <a:schemeClr val="accent1"/>
+          </a:lnRef>
+          <a:fillRef idx="0">
+            <a:schemeClr val="accent1"/>
+          </a:fillRef>
+          <a:effectRef idx="0">
+            <a:schemeClr val="accent1"/>
+          </a:effectRef>
+          <a:fontRef idx="minor">
+            <a:schemeClr val="tx1"/>
+          </a:fontRef>
+        </p:style>
+      </p:cxnSp>
+      <p:sp>
+        <p:nvSpPr>
+          <p:cNvPr id="20" name="TextBox 19">
+            <a:extLst>
+              <a:ext uri="{FF2B5EF4-FFF2-40B4-BE49-F238E27FC236}">
+                <a16:creationId xmlns:a16="http://schemas.microsoft.com/office/drawing/2014/main" id="{0539868A-5CAE-73CA-B1EC-48764C559A84}"/>
               </a:ext>
             </a:extLst>
           </p:cNvPr>
@@ -14005,9 +16876,9 @@
           <p:nvPr/>
         </p:nvSpPr>
         <p:spPr>
-          <a:xfrm rot="18828670">
-            <a:off x="1231587" y="2662501"/>
-            <a:ext cx="955040" cy="369332"/>
+          <a:xfrm>
+            <a:off x="9395256" y="4054014"/>
+            <a:ext cx="729532" cy="261610"/>
           </a:xfrm>
           <a:prstGeom prst="rect">
             <a:avLst/>
@@ -14015,25 +16886,36 @@
           <a:noFill/>
         </p:spPr>
         <p:txBody>
-          <a:bodyPr wrap="square" rtlCol="0">
+          <a:bodyPr wrap="square">
             <a:spAutoFit/>
           </a:bodyPr>
           <a:lstStyle/>
           <a:p>
+            <a:pPr lvl="0"/>
             <a:r>
-              <a:rPr lang="en-GB" dirty="0"/>
-              <a:t>40 Hz</a:t>
+              <a:rPr lang="en-US" sz="1100" spc="50" dirty="0">
+                <a:solidFill>
+                  <a:prstClr val="black">
+                    <a:hueOff val="0"/>
+                    <a:satOff val="0"/>
+                    <a:lumOff val="0"/>
+                    <a:alphaOff val="0"/>
+                  </a:prstClr>
+                </a:solidFill>
+                <a:latin typeface="Tenorite"/>
+              </a:rPr>
+              <a:t>Smaller</a:t>
             </a:r>
-            <a:endParaRPr lang="en-DK" dirty="0"/>
+            <a:endParaRPr lang="en-DK" sz="1100" dirty="0"/>
           </a:p>
         </p:txBody>
       </p:sp>
       <p:sp>
         <p:nvSpPr>
-          <p:cNvPr id="51" name="TextBox 50">
-            <a:extLst>
-              <a:ext uri="{FF2B5EF4-FFF2-40B4-BE49-F238E27FC236}">
-                <a16:creationId xmlns:a16="http://schemas.microsoft.com/office/drawing/2014/main" id="{D4D6E9EF-231D-2C14-9066-71D30A8AE17A}"/>
+          <p:cNvPr id="21" name="TextBox 20">
+            <a:extLst>
+              <a:ext uri="{FF2B5EF4-FFF2-40B4-BE49-F238E27FC236}">
+                <a16:creationId xmlns:a16="http://schemas.microsoft.com/office/drawing/2014/main" id="{7C125F6C-FD61-11B1-01CD-2E74C4FAFA42}"/>
               </a:ext>
             </a:extLst>
           </p:cNvPr>
@@ -14041,9 +16923,9 @@
           <p:nvPr/>
         </p:nvSpPr>
         <p:spPr>
-          <a:xfrm rot="3003862">
-            <a:off x="1097973" y="4360345"/>
-            <a:ext cx="955040" cy="369332"/>
+          <a:xfrm>
+            <a:off x="10627046" y="4054014"/>
+            <a:ext cx="729532" cy="261610"/>
           </a:xfrm>
           <a:prstGeom prst="rect">
             <a:avLst/>
@@ -14051,704 +16933,489 @@
           <a:noFill/>
         </p:spPr>
         <p:txBody>
-          <a:bodyPr wrap="square" rtlCol="0">
+          <a:bodyPr wrap="square">
             <a:spAutoFit/>
           </a:bodyPr>
           <a:lstStyle/>
           <a:p>
+            <a:pPr lvl="0"/>
             <a:r>
-              <a:rPr lang="en-GB" dirty="0"/>
-              <a:t>200 </a:t>
+              <a:rPr lang="en-US" sz="1100" spc="50" dirty="0">
+                <a:solidFill>
+                  <a:prstClr val="black">
+                    <a:hueOff val="0"/>
+                    <a:satOff val="0"/>
+                    <a:lumOff val="0"/>
+                    <a:alphaOff val="0"/>
+                  </a:prstClr>
+                </a:solidFill>
+                <a:latin typeface="Tenorite"/>
+              </a:rPr>
+              <a:t>Bigger</a:t>
             </a:r>
-            <a:r>
-              <a:rPr lang="en-GB" dirty="0" err="1"/>
-              <a:t>px</a:t>
-            </a:r>
-            <a:endParaRPr lang="en-DK" dirty="0"/>
+            <a:endParaRPr lang="en-DK" sz="1100" dirty="0"/>
           </a:p>
         </p:txBody>
       </p:sp>
       <p:sp>
         <p:nvSpPr>
-          <p:cNvPr id="52" name="TextBox 51">
-            <a:extLst>
-              <a:ext uri="{FF2B5EF4-FFF2-40B4-BE49-F238E27FC236}">
-                <a16:creationId xmlns:a16="http://schemas.microsoft.com/office/drawing/2014/main" id="{1956B3DC-228F-DA41-3466-4BC43A18F6DC}"/>
-              </a:ext>
-            </a:extLst>
-          </p:cNvPr>
-          <p:cNvSpPr txBox="1"/>
+          <p:cNvPr id="22" name="Plus Sign 21">
+            <a:extLst>
+              <a:ext uri="{FF2B5EF4-FFF2-40B4-BE49-F238E27FC236}">
+                <a16:creationId xmlns:a16="http://schemas.microsoft.com/office/drawing/2014/main" id="{EC78D840-4DB9-99B2-30C8-9A1042DEEF48}"/>
+              </a:ext>
+            </a:extLst>
+          </p:cNvPr>
+          <p:cNvSpPr/>
           <p:nvPr/>
         </p:nvSpPr>
         <p:spPr>
-          <a:xfrm rot="18828670">
-            <a:off x="2250554" y="2662501"/>
-            <a:ext cx="955040" cy="369332"/>
+          <a:xfrm>
+            <a:off x="10267911" y="5312976"/>
+            <a:ext cx="143123" cy="135173"/>
+          </a:xfrm>
+          <a:prstGeom prst="mathPlus">
+            <a:avLst/>
+          </a:prstGeom>
+        </p:spPr>
+        <p:style>
+          <a:lnRef idx="2">
+            <a:schemeClr val="dk1">
+              <a:shade val="50000"/>
+            </a:schemeClr>
+          </a:lnRef>
+          <a:fillRef idx="1">
+            <a:schemeClr val="dk1"/>
+          </a:fillRef>
+          <a:effectRef idx="0">
+            <a:schemeClr val="dk1"/>
+          </a:effectRef>
+          <a:fontRef idx="minor">
+            <a:schemeClr val="lt1"/>
+          </a:fontRef>
+        </p:style>
+        <p:txBody>
+          <a:bodyPr rtlCol="0" anchor="ctr"/>
+          <a:lstStyle/>
+          <a:p>
+            <a:pPr algn="ctr"/>
+            <a:endParaRPr lang="en-DK"/>
+          </a:p>
+        </p:txBody>
+      </p:sp>
+      <p:pic>
+        <p:nvPicPr>
+          <p:cNvPr id="23" name="Graphic 22" descr="Cursor outline">
+            <a:extLst>
+              <a:ext uri="{FF2B5EF4-FFF2-40B4-BE49-F238E27FC236}">
+                <a16:creationId xmlns:a16="http://schemas.microsoft.com/office/drawing/2014/main" id="{34A927FA-0EC3-8C62-CA9E-2B727A48D725}"/>
+              </a:ext>
+            </a:extLst>
+          </p:cNvPr>
+          <p:cNvPicPr>
+            <a:picLocks noChangeAspect="1"/>
+          </p:cNvPicPr>
+          <p:nvPr/>
+        </p:nvPicPr>
+        <p:blipFill>
+          <a:blip r:embed="rId4">
+            <a:extLst>
+              <a:ext uri="{96DAC541-7B7A-43D3-8B79-37D633B846F1}">
+                <asvg:svgBlip xmlns:asvg="http://schemas.microsoft.com/office/drawing/2016/SVG/main" r:embed="rId5"/>
+              </a:ext>
+            </a:extLst>
+          </a:blip>
+          <a:stretch>
+            <a:fillRect/>
+          </a:stretch>
+        </p:blipFill>
+        <p:spPr>
+          <a:xfrm>
+            <a:off x="9924680" y="4636257"/>
+            <a:ext cx="200108" cy="200108"/>
+          </a:xfrm>
+          <a:prstGeom prst="rect">
+            <a:avLst/>
+          </a:prstGeom>
+        </p:spPr>
+      </p:pic>
+      <p:sp>
+        <p:nvSpPr>
+          <p:cNvPr id="24" name="Oval 23">
+            <a:extLst>
+              <a:ext uri="{FF2B5EF4-FFF2-40B4-BE49-F238E27FC236}">
+                <a16:creationId xmlns:a16="http://schemas.microsoft.com/office/drawing/2014/main" id="{937AC963-CA6F-C57E-2513-35B673DFB8A0}"/>
+              </a:ext>
+            </a:extLst>
+          </p:cNvPr>
+          <p:cNvSpPr/>
+          <p:nvPr/>
+        </p:nvSpPr>
+        <p:spPr>
+          <a:xfrm>
+            <a:off x="1610441" y="4615400"/>
+            <a:ext cx="413363" cy="365609"/>
+          </a:xfrm>
+          <a:prstGeom prst="ellipse">
+            <a:avLst/>
+          </a:prstGeom>
+        </p:spPr>
+        <p:style>
+          <a:lnRef idx="2">
+            <a:schemeClr val="accent1">
+              <a:shade val="50000"/>
+            </a:schemeClr>
+          </a:lnRef>
+          <a:fillRef idx="1">
+            <a:schemeClr val="accent1"/>
+          </a:fillRef>
+          <a:effectRef idx="0">
+            <a:schemeClr val="accent1"/>
+          </a:effectRef>
+          <a:fontRef idx="minor">
+            <a:schemeClr val="lt1"/>
+          </a:fontRef>
+        </p:style>
+        <p:txBody>
+          <a:bodyPr rtlCol="0" anchor="ctr"/>
+          <a:lstStyle/>
+          <a:p>
+            <a:pPr algn="ctr"/>
+            <a:endParaRPr lang="en-DK"/>
+          </a:p>
+        </p:txBody>
+      </p:sp>
+      <p:sp>
+        <p:nvSpPr>
+          <p:cNvPr id="25" name="Oval 24">
+            <a:extLst>
+              <a:ext uri="{FF2B5EF4-FFF2-40B4-BE49-F238E27FC236}">
+                <a16:creationId xmlns:a16="http://schemas.microsoft.com/office/drawing/2014/main" id="{C6BF60C2-FBB9-7AB7-02CF-6D2346320AC4}"/>
+              </a:ext>
+            </a:extLst>
+          </p:cNvPr>
+          <p:cNvSpPr/>
+          <p:nvPr/>
+        </p:nvSpPr>
+        <p:spPr>
+          <a:xfrm>
+            <a:off x="5863741" y="4553507"/>
+            <a:ext cx="533680" cy="472026"/>
+          </a:xfrm>
+          <a:prstGeom prst="ellipse">
+            <a:avLst/>
+          </a:prstGeom>
+        </p:spPr>
+        <p:style>
+          <a:lnRef idx="2">
+            <a:schemeClr val="accent1">
+              <a:shade val="50000"/>
+            </a:schemeClr>
+          </a:lnRef>
+          <a:fillRef idx="1">
+            <a:schemeClr val="accent1"/>
+          </a:fillRef>
+          <a:effectRef idx="0">
+            <a:schemeClr val="accent1"/>
+          </a:effectRef>
+          <a:fontRef idx="minor">
+            <a:schemeClr val="lt1"/>
+          </a:fontRef>
+        </p:style>
+        <p:txBody>
+          <a:bodyPr rtlCol="0" anchor="ctr"/>
+          <a:lstStyle/>
+          <a:p>
+            <a:pPr algn="ctr"/>
+            <a:endParaRPr lang="en-DK"/>
+          </a:p>
+        </p:txBody>
+      </p:sp>
+      <p:pic>
+        <p:nvPicPr>
+          <p:cNvPr id="26" name="Graphic 25" descr="Music outline">
+            <a:extLst>
+              <a:ext uri="{FF2B5EF4-FFF2-40B4-BE49-F238E27FC236}">
+                <a16:creationId xmlns:a16="http://schemas.microsoft.com/office/drawing/2014/main" id="{15B422AD-3A3D-6FBB-7163-6E0D1F4CADA8}"/>
+              </a:ext>
+            </a:extLst>
+          </p:cNvPr>
+          <p:cNvPicPr>
+            <a:picLocks noChangeAspect="1"/>
+          </p:cNvPicPr>
+          <p:nvPr/>
+        </p:nvPicPr>
+        <p:blipFill>
+          <a:blip r:embed="rId2">
+            <a:extLst>
+              <a:ext uri="{96DAC541-7B7A-43D3-8B79-37D633B846F1}">
+                <asvg:svgBlip xmlns:asvg="http://schemas.microsoft.com/office/drawing/2016/SVG/main" r:embed="rId3"/>
+              </a:ext>
+            </a:extLst>
+          </a:blip>
+          <a:stretch>
+            <a:fillRect/>
+          </a:stretch>
+        </p:blipFill>
+        <p:spPr>
+          <a:xfrm>
+            <a:off x="6707318" y="4009272"/>
+            <a:ext cx="351094" cy="351094"/>
+          </a:xfrm>
+          <a:prstGeom prst="rect">
+            <a:avLst/>
+          </a:prstGeom>
+        </p:spPr>
+      </p:pic>
+      <p:pic>
+        <p:nvPicPr>
+          <p:cNvPr id="27" name="Graphic 26" descr="Music outline">
+            <a:extLst>
+              <a:ext uri="{FF2B5EF4-FFF2-40B4-BE49-F238E27FC236}">
+                <a16:creationId xmlns:a16="http://schemas.microsoft.com/office/drawing/2014/main" id="{F8934C7E-1FF6-0301-1B86-D3B406D24FCE}"/>
+              </a:ext>
+            </a:extLst>
+          </p:cNvPr>
+          <p:cNvPicPr>
+            <a:picLocks noChangeAspect="1"/>
+          </p:cNvPicPr>
+          <p:nvPr/>
+        </p:nvPicPr>
+        <p:blipFill>
+          <a:blip r:embed="rId2">
+            <a:extLst>
+              <a:ext uri="{96DAC541-7B7A-43D3-8B79-37D633B846F1}">
+                <asvg:svgBlip xmlns:asvg="http://schemas.microsoft.com/office/drawing/2016/SVG/main" r:embed="rId3"/>
+              </a:ext>
+            </a:extLst>
+          </a:blip>
+          <a:stretch>
+            <a:fillRect/>
+          </a:stretch>
+        </p:blipFill>
+        <p:spPr>
+          <a:xfrm>
+            <a:off x="953755" y="3976237"/>
+            <a:ext cx="351094" cy="351094"/>
+          </a:xfrm>
+          <a:prstGeom prst="rect">
+            <a:avLst/>
+          </a:prstGeom>
+        </p:spPr>
+      </p:pic>
+      <p:sp>
+        <p:nvSpPr>
+          <p:cNvPr id="28" name="Rectangle 27">
+            <a:extLst>
+              <a:ext uri="{FF2B5EF4-FFF2-40B4-BE49-F238E27FC236}">
+                <a16:creationId xmlns:a16="http://schemas.microsoft.com/office/drawing/2014/main" id="{D685B38D-1F01-78B0-D8A1-CC44143718F6}"/>
+              </a:ext>
+            </a:extLst>
+          </p:cNvPr>
+          <p:cNvSpPr/>
+          <p:nvPr/>
+        </p:nvSpPr>
+        <p:spPr>
+          <a:xfrm>
+            <a:off x="872782" y="3913208"/>
+            <a:ext cx="1969040" cy="477152"/>
           </a:xfrm>
           <a:prstGeom prst="rect">
             <a:avLst/>
           </a:prstGeom>
           <a:noFill/>
+          <a:ln>
+            <a:noFill/>
+          </a:ln>
         </p:spPr>
+        <p:style>
+          <a:lnRef idx="2">
+            <a:schemeClr val="accent1">
+              <a:shade val="50000"/>
+            </a:schemeClr>
+          </a:lnRef>
+          <a:fillRef idx="1">
+            <a:schemeClr val="accent1"/>
+          </a:fillRef>
+          <a:effectRef idx="0">
+            <a:schemeClr val="accent1"/>
+          </a:effectRef>
+          <a:fontRef idx="minor">
+            <a:schemeClr val="lt1"/>
+          </a:fontRef>
+        </p:style>
         <p:txBody>
-          <a:bodyPr wrap="square" rtlCol="0">
-            <a:spAutoFit/>
-          </a:bodyPr>
+          <a:bodyPr rtlCol="0" anchor="ctr"/>
           <a:lstStyle/>
           <a:p>
+            <a:pPr algn="ctr"/>
             <a:r>
-              <a:rPr lang="en-GB" dirty="0"/>
-              <a:t>80 Hz</a:t>
+              <a:rPr lang="en-US" sz="1100" dirty="0">
+                <a:solidFill>
+                  <a:schemeClr val="tx1"/>
+                </a:solidFill>
+              </a:rPr>
+              <a:t>Concurrent pitch</a:t>
             </a:r>
-            <a:endParaRPr lang="en-DK" dirty="0"/>
+            <a:endParaRPr lang="en-DK" sz="1100" dirty="0">
+              <a:solidFill>
+                <a:schemeClr val="tx1"/>
+              </a:solidFill>
+            </a:endParaRPr>
           </a:p>
         </p:txBody>
       </p:sp>
       <p:sp>
         <p:nvSpPr>
-          <p:cNvPr id="53" name="TextBox 52">
-            <a:extLst>
-              <a:ext uri="{FF2B5EF4-FFF2-40B4-BE49-F238E27FC236}">
-                <a16:creationId xmlns:a16="http://schemas.microsoft.com/office/drawing/2014/main" id="{4E7CB9F6-B744-C7B2-CF12-7F71F0A0381B}"/>
-              </a:ext>
-            </a:extLst>
-          </p:cNvPr>
-          <p:cNvSpPr txBox="1"/>
+          <p:cNvPr id="29" name="Rectangle 28">
+            <a:extLst>
+              <a:ext uri="{FF2B5EF4-FFF2-40B4-BE49-F238E27FC236}">
+                <a16:creationId xmlns:a16="http://schemas.microsoft.com/office/drawing/2014/main" id="{386F8740-7F0A-7FF1-60D8-2F7C0F353B69}"/>
+              </a:ext>
+            </a:extLst>
+          </p:cNvPr>
+          <p:cNvSpPr/>
           <p:nvPr/>
         </p:nvSpPr>
         <p:spPr>
-          <a:xfrm rot="3003862">
-            <a:off x="2186703" y="4360349"/>
-            <a:ext cx="955040" cy="369332"/>
+          <a:xfrm>
+            <a:off x="5007902" y="3976237"/>
+            <a:ext cx="1969040" cy="477152"/>
           </a:xfrm>
           <a:prstGeom prst="rect">
             <a:avLst/>
           </a:prstGeom>
           <a:noFill/>
+          <a:ln>
+            <a:noFill/>
+          </a:ln>
         </p:spPr>
+        <p:style>
+          <a:lnRef idx="2">
+            <a:schemeClr val="accent1">
+              <a:shade val="50000"/>
+            </a:schemeClr>
+          </a:lnRef>
+          <a:fillRef idx="1">
+            <a:schemeClr val="accent1"/>
+          </a:fillRef>
+          <a:effectRef idx="0">
+            <a:schemeClr val="accent1"/>
+          </a:effectRef>
+          <a:fontRef idx="minor">
+            <a:schemeClr val="lt1"/>
+          </a:fontRef>
+        </p:style>
         <p:txBody>
-          <a:bodyPr wrap="square" rtlCol="0">
-            <a:spAutoFit/>
-          </a:bodyPr>
+          <a:bodyPr rtlCol="0" anchor="ctr"/>
           <a:lstStyle/>
           <a:p>
+            <a:pPr algn="ctr"/>
             <a:r>
-              <a:rPr lang="en-GB" dirty="0"/>
-              <a:t>250 </a:t>
+              <a:rPr lang="en-US" sz="1100" dirty="0">
+                <a:solidFill>
+                  <a:schemeClr val="tx1"/>
+                </a:solidFill>
+              </a:rPr>
+              <a:t>[-1, 1] deviations from concurrent pitch</a:t>
             </a:r>
-            <a:r>
-              <a:rPr lang="en-GB" dirty="0" err="1"/>
-              <a:t>px</a:t>
-            </a:r>
-            <a:endParaRPr lang="en-DK" dirty="0"/>
+            <a:endParaRPr lang="en-DK" sz="1100" dirty="0">
+              <a:solidFill>
+                <a:schemeClr val="tx1"/>
+              </a:solidFill>
+            </a:endParaRPr>
           </a:p>
         </p:txBody>
       </p:sp>
       <p:sp>
         <p:nvSpPr>
-          <p:cNvPr id="54" name="TextBox 53">
-            <a:extLst>
-              <a:ext uri="{FF2B5EF4-FFF2-40B4-BE49-F238E27FC236}">
-                <a16:creationId xmlns:a16="http://schemas.microsoft.com/office/drawing/2014/main" id="{97684BAA-11B5-0D0E-1646-1D8CF3403335}"/>
-              </a:ext>
-            </a:extLst>
-          </p:cNvPr>
-          <p:cNvSpPr txBox="1"/>
+          <p:cNvPr id="30" name="Plus Sign 29">
+            <a:extLst>
+              <a:ext uri="{FF2B5EF4-FFF2-40B4-BE49-F238E27FC236}">
+                <a16:creationId xmlns:a16="http://schemas.microsoft.com/office/drawing/2014/main" id="{F785869F-86CC-55E2-4B4B-85CE6FDF1F35}"/>
+              </a:ext>
+            </a:extLst>
+          </p:cNvPr>
+          <p:cNvSpPr/>
           <p:nvPr/>
         </p:nvSpPr>
         <p:spPr>
-          <a:xfrm rot="18828670">
-            <a:off x="3155992" y="2662501"/>
-            <a:ext cx="955040" cy="369332"/>
+          <a:xfrm>
+            <a:off x="3871636" y="4721933"/>
+            <a:ext cx="143123" cy="135173"/>
           </a:xfrm>
-          <a:prstGeom prst="rect">
+          <a:prstGeom prst="mathPlus">
             <a:avLst/>
           </a:prstGeom>
-          <a:noFill/>
         </p:spPr>
+        <p:style>
+          <a:lnRef idx="2">
+            <a:schemeClr val="dk1">
+              <a:shade val="50000"/>
+            </a:schemeClr>
+          </a:lnRef>
+          <a:fillRef idx="1">
+            <a:schemeClr val="dk1"/>
+          </a:fillRef>
+          <a:effectRef idx="0">
+            <a:schemeClr val="dk1"/>
+          </a:effectRef>
+          <a:fontRef idx="minor">
+            <a:schemeClr val="lt1"/>
+          </a:fontRef>
+        </p:style>
         <p:txBody>
-          <a:bodyPr wrap="square" rtlCol="0">
-            <a:spAutoFit/>
-          </a:bodyPr>
+          <a:bodyPr rtlCol="0" anchor="ctr"/>
           <a:lstStyle/>
           <a:p>
-            <a:r>
-              <a:rPr lang="en-GB" dirty="0"/>
-              <a:t>160 Hz</a:t>
-            </a:r>
-            <a:endParaRPr lang="en-DK" dirty="0"/>
+            <a:pPr algn="ctr"/>
+            <a:endParaRPr lang="en-DK"/>
           </a:p>
         </p:txBody>
       </p:sp>
       <p:sp>
         <p:nvSpPr>
-          <p:cNvPr id="55" name="TextBox 54">
-            <a:extLst>
-              <a:ext uri="{FF2B5EF4-FFF2-40B4-BE49-F238E27FC236}">
-                <a16:creationId xmlns:a16="http://schemas.microsoft.com/office/drawing/2014/main" id="{01ADAA91-0B50-B2CC-F3ED-C1D0DBB47586}"/>
-              </a:ext>
-            </a:extLst>
-          </p:cNvPr>
-          <p:cNvSpPr txBox="1"/>
+          <p:cNvPr id="31" name="Plus Sign 30">
+            <a:extLst>
+              <a:ext uri="{FF2B5EF4-FFF2-40B4-BE49-F238E27FC236}">
+                <a16:creationId xmlns:a16="http://schemas.microsoft.com/office/drawing/2014/main" id="{4B970024-F021-F917-0B8B-FD8958B3E3EC}"/>
+              </a:ext>
+            </a:extLst>
+          </p:cNvPr>
+          <p:cNvSpPr/>
           <p:nvPr/>
         </p:nvSpPr>
         <p:spPr>
-          <a:xfrm rot="3003862">
-            <a:off x="3092141" y="4360349"/>
-            <a:ext cx="955040" cy="369332"/>
+          <a:xfrm>
+            <a:off x="8153400" y="5312976"/>
+            <a:ext cx="143123" cy="135173"/>
           </a:xfrm>
-          <a:prstGeom prst="rect">
+          <a:prstGeom prst="mathPlus">
             <a:avLst/>
           </a:prstGeom>
-          <a:noFill/>
         </p:spPr>
+        <p:style>
+          <a:lnRef idx="2">
+            <a:schemeClr val="dk1">
+              <a:shade val="50000"/>
+            </a:schemeClr>
+          </a:lnRef>
+          <a:fillRef idx="1">
+            <a:schemeClr val="dk1"/>
+          </a:fillRef>
+          <a:effectRef idx="0">
+            <a:schemeClr val="dk1"/>
+          </a:effectRef>
+          <a:fontRef idx="minor">
+            <a:schemeClr val="lt1"/>
+          </a:fontRef>
+        </p:style>
         <p:txBody>
-          <a:bodyPr wrap="square" rtlCol="0">
-            <a:spAutoFit/>
-          </a:bodyPr>
+          <a:bodyPr rtlCol="0" anchor="ctr"/>
           <a:lstStyle/>
           <a:p>
-            <a:r>
-              <a:rPr lang="en-GB" dirty="0"/>
-              <a:t>300 </a:t>
-            </a:r>
-            <a:r>
-              <a:rPr lang="en-GB" dirty="0" err="1"/>
-              <a:t>px</a:t>
-            </a:r>
-            <a:endParaRPr lang="en-DK" dirty="0"/>
-          </a:p>
-        </p:txBody>
-      </p:sp>
-      <p:sp>
-        <p:nvSpPr>
-          <p:cNvPr id="56" name="TextBox 55">
-            <a:extLst>
-              <a:ext uri="{FF2B5EF4-FFF2-40B4-BE49-F238E27FC236}">
-                <a16:creationId xmlns:a16="http://schemas.microsoft.com/office/drawing/2014/main" id="{AFF7A86D-0F91-9DEF-BBCD-77BA4E50C770}"/>
-              </a:ext>
-            </a:extLst>
-          </p:cNvPr>
-          <p:cNvSpPr txBox="1"/>
-          <p:nvPr/>
-        </p:nvSpPr>
-        <p:spPr>
-          <a:xfrm rot="18828670">
-            <a:off x="4158555" y="2662501"/>
-            <a:ext cx="955040" cy="369332"/>
-          </a:xfrm>
-          <a:prstGeom prst="rect">
-            <a:avLst/>
-          </a:prstGeom>
-          <a:noFill/>
-        </p:spPr>
-        <p:txBody>
-          <a:bodyPr wrap="square" rtlCol="0">
-            <a:spAutoFit/>
-          </a:bodyPr>
-          <a:lstStyle/>
-          <a:p>
-            <a:r>
-              <a:rPr lang="en-GB" dirty="0"/>
-              <a:t>300 Hz</a:t>
-            </a:r>
-            <a:endParaRPr lang="en-DK" dirty="0"/>
-          </a:p>
-        </p:txBody>
-      </p:sp>
-      <p:sp>
-        <p:nvSpPr>
-          <p:cNvPr id="57" name="TextBox 56">
-            <a:extLst>
-              <a:ext uri="{FF2B5EF4-FFF2-40B4-BE49-F238E27FC236}">
-                <a16:creationId xmlns:a16="http://schemas.microsoft.com/office/drawing/2014/main" id="{D9A50D9C-549A-4CD7-76B5-5B3D7DCCED0C}"/>
-              </a:ext>
-            </a:extLst>
-          </p:cNvPr>
-          <p:cNvSpPr txBox="1"/>
-          <p:nvPr/>
-        </p:nvSpPr>
-        <p:spPr>
-          <a:xfrm rot="3003862">
-            <a:off x="4094704" y="4360349"/>
-            <a:ext cx="955040" cy="369332"/>
-          </a:xfrm>
-          <a:prstGeom prst="rect">
-            <a:avLst/>
-          </a:prstGeom>
-          <a:noFill/>
-        </p:spPr>
-        <p:txBody>
-          <a:bodyPr wrap="square" rtlCol="0">
-            <a:spAutoFit/>
-          </a:bodyPr>
-          <a:lstStyle/>
-          <a:p>
-            <a:r>
-              <a:rPr lang="en-GB" dirty="0"/>
-              <a:t>350 </a:t>
-            </a:r>
-            <a:r>
-              <a:rPr lang="en-GB" dirty="0" err="1"/>
-              <a:t>px</a:t>
-            </a:r>
-            <a:endParaRPr lang="en-DK" dirty="0"/>
-          </a:p>
-        </p:txBody>
-      </p:sp>
-      <p:sp>
-        <p:nvSpPr>
-          <p:cNvPr id="58" name="TextBox 57">
-            <a:extLst>
-              <a:ext uri="{FF2B5EF4-FFF2-40B4-BE49-F238E27FC236}">
-                <a16:creationId xmlns:a16="http://schemas.microsoft.com/office/drawing/2014/main" id="{65F52B3F-58AA-BD69-4A56-8F74724FB530}"/>
-              </a:ext>
-            </a:extLst>
-          </p:cNvPr>
-          <p:cNvSpPr txBox="1"/>
-          <p:nvPr/>
-        </p:nvSpPr>
-        <p:spPr>
-          <a:xfrm rot="18828670">
-            <a:off x="5164315" y="2664324"/>
-            <a:ext cx="955040" cy="369332"/>
-          </a:xfrm>
-          <a:prstGeom prst="rect">
-            <a:avLst/>
-          </a:prstGeom>
-          <a:noFill/>
-        </p:spPr>
-        <p:txBody>
-          <a:bodyPr wrap="square" rtlCol="0">
-            <a:spAutoFit/>
-          </a:bodyPr>
-          <a:lstStyle/>
-          <a:p>
-            <a:r>
-              <a:rPr lang="en-GB" dirty="0"/>
-              <a:t>600 Hz</a:t>
-            </a:r>
-            <a:endParaRPr lang="en-DK" dirty="0"/>
-          </a:p>
-        </p:txBody>
-      </p:sp>
-      <p:sp>
-        <p:nvSpPr>
-          <p:cNvPr id="59" name="TextBox 58">
-            <a:extLst>
-              <a:ext uri="{FF2B5EF4-FFF2-40B4-BE49-F238E27FC236}">
-                <a16:creationId xmlns:a16="http://schemas.microsoft.com/office/drawing/2014/main" id="{ED5648A4-5379-46B9-1512-41A4070FC955}"/>
-              </a:ext>
-            </a:extLst>
-          </p:cNvPr>
-          <p:cNvSpPr txBox="1"/>
-          <p:nvPr/>
-        </p:nvSpPr>
-        <p:spPr>
-          <a:xfrm rot="3003862">
-            <a:off x="5055192" y="4314627"/>
-            <a:ext cx="955040" cy="369332"/>
-          </a:xfrm>
-          <a:prstGeom prst="rect">
-            <a:avLst/>
-          </a:prstGeom>
-          <a:noFill/>
-        </p:spPr>
-        <p:txBody>
-          <a:bodyPr wrap="square" rtlCol="0">
-            <a:spAutoFit/>
-          </a:bodyPr>
-          <a:lstStyle/>
-          <a:p>
-            <a:r>
-              <a:rPr lang="en-GB" dirty="0"/>
-              <a:t>400 </a:t>
-            </a:r>
-            <a:r>
-              <a:rPr lang="en-GB" dirty="0" err="1"/>
-              <a:t>px</a:t>
-            </a:r>
-            <a:endParaRPr lang="en-DK" dirty="0"/>
-          </a:p>
-        </p:txBody>
-      </p:sp>
-      <p:sp>
-        <p:nvSpPr>
-          <p:cNvPr id="60" name="TextBox 59">
-            <a:extLst>
-              <a:ext uri="{FF2B5EF4-FFF2-40B4-BE49-F238E27FC236}">
-                <a16:creationId xmlns:a16="http://schemas.microsoft.com/office/drawing/2014/main" id="{796A17E4-0317-D975-0C5F-E49F2AC822D6}"/>
-              </a:ext>
-            </a:extLst>
-          </p:cNvPr>
-          <p:cNvSpPr txBox="1"/>
-          <p:nvPr/>
-        </p:nvSpPr>
-        <p:spPr>
-          <a:xfrm rot="18828670">
-            <a:off x="6126625" y="2662500"/>
-            <a:ext cx="955040" cy="369332"/>
-          </a:xfrm>
-          <a:prstGeom prst="rect">
-            <a:avLst/>
-          </a:prstGeom>
-          <a:noFill/>
-        </p:spPr>
-        <p:txBody>
-          <a:bodyPr wrap="square" rtlCol="0">
-            <a:spAutoFit/>
-          </a:bodyPr>
-          <a:lstStyle/>
-          <a:p>
-            <a:r>
-              <a:rPr lang="en-GB" dirty="0"/>
-              <a:t>1k Hz</a:t>
-            </a:r>
-            <a:endParaRPr lang="en-DK" dirty="0"/>
-          </a:p>
-        </p:txBody>
-      </p:sp>
-      <p:sp>
-        <p:nvSpPr>
-          <p:cNvPr id="61" name="TextBox 60">
-            <a:extLst>
-              <a:ext uri="{FF2B5EF4-FFF2-40B4-BE49-F238E27FC236}">
-                <a16:creationId xmlns:a16="http://schemas.microsoft.com/office/drawing/2014/main" id="{E84F4A33-1493-204A-C90C-12840FFE5EAD}"/>
-              </a:ext>
-            </a:extLst>
-          </p:cNvPr>
-          <p:cNvSpPr txBox="1"/>
-          <p:nvPr/>
-        </p:nvSpPr>
-        <p:spPr>
-          <a:xfrm rot="3003862">
-            <a:off x="6062774" y="4360348"/>
-            <a:ext cx="955040" cy="369332"/>
-          </a:xfrm>
-          <a:prstGeom prst="rect">
-            <a:avLst/>
-          </a:prstGeom>
-          <a:noFill/>
-        </p:spPr>
-        <p:txBody>
-          <a:bodyPr wrap="square" rtlCol="0">
-            <a:spAutoFit/>
-          </a:bodyPr>
-          <a:lstStyle/>
-          <a:p>
-            <a:r>
-              <a:rPr lang="en-GB" dirty="0"/>
-              <a:t>450 </a:t>
-            </a:r>
-            <a:r>
-              <a:rPr lang="en-GB" dirty="0" err="1"/>
-              <a:t>px</a:t>
-            </a:r>
-            <a:endParaRPr lang="en-DK" dirty="0"/>
-          </a:p>
-        </p:txBody>
-      </p:sp>
-      <p:sp>
-        <p:nvSpPr>
-          <p:cNvPr id="64" name="TextBox 63">
-            <a:extLst>
-              <a:ext uri="{FF2B5EF4-FFF2-40B4-BE49-F238E27FC236}">
-                <a16:creationId xmlns:a16="http://schemas.microsoft.com/office/drawing/2014/main" id="{736F8A3A-EC71-E546-A0BA-A0CADB447AAE}"/>
-              </a:ext>
-            </a:extLst>
-          </p:cNvPr>
-          <p:cNvSpPr txBox="1"/>
-          <p:nvPr/>
-        </p:nvSpPr>
-        <p:spPr>
-          <a:xfrm rot="18828670">
-            <a:off x="7224761" y="2662500"/>
-            <a:ext cx="955040" cy="369332"/>
-          </a:xfrm>
-          <a:prstGeom prst="rect">
-            <a:avLst/>
-          </a:prstGeom>
-          <a:noFill/>
-        </p:spPr>
-        <p:txBody>
-          <a:bodyPr wrap="square" rtlCol="0">
-            <a:spAutoFit/>
-          </a:bodyPr>
-          <a:lstStyle/>
-          <a:p>
-            <a:r>
-              <a:rPr lang="en-GB" dirty="0"/>
-              <a:t>1.6k Hz</a:t>
-            </a:r>
-            <a:endParaRPr lang="en-DK" dirty="0"/>
-          </a:p>
-        </p:txBody>
-      </p:sp>
-      <p:sp>
-        <p:nvSpPr>
-          <p:cNvPr id="65" name="TextBox 64">
-            <a:extLst>
-              <a:ext uri="{FF2B5EF4-FFF2-40B4-BE49-F238E27FC236}">
-                <a16:creationId xmlns:a16="http://schemas.microsoft.com/office/drawing/2014/main" id="{E3BA26CE-D8C6-E819-D543-89825B953832}"/>
-              </a:ext>
-            </a:extLst>
-          </p:cNvPr>
-          <p:cNvSpPr txBox="1"/>
-          <p:nvPr/>
-        </p:nvSpPr>
-        <p:spPr>
-          <a:xfrm rot="3003862">
-            <a:off x="7160910" y="4360348"/>
-            <a:ext cx="955040" cy="369332"/>
-          </a:xfrm>
-          <a:prstGeom prst="rect">
-            <a:avLst/>
-          </a:prstGeom>
-          <a:noFill/>
-        </p:spPr>
-        <p:txBody>
-          <a:bodyPr wrap="square" rtlCol="0">
-            <a:spAutoFit/>
-          </a:bodyPr>
-          <a:lstStyle/>
-          <a:p>
-            <a:r>
-              <a:rPr lang="en-GB" dirty="0"/>
-              <a:t>500 </a:t>
-            </a:r>
-            <a:r>
-              <a:rPr lang="en-GB" dirty="0" err="1"/>
-              <a:t>px</a:t>
-            </a:r>
-            <a:endParaRPr lang="en-DK" dirty="0"/>
-          </a:p>
-        </p:txBody>
-      </p:sp>
-      <p:sp>
-        <p:nvSpPr>
-          <p:cNvPr id="67" name="TextBox 66">
-            <a:extLst>
-              <a:ext uri="{FF2B5EF4-FFF2-40B4-BE49-F238E27FC236}">
-                <a16:creationId xmlns:a16="http://schemas.microsoft.com/office/drawing/2014/main" id="{EC6A0CF0-E1F7-A4EC-90C4-174A4AB1C607}"/>
-              </a:ext>
-            </a:extLst>
-          </p:cNvPr>
-          <p:cNvSpPr txBox="1"/>
-          <p:nvPr/>
-        </p:nvSpPr>
-        <p:spPr>
-          <a:xfrm rot="3003862">
-            <a:off x="8166672" y="4360347"/>
-            <a:ext cx="955040" cy="369332"/>
-          </a:xfrm>
-          <a:prstGeom prst="rect">
-            <a:avLst/>
-          </a:prstGeom>
-          <a:noFill/>
-        </p:spPr>
-        <p:txBody>
-          <a:bodyPr wrap="square" rtlCol="0">
-            <a:spAutoFit/>
-          </a:bodyPr>
-          <a:lstStyle/>
-          <a:p>
-            <a:r>
-              <a:rPr lang="en-GB" dirty="0"/>
-              <a:t>550 </a:t>
-            </a:r>
-            <a:r>
-              <a:rPr lang="en-GB" dirty="0" err="1"/>
-              <a:t>px</a:t>
-            </a:r>
-            <a:endParaRPr lang="en-DK" dirty="0"/>
-          </a:p>
-        </p:txBody>
-      </p:sp>
-      <p:sp>
-        <p:nvSpPr>
-          <p:cNvPr id="68" name="TextBox 67">
-            <a:extLst>
-              <a:ext uri="{FF2B5EF4-FFF2-40B4-BE49-F238E27FC236}">
-                <a16:creationId xmlns:a16="http://schemas.microsoft.com/office/drawing/2014/main" id="{0E44F9ED-A467-8057-D3D8-741ED33930F3}"/>
-              </a:ext>
-            </a:extLst>
-          </p:cNvPr>
-          <p:cNvSpPr txBox="1"/>
-          <p:nvPr/>
-        </p:nvSpPr>
-        <p:spPr>
-          <a:xfrm rot="18828670">
-            <a:off x="9163001" y="2662498"/>
-            <a:ext cx="955040" cy="369332"/>
-          </a:xfrm>
-          <a:prstGeom prst="rect">
-            <a:avLst/>
-          </a:prstGeom>
-          <a:noFill/>
-        </p:spPr>
-        <p:txBody>
-          <a:bodyPr wrap="square" rtlCol="0">
-            <a:spAutoFit/>
-          </a:bodyPr>
-          <a:lstStyle/>
-          <a:p>
-            <a:r>
-              <a:rPr lang="en-GB" dirty="0"/>
-              <a:t>3.6 Hz</a:t>
-            </a:r>
-            <a:endParaRPr lang="en-DK" dirty="0"/>
-          </a:p>
-        </p:txBody>
-      </p:sp>
-      <p:sp>
-        <p:nvSpPr>
-          <p:cNvPr id="69" name="TextBox 68">
-            <a:extLst>
-              <a:ext uri="{FF2B5EF4-FFF2-40B4-BE49-F238E27FC236}">
-                <a16:creationId xmlns:a16="http://schemas.microsoft.com/office/drawing/2014/main" id="{96E9F45B-89FE-CE3C-BA38-A1C7B625CC8C}"/>
-              </a:ext>
-            </a:extLst>
-          </p:cNvPr>
-          <p:cNvSpPr txBox="1"/>
-          <p:nvPr/>
-        </p:nvSpPr>
-        <p:spPr>
-          <a:xfrm rot="3003862">
-            <a:off x="9099150" y="4360346"/>
-            <a:ext cx="955040" cy="369332"/>
-          </a:xfrm>
-          <a:prstGeom prst="rect">
-            <a:avLst/>
-          </a:prstGeom>
-          <a:noFill/>
-        </p:spPr>
-        <p:txBody>
-          <a:bodyPr wrap="square" rtlCol="0">
-            <a:spAutoFit/>
-          </a:bodyPr>
-          <a:lstStyle/>
-          <a:p>
-            <a:r>
-              <a:rPr lang="en-GB" dirty="0"/>
-              <a:t>600 </a:t>
-            </a:r>
-            <a:r>
-              <a:rPr lang="en-GB" dirty="0" err="1"/>
-              <a:t>px</a:t>
-            </a:r>
-            <a:endParaRPr lang="en-DK" dirty="0"/>
-          </a:p>
-        </p:txBody>
-      </p:sp>
-      <p:sp>
-        <p:nvSpPr>
-          <p:cNvPr id="70" name="TextBox 69">
-            <a:extLst>
-              <a:ext uri="{FF2B5EF4-FFF2-40B4-BE49-F238E27FC236}">
-                <a16:creationId xmlns:a16="http://schemas.microsoft.com/office/drawing/2014/main" id="{82663B7D-C062-4757-6833-2B2A76E47820}"/>
-              </a:ext>
-            </a:extLst>
-          </p:cNvPr>
-          <p:cNvSpPr txBox="1"/>
-          <p:nvPr/>
-        </p:nvSpPr>
-        <p:spPr>
-          <a:xfrm rot="18828670">
-            <a:off x="10108149" y="2616779"/>
-            <a:ext cx="955040" cy="369332"/>
-          </a:xfrm>
-          <a:prstGeom prst="rect">
-            <a:avLst/>
-          </a:prstGeom>
-          <a:noFill/>
-        </p:spPr>
-        <p:txBody>
-          <a:bodyPr wrap="square" rtlCol="0">
-            <a:spAutoFit/>
-          </a:bodyPr>
-          <a:lstStyle/>
-          <a:p>
-            <a:r>
-              <a:rPr lang="en-GB" dirty="0"/>
-              <a:t>5k Hz</a:t>
-            </a:r>
-            <a:endParaRPr lang="en-DK" dirty="0"/>
-          </a:p>
-        </p:txBody>
-      </p:sp>
-      <p:sp>
-        <p:nvSpPr>
-          <p:cNvPr id="71" name="TextBox 70">
-            <a:extLst>
-              <a:ext uri="{FF2B5EF4-FFF2-40B4-BE49-F238E27FC236}">
-                <a16:creationId xmlns:a16="http://schemas.microsoft.com/office/drawing/2014/main" id="{CD15835A-2083-753C-5BAA-2B471DAB8034}"/>
-              </a:ext>
-            </a:extLst>
-          </p:cNvPr>
-          <p:cNvSpPr txBox="1"/>
-          <p:nvPr/>
-        </p:nvSpPr>
-        <p:spPr>
-          <a:xfrm rot="3003862">
-            <a:off x="10044298" y="4314627"/>
-            <a:ext cx="955040" cy="369332"/>
-          </a:xfrm>
-          <a:prstGeom prst="rect">
-            <a:avLst/>
-          </a:prstGeom>
-          <a:noFill/>
-        </p:spPr>
-        <p:txBody>
-          <a:bodyPr wrap="square" rtlCol="0">
-            <a:spAutoFit/>
-          </a:bodyPr>
-          <a:lstStyle/>
-          <a:p>
-            <a:r>
-              <a:rPr lang="en-GB" dirty="0"/>
-              <a:t>650 </a:t>
-            </a:r>
-            <a:r>
-              <a:rPr lang="en-GB" dirty="0" err="1"/>
-              <a:t>px</a:t>
-            </a:r>
-            <a:endParaRPr lang="en-DK" dirty="0"/>
-          </a:p>
-        </p:txBody>
-      </p:sp>
-      <p:sp>
-        <p:nvSpPr>
-          <p:cNvPr id="72" name="TextBox 71">
-            <a:extLst>
-              <a:ext uri="{FF2B5EF4-FFF2-40B4-BE49-F238E27FC236}">
-                <a16:creationId xmlns:a16="http://schemas.microsoft.com/office/drawing/2014/main" id="{B66D48D6-94A8-A368-477D-0E2EA864245A}"/>
-              </a:ext>
-            </a:extLst>
-          </p:cNvPr>
-          <p:cNvSpPr txBox="1"/>
-          <p:nvPr/>
-        </p:nvSpPr>
-        <p:spPr>
-          <a:xfrm rot="18828670">
-            <a:off x="8047702" y="2647075"/>
-            <a:ext cx="955040" cy="369332"/>
-          </a:xfrm>
-          <a:prstGeom prst="rect">
-            <a:avLst/>
-          </a:prstGeom>
-          <a:noFill/>
-        </p:spPr>
-        <p:txBody>
-          <a:bodyPr wrap="square" rtlCol="0">
-            <a:spAutoFit/>
-          </a:bodyPr>
-          <a:lstStyle/>
-          <a:p>
-            <a:r>
-              <a:rPr lang="en-GB" dirty="0"/>
-              <a:t>2.4k Hz</a:t>
-            </a:r>
-            <a:endParaRPr lang="en-DK" dirty="0"/>
+            <a:pPr algn="ctr"/>
+            <a:endParaRPr lang="en-DK"/>
           </a:p>
         </p:txBody>
       </p:sp>
@@ -14784,6 +17451,1999 @@
       </p:grpSpPr>
       <p:sp>
         <p:nvSpPr>
+          <p:cNvPr id="19" name="Title 18">
+            <a:extLst>
+              <a:ext uri="{FF2B5EF4-FFF2-40B4-BE49-F238E27FC236}">
+                <a16:creationId xmlns:a16="http://schemas.microsoft.com/office/drawing/2014/main" id="{B3C8C386-7845-EE50-E749-3AAA44F0DFF8}"/>
+              </a:ext>
+            </a:extLst>
+          </p:cNvPr>
+          <p:cNvSpPr>
+            <a:spLocks noGrp="1"/>
+          </p:cNvSpPr>
+          <p:nvPr>
+            <p:ph type="title"/>
+          </p:nvPr>
+        </p:nvSpPr>
+        <p:spPr>
+          <a:xfrm>
+            <a:off x="838200" y="-384093"/>
+            <a:ext cx="10515600" cy="1325563"/>
+          </a:xfrm>
+        </p:spPr>
+        <p:txBody>
+          <a:bodyPr/>
+          <a:lstStyle/>
+          <a:p>
+            <a:r>
+              <a:rPr lang="en-GB" dirty="0"/>
+              <a:t>Conditions</a:t>
+            </a:r>
+            <a:endParaRPr lang="en-DK" dirty="0"/>
+          </a:p>
+        </p:txBody>
+      </p:sp>
+      <p:sp>
+        <p:nvSpPr>
+          <p:cNvPr id="6" name="Date Placeholder 5">
+            <a:extLst>
+              <a:ext uri="{FF2B5EF4-FFF2-40B4-BE49-F238E27FC236}">
+                <a16:creationId xmlns:a16="http://schemas.microsoft.com/office/drawing/2014/main" id="{3627CC26-34EF-4BB9-B289-9EC56B07D1E6}"/>
+              </a:ext>
+            </a:extLst>
+          </p:cNvPr>
+          <p:cNvSpPr>
+            <a:spLocks noGrp="1"/>
+          </p:cNvSpPr>
+          <p:nvPr>
+            <p:ph type="dt" sz="half" idx="10"/>
+          </p:nvPr>
+        </p:nvSpPr>
+        <p:spPr/>
+        <p:txBody>
+          <a:bodyPr/>
+          <a:lstStyle/>
+          <a:p>
+            <a:r>
+              <a:rPr lang="en-US" dirty="0"/>
+              <a:t>2023</a:t>
+            </a:r>
+          </a:p>
+        </p:txBody>
+      </p:sp>
+      <p:sp>
+        <p:nvSpPr>
+          <p:cNvPr id="7" name="Footer Placeholder 6">
+            <a:extLst>
+              <a:ext uri="{FF2B5EF4-FFF2-40B4-BE49-F238E27FC236}">
+                <a16:creationId xmlns:a16="http://schemas.microsoft.com/office/drawing/2014/main" id="{4E98E6AD-9D37-499C-898E-ED12AC36D31D}"/>
+              </a:ext>
+            </a:extLst>
+          </p:cNvPr>
+          <p:cNvSpPr>
+            <a:spLocks noGrp="1"/>
+          </p:cNvSpPr>
+          <p:nvPr>
+            <p:ph type="ftr" sz="quarter" idx="11"/>
+          </p:nvPr>
+        </p:nvSpPr>
+        <p:spPr/>
+        <p:txBody>
+          <a:bodyPr/>
+          <a:lstStyle/>
+          <a:p>
+            <a:r>
+              <a:rPr lang="en-US" dirty="0"/>
+              <a:t>Crossmodal correspondences mouse tracking</a:t>
+            </a:r>
+          </a:p>
+        </p:txBody>
+      </p:sp>
+      <p:sp>
+        <p:nvSpPr>
+          <p:cNvPr id="8" name="Slide Number Placeholder 7">
+            <a:extLst>
+              <a:ext uri="{FF2B5EF4-FFF2-40B4-BE49-F238E27FC236}">
+                <a16:creationId xmlns:a16="http://schemas.microsoft.com/office/drawing/2014/main" id="{92908AF9-2A07-4B50-BC13-471792106EC8}"/>
+              </a:ext>
+            </a:extLst>
+          </p:cNvPr>
+          <p:cNvSpPr>
+            <a:spLocks noGrp="1"/>
+          </p:cNvSpPr>
+          <p:nvPr>
+            <p:ph type="sldNum" sz="quarter" idx="12"/>
+          </p:nvPr>
+        </p:nvSpPr>
+        <p:spPr/>
+        <p:txBody>
+          <a:bodyPr/>
+          <a:lstStyle/>
+          <a:p>
+            <a:r>
+              <a:rPr lang="en-US" dirty="0"/>
+              <a:t>Laurits Lyngbæk</a:t>
+            </a:r>
+          </a:p>
+        </p:txBody>
+      </p:sp>
+      <p:sp>
+        <p:nvSpPr>
+          <p:cNvPr id="22" name="Freeform: Shape 21">
+            <a:extLst>
+              <a:ext uri="{FF2B5EF4-FFF2-40B4-BE49-F238E27FC236}">
+                <a16:creationId xmlns:a16="http://schemas.microsoft.com/office/drawing/2014/main" id="{BD77EF5A-5930-FF70-7FA4-2DC6A55C9EE7}"/>
+              </a:ext>
+            </a:extLst>
+          </p:cNvPr>
+          <p:cNvSpPr/>
+          <p:nvPr/>
+        </p:nvSpPr>
+        <p:spPr>
+          <a:xfrm>
+            <a:off x="5090308" y="538676"/>
+            <a:ext cx="2011384" cy="603415"/>
+          </a:xfrm>
+          <a:custGeom>
+            <a:avLst/>
+            <a:gdLst>
+              <a:gd name="connsiteX0" fmla="*/ 0 w 2011384"/>
+              <a:gd name="connsiteY0" fmla="*/ 0 h 603415"/>
+              <a:gd name="connsiteX1" fmla="*/ 2011384 w 2011384"/>
+              <a:gd name="connsiteY1" fmla="*/ 0 h 603415"/>
+              <a:gd name="connsiteX2" fmla="*/ 2011384 w 2011384"/>
+              <a:gd name="connsiteY2" fmla="*/ 603415 h 603415"/>
+              <a:gd name="connsiteX3" fmla="*/ 0 w 2011384"/>
+              <a:gd name="connsiteY3" fmla="*/ 603415 h 603415"/>
+              <a:gd name="connsiteX4" fmla="*/ 0 w 2011384"/>
+              <a:gd name="connsiteY4" fmla="*/ 0 h 603415"/>
+            </a:gdLst>
+            <a:ahLst/>
+            <a:cxnLst>
+              <a:cxn ang="0">
+                <a:pos x="connsiteX0" y="connsiteY0"/>
+              </a:cxn>
+              <a:cxn ang="0">
+                <a:pos x="connsiteX1" y="connsiteY1"/>
+              </a:cxn>
+              <a:cxn ang="0">
+                <a:pos x="connsiteX2" y="connsiteY2"/>
+              </a:cxn>
+              <a:cxn ang="0">
+                <a:pos x="connsiteX3" y="connsiteY3"/>
+              </a:cxn>
+              <a:cxn ang="0">
+                <a:pos x="connsiteX4" y="connsiteY4"/>
+              </a:cxn>
+            </a:cxnLst>
+            <a:rect l="l" t="t" r="r" b="b"/>
+            <a:pathLst>
+              <a:path w="2011384" h="603415">
+                <a:moveTo>
+                  <a:pt x="0" y="0"/>
+                </a:moveTo>
+                <a:lnTo>
+                  <a:pt x="2011384" y="0"/>
+                </a:lnTo>
+                <a:lnTo>
+                  <a:pt x="2011384" y="603415"/>
+                </a:lnTo>
+                <a:lnTo>
+                  <a:pt x="0" y="603415"/>
+                </a:lnTo>
+                <a:lnTo>
+                  <a:pt x="0" y="0"/>
+                </a:lnTo>
+                <a:close/>
+              </a:path>
+            </a:pathLst>
+          </a:custGeom>
+        </p:spPr>
+        <p:style>
+          <a:lnRef idx="2">
+            <a:schemeClr val="accent1">
+              <a:hueOff val="0"/>
+              <a:satOff val="0"/>
+              <a:lumOff val="0"/>
+              <a:alphaOff val="0"/>
+            </a:schemeClr>
+          </a:lnRef>
+          <a:fillRef idx="1">
+            <a:schemeClr val="accent1">
+              <a:hueOff val="0"/>
+              <a:satOff val="0"/>
+              <a:lumOff val="0"/>
+              <a:alphaOff val="0"/>
+            </a:schemeClr>
+          </a:fillRef>
+          <a:effectRef idx="0">
+            <a:schemeClr val="accent1">
+              <a:hueOff val="0"/>
+              <a:satOff val="0"/>
+              <a:lumOff val="0"/>
+              <a:alphaOff val="0"/>
+            </a:schemeClr>
+          </a:effectRef>
+          <a:fontRef idx="minor">
+            <a:schemeClr val="lt1"/>
+          </a:fontRef>
+        </p:style>
+        <p:txBody>
+          <a:bodyPr spcFirstLastPara="0" vert="horz" wrap="square" lIns="158944" tIns="158944" rIns="158944" bIns="158944" numCol="1" spcCol="1270" anchor="ctr" anchorCtr="0">
+            <a:noAutofit/>
+          </a:bodyPr>
+          <a:lstStyle/>
+          <a:p>
+            <a:pPr marL="0" lvl="0" indent="0" algn="ctr" defTabSz="914400" rtl="0" eaLnBrk="1" latinLnBrk="0" hangingPunct="1">
+              <a:lnSpc>
+                <a:spcPct val="90000"/>
+              </a:lnSpc>
+              <a:spcBef>
+                <a:spcPct val="0"/>
+              </a:spcBef>
+              <a:spcAft>
+                <a:spcPct val="35000"/>
+              </a:spcAft>
+              <a:buFont typeface="Arial" panose="020B0604020202020204" pitchFamily="34" charset="0"/>
+              <a:buNone/>
+            </a:pPr>
+            <a:r>
+              <a:rPr lang="en-US" sz="1600" kern="1200" spc="150" baseline="0" dirty="0">
+                <a:solidFill>
+                  <a:schemeClr val="tx1"/>
+                </a:solidFill>
+                <a:latin typeface="+mj-lt"/>
+                <a:ea typeface="+mj-ea"/>
+                <a:cs typeface="+mj-cs"/>
+              </a:rPr>
+              <a:t>First Circle +</a:t>
+            </a:r>
+            <a:br>
+              <a:rPr lang="en-US" sz="1600" kern="1200" spc="150" baseline="0" dirty="0">
+                <a:solidFill>
+                  <a:schemeClr val="tx1"/>
+                </a:solidFill>
+                <a:latin typeface="+mj-lt"/>
+                <a:ea typeface="+mj-ea"/>
+                <a:cs typeface="+mj-cs"/>
+              </a:rPr>
+            </a:br>
+            <a:r>
+              <a:rPr lang="en-US" sz="1600" kern="1200" spc="150" baseline="0" dirty="0">
+                <a:solidFill>
+                  <a:schemeClr val="tx1"/>
+                </a:solidFill>
+                <a:latin typeface="+mj-lt"/>
+                <a:ea typeface="+mj-ea"/>
+                <a:cs typeface="+mj-cs"/>
+              </a:rPr>
+              <a:t>Auditory Input</a:t>
+            </a:r>
+          </a:p>
+        </p:txBody>
+      </p:sp>
+      <p:sp>
+        <p:nvSpPr>
+          <p:cNvPr id="23" name="Rectangle 22">
+            <a:extLst>
+              <a:ext uri="{FF2B5EF4-FFF2-40B4-BE49-F238E27FC236}">
+                <a16:creationId xmlns:a16="http://schemas.microsoft.com/office/drawing/2014/main" id="{2A12EBB0-70BC-AB65-C78C-E812A002B326}"/>
+              </a:ext>
+            </a:extLst>
+          </p:cNvPr>
+          <p:cNvSpPr/>
+          <p:nvPr/>
+        </p:nvSpPr>
+        <p:spPr>
+          <a:xfrm>
+            <a:off x="5047964" y="1130712"/>
+            <a:ext cx="2011384" cy="1342166"/>
+          </a:xfrm>
+          <a:prstGeom prst="rect">
+            <a:avLst/>
+          </a:prstGeom>
+        </p:spPr>
+        <p:style>
+          <a:lnRef idx="2">
+            <a:schemeClr val="accent1">
+              <a:alpha val="90000"/>
+              <a:tint val="40000"/>
+              <a:hueOff val="0"/>
+              <a:satOff val="0"/>
+              <a:lumOff val="0"/>
+              <a:alphaOff val="0"/>
+            </a:schemeClr>
+          </a:lnRef>
+          <a:fillRef idx="1">
+            <a:schemeClr val="accent1">
+              <a:alpha val="90000"/>
+              <a:tint val="40000"/>
+              <a:hueOff val="0"/>
+              <a:satOff val="0"/>
+              <a:lumOff val="0"/>
+              <a:alphaOff val="0"/>
+            </a:schemeClr>
+          </a:fillRef>
+          <a:effectRef idx="0">
+            <a:schemeClr val="accent1">
+              <a:alpha val="90000"/>
+              <a:tint val="40000"/>
+              <a:hueOff val="0"/>
+              <a:satOff val="0"/>
+              <a:lumOff val="0"/>
+              <a:alphaOff val="0"/>
+            </a:schemeClr>
+          </a:effectRef>
+          <a:fontRef idx="minor">
+            <a:schemeClr val="dk1">
+              <a:hueOff val="0"/>
+              <a:satOff val="0"/>
+              <a:lumOff val="0"/>
+              <a:alphaOff val="0"/>
+            </a:schemeClr>
+          </a:fontRef>
+        </p:style>
+      </p:sp>
+      <p:sp>
+        <p:nvSpPr>
+          <p:cNvPr id="24" name="Oval 23">
+            <a:extLst>
+              <a:ext uri="{FF2B5EF4-FFF2-40B4-BE49-F238E27FC236}">
+                <a16:creationId xmlns:a16="http://schemas.microsoft.com/office/drawing/2014/main" id="{8414DE4A-B1C4-7D52-F8CC-A091867BD9DF}"/>
+              </a:ext>
+            </a:extLst>
+          </p:cNvPr>
+          <p:cNvSpPr/>
+          <p:nvPr/>
+        </p:nvSpPr>
+        <p:spPr>
+          <a:xfrm>
+            <a:off x="5229499" y="2034907"/>
+            <a:ext cx="413363" cy="365609"/>
+          </a:xfrm>
+          <a:prstGeom prst="ellipse">
+            <a:avLst/>
+          </a:prstGeom>
+        </p:spPr>
+        <p:style>
+          <a:lnRef idx="2">
+            <a:schemeClr val="accent1">
+              <a:shade val="50000"/>
+            </a:schemeClr>
+          </a:lnRef>
+          <a:fillRef idx="1">
+            <a:schemeClr val="accent1"/>
+          </a:fillRef>
+          <a:effectRef idx="0">
+            <a:schemeClr val="accent1"/>
+          </a:effectRef>
+          <a:fontRef idx="minor">
+            <a:schemeClr val="lt1"/>
+          </a:fontRef>
+        </p:style>
+        <p:txBody>
+          <a:bodyPr rtlCol="0" anchor="ctr"/>
+          <a:lstStyle/>
+          <a:p>
+            <a:pPr algn="ctr"/>
+            <a:endParaRPr lang="en-DK"/>
+          </a:p>
+        </p:txBody>
+      </p:sp>
+      <p:pic>
+        <p:nvPicPr>
+          <p:cNvPr id="25" name="Graphic 24" descr="Music outline">
+            <a:extLst>
+              <a:ext uri="{FF2B5EF4-FFF2-40B4-BE49-F238E27FC236}">
+                <a16:creationId xmlns:a16="http://schemas.microsoft.com/office/drawing/2014/main" id="{875D8511-62B3-CFD3-F69D-A90C96B34E3F}"/>
+              </a:ext>
+            </a:extLst>
+          </p:cNvPr>
+          <p:cNvPicPr>
+            <a:picLocks noChangeAspect="1"/>
+          </p:cNvPicPr>
+          <p:nvPr/>
+        </p:nvPicPr>
+        <p:blipFill>
+          <a:blip r:embed="rId2">
+            <a:extLst>
+              <a:ext uri="{96DAC541-7B7A-43D3-8B79-37D633B846F1}">
+                <asvg:svgBlip xmlns:asvg="http://schemas.microsoft.com/office/drawing/2016/SVG/main" r:embed="rId3"/>
+              </a:ext>
+            </a:extLst>
+          </a:blip>
+          <a:stretch>
+            <a:fillRect/>
+          </a:stretch>
+        </p:blipFill>
+        <p:spPr>
+          <a:xfrm>
+            <a:off x="5241566" y="1159359"/>
+            <a:ext cx="351094" cy="351094"/>
+          </a:xfrm>
+          <a:prstGeom prst="rect">
+            <a:avLst/>
+          </a:prstGeom>
+        </p:spPr>
+      </p:pic>
+      <p:sp>
+        <p:nvSpPr>
+          <p:cNvPr id="26" name="Rectangle 25">
+            <a:extLst>
+              <a:ext uri="{FF2B5EF4-FFF2-40B4-BE49-F238E27FC236}">
+                <a16:creationId xmlns:a16="http://schemas.microsoft.com/office/drawing/2014/main" id="{1CB5B6F6-9F84-D7F5-4FFC-E9202F39889A}"/>
+              </a:ext>
+            </a:extLst>
+          </p:cNvPr>
+          <p:cNvSpPr/>
+          <p:nvPr/>
+        </p:nvSpPr>
+        <p:spPr>
+          <a:xfrm>
+            <a:off x="4922218" y="1083167"/>
+            <a:ext cx="1969040" cy="477152"/>
+          </a:xfrm>
+          <a:prstGeom prst="rect">
+            <a:avLst/>
+          </a:prstGeom>
+          <a:noFill/>
+          <a:ln>
+            <a:noFill/>
+          </a:ln>
+        </p:spPr>
+        <p:style>
+          <a:lnRef idx="2">
+            <a:schemeClr val="accent1">
+              <a:shade val="50000"/>
+            </a:schemeClr>
+          </a:lnRef>
+          <a:fillRef idx="1">
+            <a:schemeClr val="accent1"/>
+          </a:fillRef>
+          <a:effectRef idx="0">
+            <a:schemeClr val="accent1"/>
+          </a:effectRef>
+          <a:fontRef idx="minor">
+            <a:schemeClr val="lt1"/>
+          </a:fontRef>
+        </p:style>
+        <p:txBody>
+          <a:bodyPr rtlCol="0" anchor="ctr"/>
+          <a:lstStyle/>
+          <a:p>
+            <a:pPr algn="ctr"/>
+            <a:r>
+              <a:rPr lang="en-US" sz="1100" dirty="0">
+                <a:solidFill>
+                  <a:schemeClr val="tx1"/>
+                </a:solidFill>
+              </a:rPr>
+              <a:t>667 Hz</a:t>
+            </a:r>
+            <a:endParaRPr lang="en-DK" sz="1100" dirty="0">
+              <a:solidFill>
+                <a:schemeClr val="tx1"/>
+              </a:solidFill>
+            </a:endParaRPr>
+          </a:p>
+        </p:txBody>
+      </p:sp>
+      <p:sp>
+        <p:nvSpPr>
+          <p:cNvPr id="28" name="Freeform: Shape 27">
+            <a:extLst>
+              <a:ext uri="{FF2B5EF4-FFF2-40B4-BE49-F238E27FC236}">
+                <a16:creationId xmlns:a16="http://schemas.microsoft.com/office/drawing/2014/main" id="{AEA7E5D3-CE6D-5CF4-240C-757CD0237DF9}"/>
+              </a:ext>
+            </a:extLst>
+          </p:cNvPr>
+          <p:cNvSpPr/>
+          <p:nvPr/>
+        </p:nvSpPr>
+        <p:spPr>
+          <a:xfrm>
+            <a:off x="5034204" y="3908782"/>
+            <a:ext cx="2011384" cy="603415"/>
+          </a:xfrm>
+          <a:custGeom>
+            <a:avLst/>
+            <a:gdLst>
+              <a:gd name="connsiteX0" fmla="*/ 0 w 2011384"/>
+              <a:gd name="connsiteY0" fmla="*/ 0 h 603415"/>
+              <a:gd name="connsiteX1" fmla="*/ 2011384 w 2011384"/>
+              <a:gd name="connsiteY1" fmla="*/ 0 h 603415"/>
+              <a:gd name="connsiteX2" fmla="*/ 2011384 w 2011384"/>
+              <a:gd name="connsiteY2" fmla="*/ 603415 h 603415"/>
+              <a:gd name="connsiteX3" fmla="*/ 0 w 2011384"/>
+              <a:gd name="connsiteY3" fmla="*/ 603415 h 603415"/>
+              <a:gd name="connsiteX4" fmla="*/ 0 w 2011384"/>
+              <a:gd name="connsiteY4" fmla="*/ 0 h 603415"/>
+            </a:gdLst>
+            <a:ahLst/>
+            <a:cxnLst>
+              <a:cxn ang="0">
+                <a:pos x="connsiteX0" y="connsiteY0"/>
+              </a:cxn>
+              <a:cxn ang="0">
+                <a:pos x="connsiteX1" y="connsiteY1"/>
+              </a:cxn>
+              <a:cxn ang="0">
+                <a:pos x="connsiteX2" y="connsiteY2"/>
+              </a:cxn>
+              <a:cxn ang="0">
+                <a:pos x="connsiteX3" y="connsiteY3"/>
+              </a:cxn>
+              <a:cxn ang="0">
+                <a:pos x="connsiteX4" y="connsiteY4"/>
+              </a:cxn>
+            </a:cxnLst>
+            <a:rect l="l" t="t" r="r" b="b"/>
+            <a:pathLst>
+              <a:path w="2011384" h="603415">
+                <a:moveTo>
+                  <a:pt x="0" y="0"/>
+                </a:moveTo>
+                <a:lnTo>
+                  <a:pt x="2011384" y="0"/>
+                </a:lnTo>
+                <a:lnTo>
+                  <a:pt x="2011384" y="603415"/>
+                </a:lnTo>
+                <a:lnTo>
+                  <a:pt x="0" y="603415"/>
+                </a:lnTo>
+                <a:lnTo>
+                  <a:pt x="0" y="0"/>
+                </a:lnTo>
+                <a:close/>
+              </a:path>
+            </a:pathLst>
+          </a:custGeom>
+        </p:spPr>
+        <p:style>
+          <a:lnRef idx="2">
+            <a:schemeClr val="accent1">
+              <a:hueOff val="0"/>
+              <a:satOff val="0"/>
+              <a:lumOff val="0"/>
+              <a:alphaOff val="0"/>
+            </a:schemeClr>
+          </a:lnRef>
+          <a:fillRef idx="1">
+            <a:schemeClr val="accent1">
+              <a:hueOff val="0"/>
+              <a:satOff val="0"/>
+              <a:lumOff val="0"/>
+              <a:alphaOff val="0"/>
+            </a:schemeClr>
+          </a:fillRef>
+          <a:effectRef idx="0">
+            <a:schemeClr val="accent1">
+              <a:hueOff val="0"/>
+              <a:satOff val="0"/>
+              <a:lumOff val="0"/>
+              <a:alphaOff val="0"/>
+            </a:schemeClr>
+          </a:effectRef>
+          <a:fontRef idx="minor">
+            <a:schemeClr val="lt1"/>
+          </a:fontRef>
+        </p:style>
+        <p:txBody>
+          <a:bodyPr spcFirstLastPara="0" vert="horz" wrap="square" lIns="158944" tIns="158944" rIns="158944" bIns="158944" numCol="1" spcCol="1270" anchor="ctr" anchorCtr="0">
+            <a:noAutofit/>
+          </a:bodyPr>
+          <a:lstStyle/>
+          <a:p>
+            <a:pPr marL="0" lvl="0" indent="0" algn="ctr" defTabSz="914400" rtl="0" eaLnBrk="1" latinLnBrk="0" hangingPunct="1">
+              <a:lnSpc>
+                <a:spcPct val="90000"/>
+              </a:lnSpc>
+              <a:spcBef>
+                <a:spcPct val="0"/>
+              </a:spcBef>
+              <a:spcAft>
+                <a:spcPct val="35000"/>
+              </a:spcAft>
+              <a:buFont typeface="Arial" panose="020B0604020202020204" pitchFamily="34" charset="0"/>
+              <a:buNone/>
+            </a:pPr>
+            <a:r>
+              <a:rPr lang="en-US" sz="1600" kern="1200" spc="150" baseline="0" dirty="0">
+                <a:solidFill>
+                  <a:schemeClr val="tx1"/>
+                </a:solidFill>
+                <a:latin typeface="+mj-lt"/>
+                <a:ea typeface="+mj-ea"/>
+                <a:cs typeface="+mj-cs"/>
+              </a:rPr>
+              <a:t>Congruent</a:t>
+            </a:r>
+          </a:p>
+        </p:txBody>
+      </p:sp>
+      <p:sp>
+        <p:nvSpPr>
+          <p:cNvPr id="29" name="Rectangle 28">
+            <a:extLst>
+              <a:ext uri="{FF2B5EF4-FFF2-40B4-BE49-F238E27FC236}">
+                <a16:creationId xmlns:a16="http://schemas.microsoft.com/office/drawing/2014/main" id="{EFE996F1-E0D0-3E3E-C140-54D9DAB3BE64}"/>
+              </a:ext>
+            </a:extLst>
+          </p:cNvPr>
+          <p:cNvSpPr/>
+          <p:nvPr/>
+        </p:nvSpPr>
+        <p:spPr>
+          <a:xfrm>
+            <a:off x="5034204" y="4512197"/>
+            <a:ext cx="2011384" cy="1643532"/>
+          </a:xfrm>
+          <a:prstGeom prst="rect">
+            <a:avLst/>
+          </a:prstGeom>
+        </p:spPr>
+        <p:style>
+          <a:lnRef idx="2">
+            <a:schemeClr val="accent1">
+              <a:alpha val="90000"/>
+              <a:tint val="40000"/>
+              <a:hueOff val="0"/>
+              <a:satOff val="0"/>
+              <a:lumOff val="0"/>
+              <a:alphaOff val="0"/>
+            </a:schemeClr>
+          </a:lnRef>
+          <a:fillRef idx="1">
+            <a:schemeClr val="accent1">
+              <a:alpha val="90000"/>
+              <a:tint val="40000"/>
+              <a:hueOff val="0"/>
+              <a:satOff val="0"/>
+              <a:lumOff val="0"/>
+              <a:alphaOff val="0"/>
+            </a:schemeClr>
+          </a:fillRef>
+          <a:effectRef idx="0">
+            <a:schemeClr val="accent1">
+              <a:alpha val="90000"/>
+              <a:tint val="40000"/>
+              <a:hueOff val="0"/>
+              <a:satOff val="0"/>
+              <a:lumOff val="0"/>
+              <a:alphaOff val="0"/>
+            </a:schemeClr>
+          </a:effectRef>
+          <a:fontRef idx="minor">
+            <a:schemeClr val="dk1">
+              <a:hueOff val="0"/>
+              <a:satOff val="0"/>
+              <a:lumOff val="0"/>
+              <a:alphaOff val="0"/>
+            </a:schemeClr>
+          </a:fontRef>
+        </p:style>
+      </p:sp>
+      <p:sp>
+        <p:nvSpPr>
+          <p:cNvPr id="30" name="Oval 29">
+            <a:extLst>
+              <a:ext uri="{FF2B5EF4-FFF2-40B4-BE49-F238E27FC236}">
+                <a16:creationId xmlns:a16="http://schemas.microsoft.com/office/drawing/2014/main" id="{1A73B77F-D6B5-C6D9-3F8E-6CF55ECD5C22}"/>
+              </a:ext>
+            </a:extLst>
+          </p:cNvPr>
+          <p:cNvSpPr/>
+          <p:nvPr/>
+        </p:nvSpPr>
+        <p:spPr>
+          <a:xfrm>
+            <a:off x="5120968" y="5454000"/>
+            <a:ext cx="413363" cy="365609"/>
+          </a:xfrm>
+          <a:prstGeom prst="ellipse">
+            <a:avLst/>
+          </a:prstGeom>
+        </p:spPr>
+        <p:style>
+          <a:lnRef idx="2">
+            <a:schemeClr val="accent1">
+              <a:shade val="50000"/>
+            </a:schemeClr>
+          </a:lnRef>
+          <a:fillRef idx="1">
+            <a:schemeClr val="accent1"/>
+          </a:fillRef>
+          <a:effectRef idx="0">
+            <a:schemeClr val="accent1"/>
+          </a:effectRef>
+          <a:fontRef idx="minor">
+            <a:schemeClr val="lt1"/>
+          </a:fontRef>
+        </p:style>
+        <p:txBody>
+          <a:bodyPr rtlCol="0" anchor="ctr"/>
+          <a:lstStyle/>
+          <a:p>
+            <a:pPr algn="ctr"/>
+            <a:endParaRPr lang="en-DK"/>
+          </a:p>
+        </p:txBody>
+      </p:sp>
+      <p:pic>
+        <p:nvPicPr>
+          <p:cNvPr id="31" name="Graphic 30" descr="Music outline">
+            <a:extLst>
+              <a:ext uri="{FF2B5EF4-FFF2-40B4-BE49-F238E27FC236}">
+                <a16:creationId xmlns:a16="http://schemas.microsoft.com/office/drawing/2014/main" id="{856C798B-F9D7-8A42-37D0-136E9FBEBEED}"/>
+              </a:ext>
+            </a:extLst>
+          </p:cNvPr>
+          <p:cNvPicPr>
+            <a:picLocks noChangeAspect="1"/>
+          </p:cNvPicPr>
+          <p:nvPr/>
+        </p:nvPicPr>
+        <p:blipFill>
+          <a:blip r:embed="rId2">
+            <a:extLst>
+              <a:ext uri="{96DAC541-7B7A-43D3-8B79-37D633B846F1}">
+                <asvg:svgBlip xmlns:asvg="http://schemas.microsoft.com/office/drawing/2016/SVG/main" r:embed="rId3"/>
+              </a:ext>
+            </a:extLst>
+          </a:blip>
+          <a:stretch>
+            <a:fillRect/>
+          </a:stretch>
+        </p:blipFill>
+        <p:spPr>
+          <a:xfrm>
+            <a:off x="5101417" y="4506323"/>
+            <a:ext cx="351094" cy="351094"/>
+          </a:xfrm>
+          <a:prstGeom prst="rect">
+            <a:avLst/>
+          </a:prstGeom>
+        </p:spPr>
+      </p:pic>
+      <p:sp>
+        <p:nvSpPr>
+          <p:cNvPr id="32" name="Rectangle 31">
+            <a:extLst>
+              <a:ext uri="{FF2B5EF4-FFF2-40B4-BE49-F238E27FC236}">
+                <a16:creationId xmlns:a16="http://schemas.microsoft.com/office/drawing/2014/main" id="{3B8E2385-7E35-1D98-B214-2F41E30CA6B5}"/>
+              </a:ext>
+            </a:extLst>
+          </p:cNvPr>
+          <p:cNvSpPr/>
+          <p:nvPr/>
+        </p:nvSpPr>
+        <p:spPr>
+          <a:xfrm>
+            <a:off x="5020444" y="4443294"/>
+            <a:ext cx="1551806" cy="477152"/>
+          </a:xfrm>
+          <a:prstGeom prst="rect">
+            <a:avLst/>
+          </a:prstGeom>
+          <a:noFill/>
+          <a:ln>
+            <a:noFill/>
+          </a:ln>
+        </p:spPr>
+        <p:style>
+          <a:lnRef idx="2">
+            <a:schemeClr val="accent1">
+              <a:shade val="50000"/>
+            </a:schemeClr>
+          </a:lnRef>
+          <a:fillRef idx="1">
+            <a:schemeClr val="accent1"/>
+          </a:fillRef>
+          <a:effectRef idx="0">
+            <a:schemeClr val="accent1"/>
+          </a:effectRef>
+          <a:fontRef idx="minor">
+            <a:schemeClr val="lt1"/>
+          </a:fontRef>
+        </p:style>
+        <p:txBody>
+          <a:bodyPr rtlCol="0" anchor="ctr"/>
+          <a:lstStyle/>
+          <a:p>
+            <a:pPr algn="ctr"/>
+            <a:r>
+              <a:rPr lang="en-US" sz="1100" dirty="0">
+                <a:solidFill>
+                  <a:schemeClr val="tx1"/>
+                </a:solidFill>
+              </a:rPr>
+              <a:t>1000 Hz</a:t>
+            </a:r>
+            <a:endParaRPr lang="en-DK" sz="1100" dirty="0">
+              <a:solidFill>
+                <a:schemeClr val="tx1"/>
+              </a:solidFill>
+            </a:endParaRPr>
+          </a:p>
+        </p:txBody>
+      </p:sp>
+      <p:sp>
+        <p:nvSpPr>
+          <p:cNvPr id="34" name="Freeform: Shape 33">
+            <a:extLst>
+              <a:ext uri="{FF2B5EF4-FFF2-40B4-BE49-F238E27FC236}">
+                <a16:creationId xmlns:a16="http://schemas.microsoft.com/office/drawing/2014/main" id="{F173E130-81AD-2D7F-74CA-0C099AF475F3}"/>
+              </a:ext>
+            </a:extLst>
+          </p:cNvPr>
+          <p:cNvSpPr/>
+          <p:nvPr/>
+        </p:nvSpPr>
+        <p:spPr>
+          <a:xfrm>
+            <a:off x="9005569" y="3902908"/>
+            <a:ext cx="2011384" cy="603415"/>
+          </a:xfrm>
+          <a:custGeom>
+            <a:avLst/>
+            <a:gdLst>
+              <a:gd name="connsiteX0" fmla="*/ 0 w 2011384"/>
+              <a:gd name="connsiteY0" fmla="*/ 0 h 603415"/>
+              <a:gd name="connsiteX1" fmla="*/ 2011384 w 2011384"/>
+              <a:gd name="connsiteY1" fmla="*/ 0 h 603415"/>
+              <a:gd name="connsiteX2" fmla="*/ 2011384 w 2011384"/>
+              <a:gd name="connsiteY2" fmla="*/ 603415 h 603415"/>
+              <a:gd name="connsiteX3" fmla="*/ 0 w 2011384"/>
+              <a:gd name="connsiteY3" fmla="*/ 603415 h 603415"/>
+              <a:gd name="connsiteX4" fmla="*/ 0 w 2011384"/>
+              <a:gd name="connsiteY4" fmla="*/ 0 h 603415"/>
+            </a:gdLst>
+            <a:ahLst/>
+            <a:cxnLst>
+              <a:cxn ang="0">
+                <a:pos x="connsiteX0" y="connsiteY0"/>
+              </a:cxn>
+              <a:cxn ang="0">
+                <a:pos x="connsiteX1" y="connsiteY1"/>
+              </a:cxn>
+              <a:cxn ang="0">
+                <a:pos x="connsiteX2" y="connsiteY2"/>
+              </a:cxn>
+              <a:cxn ang="0">
+                <a:pos x="connsiteX3" y="connsiteY3"/>
+              </a:cxn>
+              <a:cxn ang="0">
+                <a:pos x="connsiteX4" y="connsiteY4"/>
+              </a:cxn>
+            </a:cxnLst>
+            <a:rect l="l" t="t" r="r" b="b"/>
+            <a:pathLst>
+              <a:path w="2011384" h="603415">
+                <a:moveTo>
+                  <a:pt x="0" y="0"/>
+                </a:moveTo>
+                <a:lnTo>
+                  <a:pt x="2011384" y="0"/>
+                </a:lnTo>
+                <a:lnTo>
+                  <a:pt x="2011384" y="603415"/>
+                </a:lnTo>
+                <a:lnTo>
+                  <a:pt x="0" y="603415"/>
+                </a:lnTo>
+                <a:lnTo>
+                  <a:pt x="0" y="0"/>
+                </a:lnTo>
+                <a:close/>
+              </a:path>
+            </a:pathLst>
+          </a:custGeom>
+        </p:spPr>
+        <p:style>
+          <a:lnRef idx="2">
+            <a:schemeClr val="accent1">
+              <a:hueOff val="0"/>
+              <a:satOff val="0"/>
+              <a:lumOff val="0"/>
+              <a:alphaOff val="0"/>
+            </a:schemeClr>
+          </a:lnRef>
+          <a:fillRef idx="1">
+            <a:schemeClr val="accent1">
+              <a:hueOff val="0"/>
+              <a:satOff val="0"/>
+              <a:lumOff val="0"/>
+              <a:alphaOff val="0"/>
+            </a:schemeClr>
+          </a:fillRef>
+          <a:effectRef idx="0">
+            <a:schemeClr val="accent1">
+              <a:hueOff val="0"/>
+              <a:satOff val="0"/>
+              <a:lumOff val="0"/>
+              <a:alphaOff val="0"/>
+            </a:schemeClr>
+          </a:effectRef>
+          <a:fontRef idx="minor">
+            <a:schemeClr val="lt1"/>
+          </a:fontRef>
+        </p:style>
+        <p:txBody>
+          <a:bodyPr spcFirstLastPara="0" vert="horz" wrap="square" lIns="158944" tIns="158944" rIns="158944" bIns="158944" numCol="1" spcCol="1270" anchor="ctr" anchorCtr="0">
+            <a:noAutofit/>
+          </a:bodyPr>
+          <a:lstStyle/>
+          <a:p>
+            <a:pPr marL="0" lvl="0" indent="0" algn="ctr" defTabSz="914400" rtl="0" eaLnBrk="1" latinLnBrk="0" hangingPunct="1">
+              <a:lnSpc>
+                <a:spcPct val="90000"/>
+              </a:lnSpc>
+              <a:spcBef>
+                <a:spcPct val="0"/>
+              </a:spcBef>
+              <a:spcAft>
+                <a:spcPct val="35000"/>
+              </a:spcAft>
+              <a:buFont typeface="Arial" panose="020B0604020202020204" pitchFamily="34" charset="0"/>
+              <a:buNone/>
+            </a:pPr>
+            <a:r>
+              <a:rPr lang="en-US" sz="1600" kern="1200" spc="150" baseline="0" dirty="0">
+                <a:solidFill>
+                  <a:schemeClr val="tx1"/>
+                </a:solidFill>
+                <a:latin typeface="+mj-lt"/>
+                <a:ea typeface="+mj-ea"/>
+                <a:cs typeface="+mj-cs"/>
+              </a:rPr>
+              <a:t>Exaggerated</a:t>
+            </a:r>
+          </a:p>
+        </p:txBody>
+      </p:sp>
+      <p:sp>
+        <p:nvSpPr>
+          <p:cNvPr id="35" name="Rectangle 34">
+            <a:extLst>
+              <a:ext uri="{FF2B5EF4-FFF2-40B4-BE49-F238E27FC236}">
+                <a16:creationId xmlns:a16="http://schemas.microsoft.com/office/drawing/2014/main" id="{A5B94970-0163-465E-BF1A-B5F86A8A8FD8}"/>
+              </a:ext>
+            </a:extLst>
+          </p:cNvPr>
+          <p:cNvSpPr/>
+          <p:nvPr/>
+        </p:nvSpPr>
+        <p:spPr>
+          <a:xfrm>
+            <a:off x="9005569" y="4506323"/>
+            <a:ext cx="2011384" cy="1643532"/>
+          </a:xfrm>
+          <a:prstGeom prst="rect">
+            <a:avLst/>
+          </a:prstGeom>
+        </p:spPr>
+        <p:style>
+          <a:lnRef idx="2">
+            <a:schemeClr val="accent1">
+              <a:alpha val="90000"/>
+              <a:tint val="40000"/>
+              <a:hueOff val="0"/>
+              <a:satOff val="0"/>
+              <a:lumOff val="0"/>
+              <a:alphaOff val="0"/>
+            </a:schemeClr>
+          </a:lnRef>
+          <a:fillRef idx="1">
+            <a:schemeClr val="accent1">
+              <a:alpha val="90000"/>
+              <a:tint val="40000"/>
+              <a:hueOff val="0"/>
+              <a:satOff val="0"/>
+              <a:lumOff val="0"/>
+              <a:alphaOff val="0"/>
+            </a:schemeClr>
+          </a:fillRef>
+          <a:effectRef idx="0">
+            <a:schemeClr val="accent1">
+              <a:alpha val="90000"/>
+              <a:tint val="40000"/>
+              <a:hueOff val="0"/>
+              <a:satOff val="0"/>
+              <a:lumOff val="0"/>
+              <a:alphaOff val="0"/>
+            </a:schemeClr>
+          </a:effectRef>
+          <a:fontRef idx="minor">
+            <a:schemeClr val="dk1">
+              <a:hueOff val="0"/>
+              <a:satOff val="0"/>
+              <a:lumOff val="0"/>
+              <a:alphaOff val="0"/>
+            </a:schemeClr>
+          </a:fontRef>
+        </p:style>
+      </p:sp>
+      <p:sp>
+        <p:nvSpPr>
+          <p:cNvPr id="36" name="Oval 35">
+            <a:extLst>
+              <a:ext uri="{FF2B5EF4-FFF2-40B4-BE49-F238E27FC236}">
+                <a16:creationId xmlns:a16="http://schemas.microsoft.com/office/drawing/2014/main" id="{5C47DC66-9C0B-5327-872A-EFD34674BCF5}"/>
+              </a:ext>
+            </a:extLst>
+          </p:cNvPr>
+          <p:cNvSpPr/>
+          <p:nvPr/>
+        </p:nvSpPr>
+        <p:spPr>
+          <a:xfrm>
+            <a:off x="9073268" y="5454000"/>
+            <a:ext cx="413363" cy="365609"/>
+          </a:xfrm>
+          <a:prstGeom prst="ellipse">
+            <a:avLst/>
+          </a:prstGeom>
+        </p:spPr>
+        <p:style>
+          <a:lnRef idx="2">
+            <a:schemeClr val="accent1">
+              <a:shade val="50000"/>
+            </a:schemeClr>
+          </a:lnRef>
+          <a:fillRef idx="1">
+            <a:schemeClr val="accent1"/>
+          </a:fillRef>
+          <a:effectRef idx="0">
+            <a:schemeClr val="accent1"/>
+          </a:effectRef>
+          <a:fontRef idx="minor">
+            <a:schemeClr val="lt1"/>
+          </a:fontRef>
+        </p:style>
+        <p:txBody>
+          <a:bodyPr rtlCol="0" anchor="ctr"/>
+          <a:lstStyle/>
+          <a:p>
+            <a:pPr algn="ctr"/>
+            <a:endParaRPr lang="en-DK"/>
+          </a:p>
+        </p:txBody>
+      </p:sp>
+      <p:pic>
+        <p:nvPicPr>
+          <p:cNvPr id="37" name="Graphic 36" descr="Music outline">
+            <a:extLst>
+              <a:ext uri="{FF2B5EF4-FFF2-40B4-BE49-F238E27FC236}">
+                <a16:creationId xmlns:a16="http://schemas.microsoft.com/office/drawing/2014/main" id="{8DDF70E3-A905-825D-02C6-2E038158C4AE}"/>
+              </a:ext>
+            </a:extLst>
+          </p:cNvPr>
+          <p:cNvPicPr>
+            <a:picLocks noChangeAspect="1"/>
+          </p:cNvPicPr>
+          <p:nvPr/>
+        </p:nvPicPr>
+        <p:blipFill>
+          <a:blip r:embed="rId2">
+            <a:extLst>
+              <a:ext uri="{96DAC541-7B7A-43D3-8B79-37D633B846F1}">
+                <asvg:svgBlip xmlns:asvg="http://schemas.microsoft.com/office/drawing/2016/SVG/main" r:embed="rId3"/>
+              </a:ext>
+            </a:extLst>
+          </a:blip>
+          <a:stretch>
+            <a:fillRect/>
+          </a:stretch>
+        </p:blipFill>
+        <p:spPr>
+          <a:xfrm>
+            <a:off x="9072782" y="4500449"/>
+            <a:ext cx="351094" cy="351094"/>
+          </a:xfrm>
+          <a:prstGeom prst="rect">
+            <a:avLst/>
+          </a:prstGeom>
+        </p:spPr>
+      </p:pic>
+      <p:sp>
+        <p:nvSpPr>
+          <p:cNvPr id="38" name="Rectangle 37">
+            <a:extLst>
+              <a:ext uri="{FF2B5EF4-FFF2-40B4-BE49-F238E27FC236}">
+                <a16:creationId xmlns:a16="http://schemas.microsoft.com/office/drawing/2014/main" id="{2BABBA5D-217A-0EFD-24BF-E3FD633D0292}"/>
+              </a:ext>
+            </a:extLst>
+          </p:cNvPr>
+          <p:cNvSpPr/>
+          <p:nvPr/>
+        </p:nvSpPr>
+        <p:spPr>
+          <a:xfrm>
+            <a:off x="8991809" y="4437420"/>
+            <a:ext cx="1504741" cy="477152"/>
+          </a:xfrm>
+          <a:prstGeom prst="rect">
+            <a:avLst/>
+          </a:prstGeom>
+          <a:noFill/>
+          <a:ln>
+            <a:noFill/>
+          </a:ln>
+        </p:spPr>
+        <p:style>
+          <a:lnRef idx="2">
+            <a:schemeClr val="accent1">
+              <a:shade val="50000"/>
+            </a:schemeClr>
+          </a:lnRef>
+          <a:fillRef idx="1">
+            <a:schemeClr val="accent1"/>
+          </a:fillRef>
+          <a:effectRef idx="0">
+            <a:schemeClr val="accent1"/>
+          </a:effectRef>
+          <a:fontRef idx="minor">
+            <a:schemeClr val="lt1"/>
+          </a:fontRef>
+        </p:style>
+        <p:txBody>
+          <a:bodyPr rtlCol="0" anchor="ctr"/>
+          <a:lstStyle/>
+          <a:p>
+            <a:pPr algn="ctr"/>
+            <a:r>
+              <a:rPr lang="en-US" sz="1100" dirty="0">
+                <a:solidFill>
+                  <a:schemeClr val="tx1"/>
+                </a:solidFill>
+              </a:rPr>
+              <a:t>1333 Hz</a:t>
+            </a:r>
+            <a:endParaRPr lang="en-DK" sz="1100" dirty="0">
+              <a:solidFill>
+                <a:schemeClr val="tx1"/>
+              </a:solidFill>
+            </a:endParaRPr>
+          </a:p>
+        </p:txBody>
+      </p:sp>
+      <p:sp>
+        <p:nvSpPr>
+          <p:cNvPr id="39" name="Freeform: Shape 38">
+            <a:extLst>
+              <a:ext uri="{FF2B5EF4-FFF2-40B4-BE49-F238E27FC236}">
+                <a16:creationId xmlns:a16="http://schemas.microsoft.com/office/drawing/2014/main" id="{D0E21903-928E-8B74-FD3F-FF22421327F9}"/>
+              </a:ext>
+            </a:extLst>
+          </p:cNvPr>
+          <p:cNvSpPr/>
+          <p:nvPr/>
+        </p:nvSpPr>
+        <p:spPr>
+          <a:xfrm>
+            <a:off x="1108814" y="3908782"/>
+            <a:ext cx="2011384" cy="603415"/>
+          </a:xfrm>
+          <a:custGeom>
+            <a:avLst/>
+            <a:gdLst>
+              <a:gd name="connsiteX0" fmla="*/ 0 w 2011384"/>
+              <a:gd name="connsiteY0" fmla="*/ 0 h 603415"/>
+              <a:gd name="connsiteX1" fmla="*/ 2011384 w 2011384"/>
+              <a:gd name="connsiteY1" fmla="*/ 0 h 603415"/>
+              <a:gd name="connsiteX2" fmla="*/ 2011384 w 2011384"/>
+              <a:gd name="connsiteY2" fmla="*/ 603415 h 603415"/>
+              <a:gd name="connsiteX3" fmla="*/ 0 w 2011384"/>
+              <a:gd name="connsiteY3" fmla="*/ 603415 h 603415"/>
+              <a:gd name="connsiteX4" fmla="*/ 0 w 2011384"/>
+              <a:gd name="connsiteY4" fmla="*/ 0 h 603415"/>
+            </a:gdLst>
+            <a:ahLst/>
+            <a:cxnLst>
+              <a:cxn ang="0">
+                <a:pos x="connsiteX0" y="connsiteY0"/>
+              </a:cxn>
+              <a:cxn ang="0">
+                <a:pos x="connsiteX1" y="connsiteY1"/>
+              </a:cxn>
+              <a:cxn ang="0">
+                <a:pos x="connsiteX2" y="connsiteY2"/>
+              </a:cxn>
+              <a:cxn ang="0">
+                <a:pos x="connsiteX3" y="connsiteY3"/>
+              </a:cxn>
+              <a:cxn ang="0">
+                <a:pos x="connsiteX4" y="connsiteY4"/>
+              </a:cxn>
+            </a:cxnLst>
+            <a:rect l="l" t="t" r="r" b="b"/>
+            <a:pathLst>
+              <a:path w="2011384" h="603415">
+                <a:moveTo>
+                  <a:pt x="0" y="0"/>
+                </a:moveTo>
+                <a:lnTo>
+                  <a:pt x="2011384" y="0"/>
+                </a:lnTo>
+                <a:lnTo>
+                  <a:pt x="2011384" y="603415"/>
+                </a:lnTo>
+                <a:lnTo>
+                  <a:pt x="0" y="603415"/>
+                </a:lnTo>
+                <a:lnTo>
+                  <a:pt x="0" y="0"/>
+                </a:lnTo>
+                <a:close/>
+              </a:path>
+            </a:pathLst>
+          </a:custGeom>
+        </p:spPr>
+        <p:style>
+          <a:lnRef idx="2">
+            <a:schemeClr val="accent1">
+              <a:hueOff val="0"/>
+              <a:satOff val="0"/>
+              <a:lumOff val="0"/>
+              <a:alphaOff val="0"/>
+            </a:schemeClr>
+          </a:lnRef>
+          <a:fillRef idx="1">
+            <a:schemeClr val="accent1">
+              <a:hueOff val="0"/>
+              <a:satOff val="0"/>
+              <a:lumOff val="0"/>
+              <a:alphaOff val="0"/>
+            </a:schemeClr>
+          </a:fillRef>
+          <a:effectRef idx="0">
+            <a:schemeClr val="accent1">
+              <a:hueOff val="0"/>
+              <a:satOff val="0"/>
+              <a:lumOff val="0"/>
+              <a:alphaOff val="0"/>
+            </a:schemeClr>
+          </a:effectRef>
+          <a:fontRef idx="minor">
+            <a:schemeClr val="lt1"/>
+          </a:fontRef>
+        </p:style>
+        <p:txBody>
+          <a:bodyPr spcFirstLastPara="0" vert="horz" wrap="square" lIns="158944" tIns="158944" rIns="158944" bIns="158944" numCol="1" spcCol="1270" anchor="ctr" anchorCtr="0">
+            <a:noAutofit/>
+          </a:bodyPr>
+          <a:lstStyle/>
+          <a:p>
+            <a:pPr marL="0" lvl="0" indent="0" algn="ctr" defTabSz="914400" rtl="0" eaLnBrk="1" latinLnBrk="0" hangingPunct="1">
+              <a:lnSpc>
+                <a:spcPct val="90000"/>
+              </a:lnSpc>
+              <a:spcBef>
+                <a:spcPct val="0"/>
+              </a:spcBef>
+              <a:spcAft>
+                <a:spcPct val="35000"/>
+              </a:spcAft>
+              <a:buFont typeface="Arial" panose="020B0604020202020204" pitchFamily="34" charset="0"/>
+              <a:buNone/>
+            </a:pPr>
+            <a:r>
+              <a:rPr lang="en-US" sz="1600" kern="1200" spc="150" baseline="0" dirty="0">
+                <a:solidFill>
+                  <a:schemeClr val="tx1"/>
+                </a:solidFill>
+                <a:latin typeface="+mj-lt"/>
+                <a:ea typeface="+mj-ea"/>
+                <a:cs typeface="+mj-cs"/>
+              </a:rPr>
+              <a:t>Incongruent</a:t>
+            </a:r>
+          </a:p>
+        </p:txBody>
+      </p:sp>
+      <p:sp>
+        <p:nvSpPr>
+          <p:cNvPr id="40" name="Rectangle 39">
+            <a:extLst>
+              <a:ext uri="{FF2B5EF4-FFF2-40B4-BE49-F238E27FC236}">
+                <a16:creationId xmlns:a16="http://schemas.microsoft.com/office/drawing/2014/main" id="{C858143E-0F4E-66AB-C19F-D6A20B1EBDB8}"/>
+              </a:ext>
+            </a:extLst>
+          </p:cNvPr>
+          <p:cNvSpPr/>
+          <p:nvPr/>
+        </p:nvSpPr>
+        <p:spPr>
+          <a:xfrm>
+            <a:off x="1119923" y="4525831"/>
+            <a:ext cx="2011384" cy="1643532"/>
+          </a:xfrm>
+          <a:prstGeom prst="rect">
+            <a:avLst/>
+          </a:prstGeom>
+        </p:spPr>
+        <p:style>
+          <a:lnRef idx="2">
+            <a:schemeClr val="accent1">
+              <a:alpha val="90000"/>
+              <a:tint val="40000"/>
+              <a:hueOff val="0"/>
+              <a:satOff val="0"/>
+              <a:lumOff val="0"/>
+              <a:alphaOff val="0"/>
+            </a:schemeClr>
+          </a:lnRef>
+          <a:fillRef idx="1">
+            <a:schemeClr val="accent1">
+              <a:alpha val="90000"/>
+              <a:tint val="40000"/>
+              <a:hueOff val="0"/>
+              <a:satOff val="0"/>
+              <a:lumOff val="0"/>
+              <a:alphaOff val="0"/>
+            </a:schemeClr>
+          </a:fillRef>
+          <a:effectRef idx="0">
+            <a:schemeClr val="accent1">
+              <a:alpha val="90000"/>
+              <a:tint val="40000"/>
+              <a:hueOff val="0"/>
+              <a:satOff val="0"/>
+              <a:lumOff val="0"/>
+              <a:alphaOff val="0"/>
+            </a:schemeClr>
+          </a:effectRef>
+          <a:fontRef idx="minor">
+            <a:schemeClr val="dk1">
+              <a:hueOff val="0"/>
+              <a:satOff val="0"/>
+              <a:lumOff val="0"/>
+              <a:alphaOff val="0"/>
+            </a:schemeClr>
+          </a:fontRef>
+        </p:style>
+      </p:sp>
+      <p:sp>
+        <p:nvSpPr>
+          <p:cNvPr id="41" name="Oval 40">
+            <a:extLst>
+              <a:ext uri="{FF2B5EF4-FFF2-40B4-BE49-F238E27FC236}">
+                <a16:creationId xmlns:a16="http://schemas.microsoft.com/office/drawing/2014/main" id="{E82556FB-BED5-DEF6-0BBD-6ADB99B5CFC3}"/>
+              </a:ext>
+            </a:extLst>
+          </p:cNvPr>
+          <p:cNvSpPr/>
+          <p:nvPr/>
+        </p:nvSpPr>
+        <p:spPr>
+          <a:xfrm>
+            <a:off x="1175047" y="5454958"/>
+            <a:ext cx="413363" cy="365609"/>
+          </a:xfrm>
+          <a:prstGeom prst="ellipse">
+            <a:avLst/>
+          </a:prstGeom>
+        </p:spPr>
+        <p:style>
+          <a:lnRef idx="2">
+            <a:schemeClr val="accent1">
+              <a:shade val="50000"/>
+            </a:schemeClr>
+          </a:lnRef>
+          <a:fillRef idx="1">
+            <a:schemeClr val="accent1"/>
+          </a:fillRef>
+          <a:effectRef idx="0">
+            <a:schemeClr val="accent1"/>
+          </a:effectRef>
+          <a:fontRef idx="minor">
+            <a:schemeClr val="lt1"/>
+          </a:fontRef>
+        </p:style>
+        <p:txBody>
+          <a:bodyPr rtlCol="0" anchor="ctr"/>
+          <a:lstStyle/>
+          <a:p>
+            <a:pPr algn="ctr"/>
+            <a:endParaRPr lang="en-DK"/>
+          </a:p>
+        </p:txBody>
+      </p:sp>
+      <p:pic>
+        <p:nvPicPr>
+          <p:cNvPr id="42" name="Graphic 41" descr="Music outline">
+            <a:extLst>
+              <a:ext uri="{FF2B5EF4-FFF2-40B4-BE49-F238E27FC236}">
+                <a16:creationId xmlns:a16="http://schemas.microsoft.com/office/drawing/2014/main" id="{2B871273-0663-34D0-CFBD-778776E0D0B7}"/>
+              </a:ext>
+            </a:extLst>
+          </p:cNvPr>
+          <p:cNvPicPr>
+            <a:picLocks noChangeAspect="1"/>
+          </p:cNvPicPr>
+          <p:nvPr/>
+        </p:nvPicPr>
+        <p:blipFill>
+          <a:blip r:embed="rId2">
+            <a:extLst>
+              <a:ext uri="{96DAC541-7B7A-43D3-8B79-37D633B846F1}">
+                <asvg:svgBlip xmlns:asvg="http://schemas.microsoft.com/office/drawing/2016/SVG/main" r:embed="rId3"/>
+              </a:ext>
+            </a:extLst>
+          </a:blip>
+          <a:stretch>
+            <a:fillRect/>
+          </a:stretch>
+        </p:blipFill>
+        <p:spPr>
+          <a:xfrm>
+            <a:off x="1206181" y="4507200"/>
+            <a:ext cx="351094" cy="351094"/>
+          </a:xfrm>
+          <a:prstGeom prst="rect">
+            <a:avLst/>
+          </a:prstGeom>
+        </p:spPr>
+      </p:pic>
+      <p:sp>
+        <p:nvSpPr>
+          <p:cNvPr id="43" name="Rectangle 42">
+            <a:extLst>
+              <a:ext uri="{FF2B5EF4-FFF2-40B4-BE49-F238E27FC236}">
+                <a16:creationId xmlns:a16="http://schemas.microsoft.com/office/drawing/2014/main" id="{C700A08E-ABF3-6C42-A367-4C989F3358A9}"/>
+              </a:ext>
+            </a:extLst>
+          </p:cNvPr>
+          <p:cNvSpPr/>
+          <p:nvPr/>
+        </p:nvSpPr>
+        <p:spPr>
+          <a:xfrm>
+            <a:off x="1095054" y="4443294"/>
+            <a:ext cx="1969040" cy="477152"/>
+          </a:xfrm>
+          <a:prstGeom prst="rect">
+            <a:avLst/>
+          </a:prstGeom>
+          <a:noFill/>
+          <a:ln>
+            <a:noFill/>
+          </a:ln>
+        </p:spPr>
+        <p:style>
+          <a:lnRef idx="2">
+            <a:schemeClr val="accent1">
+              <a:shade val="50000"/>
+            </a:schemeClr>
+          </a:lnRef>
+          <a:fillRef idx="1">
+            <a:schemeClr val="accent1"/>
+          </a:fillRef>
+          <a:effectRef idx="0">
+            <a:schemeClr val="accent1"/>
+          </a:effectRef>
+          <a:fontRef idx="minor">
+            <a:schemeClr val="lt1"/>
+          </a:fontRef>
+        </p:style>
+        <p:txBody>
+          <a:bodyPr rtlCol="0" anchor="ctr"/>
+          <a:lstStyle/>
+          <a:p>
+            <a:pPr algn="ctr"/>
+            <a:endParaRPr lang="en-DK" sz="1100" dirty="0">
+              <a:solidFill>
+                <a:schemeClr val="tx1"/>
+              </a:solidFill>
+            </a:endParaRPr>
+          </a:p>
+        </p:txBody>
+      </p:sp>
+      <p:sp>
+        <p:nvSpPr>
+          <p:cNvPr id="45" name="Rectangle 44">
+            <a:extLst>
+              <a:ext uri="{FF2B5EF4-FFF2-40B4-BE49-F238E27FC236}">
+                <a16:creationId xmlns:a16="http://schemas.microsoft.com/office/drawing/2014/main" id="{EE5E31E2-E4B4-A34E-D2A0-B0401AC1AD6C}"/>
+              </a:ext>
+            </a:extLst>
+          </p:cNvPr>
+          <p:cNvSpPr/>
+          <p:nvPr/>
+        </p:nvSpPr>
+        <p:spPr>
+          <a:xfrm>
+            <a:off x="5111480" y="2007105"/>
+            <a:ext cx="1969040" cy="477152"/>
+          </a:xfrm>
+          <a:prstGeom prst="rect">
+            <a:avLst/>
+          </a:prstGeom>
+          <a:noFill/>
+          <a:ln>
+            <a:noFill/>
+          </a:ln>
+        </p:spPr>
+        <p:style>
+          <a:lnRef idx="2">
+            <a:schemeClr val="accent1">
+              <a:shade val="50000"/>
+            </a:schemeClr>
+          </a:lnRef>
+          <a:fillRef idx="1">
+            <a:schemeClr val="accent1"/>
+          </a:fillRef>
+          <a:effectRef idx="0">
+            <a:schemeClr val="accent1"/>
+          </a:effectRef>
+          <a:fontRef idx="minor">
+            <a:schemeClr val="lt1"/>
+          </a:fontRef>
+        </p:style>
+        <p:txBody>
+          <a:bodyPr rtlCol="0" anchor="ctr"/>
+          <a:lstStyle/>
+          <a:p>
+            <a:pPr algn="ctr"/>
+            <a:r>
+              <a:rPr lang="en-US" sz="1100" dirty="0">
+                <a:solidFill>
+                  <a:schemeClr val="tx1"/>
+                </a:solidFill>
+              </a:rPr>
+              <a:t>2.8 degrees</a:t>
+            </a:r>
+            <a:endParaRPr lang="en-DK" sz="1100" dirty="0">
+              <a:solidFill>
+                <a:schemeClr val="tx1"/>
+              </a:solidFill>
+            </a:endParaRPr>
+          </a:p>
+        </p:txBody>
+      </p:sp>
+      <p:cxnSp>
+        <p:nvCxnSpPr>
+          <p:cNvPr id="47" name="Straight Connector 46">
+            <a:extLst>
+              <a:ext uri="{FF2B5EF4-FFF2-40B4-BE49-F238E27FC236}">
+                <a16:creationId xmlns:a16="http://schemas.microsoft.com/office/drawing/2014/main" id="{5AE60FF8-31E7-156C-AC1A-B2C77B305A3C}"/>
+              </a:ext>
+            </a:extLst>
+          </p:cNvPr>
+          <p:cNvCxnSpPr>
+            <a:cxnSpLocks/>
+          </p:cNvCxnSpPr>
+          <p:nvPr/>
+        </p:nvCxnSpPr>
+        <p:spPr>
+          <a:xfrm flipV="1">
+            <a:off x="1990165" y="3095412"/>
+            <a:ext cx="8021096" cy="24306"/>
+          </a:xfrm>
+          <a:prstGeom prst="line">
+            <a:avLst/>
+          </a:prstGeom>
+          <a:ln/>
+        </p:spPr>
+        <p:style>
+          <a:lnRef idx="1">
+            <a:schemeClr val="dk1"/>
+          </a:lnRef>
+          <a:fillRef idx="0">
+            <a:schemeClr val="dk1"/>
+          </a:fillRef>
+          <a:effectRef idx="0">
+            <a:schemeClr val="dk1"/>
+          </a:effectRef>
+          <a:fontRef idx="minor">
+            <a:schemeClr val="tx1"/>
+          </a:fontRef>
+        </p:style>
+      </p:cxnSp>
+      <p:cxnSp>
+        <p:nvCxnSpPr>
+          <p:cNvPr id="52" name="Straight Arrow Connector 51">
+            <a:extLst>
+              <a:ext uri="{FF2B5EF4-FFF2-40B4-BE49-F238E27FC236}">
+                <a16:creationId xmlns:a16="http://schemas.microsoft.com/office/drawing/2014/main" id="{6862257E-7E72-C2BC-E99E-37290D942037}"/>
+              </a:ext>
+            </a:extLst>
+          </p:cNvPr>
+          <p:cNvCxnSpPr>
+            <a:stCxn id="23" idx="2"/>
+          </p:cNvCxnSpPr>
+          <p:nvPr/>
+        </p:nvCxnSpPr>
+        <p:spPr>
+          <a:xfrm flipH="1">
+            <a:off x="6039896" y="2472878"/>
+            <a:ext cx="13760" cy="1451422"/>
+          </a:xfrm>
+          <a:prstGeom prst="straightConnector1">
+            <a:avLst/>
+          </a:prstGeom>
+          <a:ln>
+            <a:tailEnd type="triangle"/>
+          </a:ln>
+        </p:spPr>
+        <p:style>
+          <a:lnRef idx="1">
+            <a:schemeClr val="dk1"/>
+          </a:lnRef>
+          <a:fillRef idx="0">
+            <a:schemeClr val="dk1"/>
+          </a:fillRef>
+          <a:effectRef idx="0">
+            <a:schemeClr val="dk1"/>
+          </a:effectRef>
+          <a:fontRef idx="minor">
+            <a:schemeClr val="tx1"/>
+          </a:fontRef>
+        </p:style>
+      </p:cxnSp>
+      <p:cxnSp>
+        <p:nvCxnSpPr>
+          <p:cNvPr id="53" name="Straight Arrow Connector 52">
+            <a:extLst>
+              <a:ext uri="{FF2B5EF4-FFF2-40B4-BE49-F238E27FC236}">
+                <a16:creationId xmlns:a16="http://schemas.microsoft.com/office/drawing/2014/main" id="{A201A84B-6C8F-F867-42EE-FE0B7C479336}"/>
+              </a:ext>
+            </a:extLst>
+          </p:cNvPr>
+          <p:cNvCxnSpPr>
+            <a:cxnSpLocks/>
+          </p:cNvCxnSpPr>
+          <p:nvPr/>
+        </p:nvCxnSpPr>
+        <p:spPr>
+          <a:xfrm flipH="1">
+            <a:off x="1976405" y="3119718"/>
+            <a:ext cx="13760" cy="775430"/>
+          </a:xfrm>
+          <a:prstGeom prst="straightConnector1">
+            <a:avLst/>
+          </a:prstGeom>
+          <a:ln>
+            <a:tailEnd type="triangle"/>
+          </a:ln>
+        </p:spPr>
+        <p:style>
+          <a:lnRef idx="1">
+            <a:schemeClr val="dk1"/>
+          </a:lnRef>
+          <a:fillRef idx="0">
+            <a:schemeClr val="dk1"/>
+          </a:fillRef>
+          <a:effectRef idx="0">
+            <a:schemeClr val="dk1"/>
+          </a:effectRef>
+          <a:fontRef idx="minor">
+            <a:schemeClr val="tx1"/>
+          </a:fontRef>
+        </p:style>
+      </p:cxnSp>
+      <p:sp>
+        <p:nvSpPr>
+          <p:cNvPr id="56" name="Rectangle 55">
+            <a:extLst>
+              <a:ext uri="{FF2B5EF4-FFF2-40B4-BE49-F238E27FC236}">
+                <a16:creationId xmlns:a16="http://schemas.microsoft.com/office/drawing/2014/main" id="{F000EA7E-7198-84B2-0EDB-D3BC0733D9E7}"/>
+              </a:ext>
+            </a:extLst>
+          </p:cNvPr>
+          <p:cNvSpPr/>
+          <p:nvPr/>
+        </p:nvSpPr>
+        <p:spPr>
+          <a:xfrm>
+            <a:off x="1164918" y="4420927"/>
+            <a:ext cx="1311582" cy="477152"/>
+          </a:xfrm>
+          <a:prstGeom prst="rect">
+            <a:avLst/>
+          </a:prstGeom>
+          <a:noFill/>
+          <a:ln>
+            <a:noFill/>
+          </a:ln>
+        </p:spPr>
+        <p:style>
+          <a:lnRef idx="2">
+            <a:schemeClr val="accent1">
+              <a:shade val="50000"/>
+            </a:schemeClr>
+          </a:lnRef>
+          <a:fillRef idx="1">
+            <a:schemeClr val="accent1"/>
+          </a:fillRef>
+          <a:effectRef idx="0">
+            <a:schemeClr val="accent1"/>
+          </a:effectRef>
+          <a:fontRef idx="minor">
+            <a:schemeClr val="lt1"/>
+          </a:fontRef>
+        </p:style>
+        <p:txBody>
+          <a:bodyPr rtlCol="0" anchor="ctr"/>
+          <a:lstStyle/>
+          <a:p>
+            <a:pPr algn="ctr"/>
+            <a:r>
+              <a:rPr lang="en-US" sz="1100" dirty="0">
+                <a:solidFill>
+                  <a:schemeClr val="tx1"/>
+                </a:solidFill>
+              </a:rPr>
+              <a:t>444 Hz</a:t>
+            </a:r>
+            <a:endParaRPr lang="en-DK" sz="1100" dirty="0">
+              <a:solidFill>
+                <a:schemeClr val="tx1"/>
+              </a:solidFill>
+            </a:endParaRPr>
+          </a:p>
+        </p:txBody>
+      </p:sp>
+      <p:sp>
+        <p:nvSpPr>
+          <p:cNvPr id="57" name="Rectangle 56">
+            <a:extLst>
+              <a:ext uri="{FF2B5EF4-FFF2-40B4-BE49-F238E27FC236}">
+                <a16:creationId xmlns:a16="http://schemas.microsoft.com/office/drawing/2014/main" id="{B769B331-8FEC-64F7-57E4-7EA4DF8693D1}"/>
+              </a:ext>
+            </a:extLst>
+          </p:cNvPr>
+          <p:cNvSpPr/>
+          <p:nvPr/>
+        </p:nvSpPr>
+        <p:spPr>
+          <a:xfrm>
+            <a:off x="5010576" y="5398228"/>
+            <a:ext cx="1969040" cy="477152"/>
+          </a:xfrm>
+          <a:prstGeom prst="rect">
+            <a:avLst/>
+          </a:prstGeom>
+          <a:noFill/>
+          <a:ln>
+            <a:noFill/>
+          </a:ln>
+        </p:spPr>
+        <p:style>
+          <a:lnRef idx="2">
+            <a:schemeClr val="accent1">
+              <a:shade val="50000"/>
+            </a:schemeClr>
+          </a:lnRef>
+          <a:fillRef idx="1">
+            <a:schemeClr val="accent1"/>
+          </a:fillRef>
+          <a:effectRef idx="0">
+            <a:schemeClr val="accent1"/>
+          </a:effectRef>
+          <a:fontRef idx="minor">
+            <a:schemeClr val="lt1"/>
+          </a:fontRef>
+        </p:style>
+        <p:txBody>
+          <a:bodyPr rtlCol="0" anchor="ctr"/>
+          <a:lstStyle/>
+          <a:p>
+            <a:pPr algn="ctr"/>
+            <a:r>
+              <a:rPr lang="en-US" sz="1100" dirty="0">
+                <a:solidFill>
+                  <a:schemeClr val="tx1"/>
+                </a:solidFill>
+              </a:rPr>
+              <a:t>3.1 degrees</a:t>
+            </a:r>
+            <a:endParaRPr lang="en-DK" sz="1100" dirty="0">
+              <a:solidFill>
+                <a:schemeClr val="tx1"/>
+              </a:solidFill>
+            </a:endParaRPr>
+          </a:p>
+        </p:txBody>
+      </p:sp>
+      <p:sp>
+        <p:nvSpPr>
+          <p:cNvPr id="58" name="Rectangle 57">
+            <a:extLst>
+              <a:ext uri="{FF2B5EF4-FFF2-40B4-BE49-F238E27FC236}">
+                <a16:creationId xmlns:a16="http://schemas.microsoft.com/office/drawing/2014/main" id="{48747908-B0E6-9E5D-C623-7F1513C55B7C}"/>
+              </a:ext>
+            </a:extLst>
+          </p:cNvPr>
+          <p:cNvSpPr/>
+          <p:nvPr/>
+        </p:nvSpPr>
+        <p:spPr>
+          <a:xfrm>
+            <a:off x="1052513" y="5394169"/>
+            <a:ext cx="1969040" cy="477152"/>
+          </a:xfrm>
+          <a:prstGeom prst="rect">
+            <a:avLst/>
+          </a:prstGeom>
+          <a:noFill/>
+          <a:ln>
+            <a:noFill/>
+          </a:ln>
+        </p:spPr>
+        <p:style>
+          <a:lnRef idx="2">
+            <a:schemeClr val="accent1">
+              <a:shade val="50000"/>
+            </a:schemeClr>
+          </a:lnRef>
+          <a:fillRef idx="1">
+            <a:schemeClr val="accent1"/>
+          </a:fillRef>
+          <a:effectRef idx="0">
+            <a:schemeClr val="accent1"/>
+          </a:effectRef>
+          <a:fontRef idx="minor">
+            <a:schemeClr val="lt1"/>
+          </a:fontRef>
+        </p:style>
+        <p:txBody>
+          <a:bodyPr rtlCol="0" anchor="ctr"/>
+          <a:lstStyle/>
+          <a:p>
+            <a:pPr algn="ctr"/>
+            <a:r>
+              <a:rPr lang="en-US" sz="1100" dirty="0">
+                <a:solidFill>
+                  <a:schemeClr val="tx1"/>
+                </a:solidFill>
+              </a:rPr>
+              <a:t>3.1 degrees</a:t>
+            </a:r>
+            <a:endParaRPr lang="en-DK" sz="1100" dirty="0">
+              <a:solidFill>
+                <a:schemeClr val="tx1"/>
+              </a:solidFill>
+            </a:endParaRPr>
+          </a:p>
+        </p:txBody>
+      </p:sp>
+      <p:sp>
+        <p:nvSpPr>
+          <p:cNvPr id="59" name="Rectangle 58">
+            <a:extLst>
+              <a:ext uri="{FF2B5EF4-FFF2-40B4-BE49-F238E27FC236}">
+                <a16:creationId xmlns:a16="http://schemas.microsoft.com/office/drawing/2014/main" id="{70B5FB10-293B-CBCD-BEF2-E824F0F62A43}"/>
+              </a:ext>
+            </a:extLst>
+          </p:cNvPr>
+          <p:cNvSpPr/>
+          <p:nvPr/>
+        </p:nvSpPr>
+        <p:spPr>
+          <a:xfrm>
+            <a:off x="8892769" y="5394169"/>
+            <a:ext cx="1969040" cy="477152"/>
+          </a:xfrm>
+          <a:prstGeom prst="rect">
+            <a:avLst/>
+          </a:prstGeom>
+          <a:noFill/>
+          <a:ln>
+            <a:noFill/>
+          </a:ln>
+        </p:spPr>
+        <p:style>
+          <a:lnRef idx="2">
+            <a:schemeClr val="accent1">
+              <a:shade val="50000"/>
+            </a:schemeClr>
+          </a:lnRef>
+          <a:fillRef idx="1">
+            <a:schemeClr val="accent1"/>
+          </a:fillRef>
+          <a:effectRef idx="0">
+            <a:schemeClr val="accent1"/>
+          </a:effectRef>
+          <a:fontRef idx="minor">
+            <a:schemeClr val="lt1"/>
+          </a:fontRef>
+        </p:style>
+        <p:txBody>
+          <a:bodyPr rtlCol="0" anchor="ctr"/>
+          <a:lstStyle/>
+          <a:p>
+            <a:pPr algn="ctr"/>
+            <a:r>
+              <a:rPr lang="en-US" sz="1100" dirty="0">
+                <a:solidFill>
+                  <a:schemeClr val="tx1"/>
+                </a:solidFill>
+              </a:rPr>
+              <a:t>3.1 degrees</a:t>
+            </a:r>
+            <a:endParaRPr lang="en-DK" sz="1100" dirty="0">
+              <a:solidFill>
+                <a:schemeClr val="tx1"/>
+              </a:solidFill>
+            </a:endParaRPr>
+          </a:p>
+        </p:txBody>
+      </p:sp>
+      <p:cxnSp>
+        <p:nvCxnSpPr>
+          <p:cNvPr id="61" name="Straight Arrow Connector 60">
+            <a:extLst>
+              <a:ext uri="{FF2B5EF4-FFF2-40B4-BE49-F238E27FC236}">
+                <a16:creationId xmlns:a16="http://schemas.microsoft.com/office/drawing/2014/main" id="{135E90FE-E8A2-55CB-1E73-83A19BC4CCBF}"/>
+              </a:ext>
+            </a:extLst>
+          </p:cNvPr>
+          <p:cNvCxnSpPr>
+            <a:cxnSpLocks/>
+          </p:cNvCxnSpPr>
+          <p:nvPr/>
+        </p:nvCxnSpPr>
+        <p:spPr>
+          <a:xfrm flipH="1">
+            <a:off x="9995383" y="3100664"/>
+            <a:ext cx="13760" cy="775430"/>
+          </a:xfrm>
+          <a:prstGeom prst="straightConnector1">
+            <a:avLst/>
+          </a:prstGeom>
+          <a:ln>
+            <a:tailEnd type="triangle"/>
+          </a:ln>
+        </p:spPr>
+        <p:style>
+          <a:lnRef idx="1">
+            <a:schemeClr val="dk1"/>
+          </a:lnRef>
+          <a:fillRef idx="0">
+            <a:schemeClr val="dk1"/>
+          </a:fillRef>
+          <a:effectRef idx="0">
+            <a:schemeClr val="dk1"/>
+          </a:effectRef>
+          <a:fontRef idx="minor">
+            <a:schemeClr val="tx1"/>
+          </a:fontRef>
+        </p:style>
+      </p:cxnSp>
+    </p:spTree>
+    <p:extLst>
+      <p:ext uri="{BB962C8B-B14F-4D97-AF65-F5344CB8AC3E}">
+        <p14:creationId xmlns:p14="http://schemas.microsoft.com/office/powerpoint/2010/main" val="3070723275"/>
+      </p:ext>
+    </p:extLst>
+  </p:cSld>
+  <p:clrMapOvr>
+    <a:masterClrMapping/>
+  </p:clrMapOvr>
+</p:sld>
+</file>
+
+<file path=ppt/slides/slide4.xml><?xml version="1.0" encoding="utf-8"?>
+<p:sld xmlns:a="http://schemas.openxmlformats.org/drawingml/2006/main" xmlns:r="http://schemas.openxmlformats.org/officeDocument/2006/relationships" xmlns:p="http://schemas.openxmlformats.org/presentationml/2006/main">
+  <p:cSld>
+    <p:spTree>
+      <p:nvGrpSpPr>
+        <p:cNvPr id="1" name=""/>
+        <p:cNvGrpSpPr/>
+        <p:nvPr/>
+      </p:nvGrpSpPr>
+      <p:grpSpPr>
+        <a:xfrm>
+          <a:off x="0" y="0"/>
+          <a:ext cx="0" cy="0"/>
+          <a:chOff x="0" y="0"/>
+          <a:chExt cx="0" cy="0"/>
+        </a:xfrm>
+      </p:grpSpPr>
+      <p:sp>
+        <p:nvSpPr>
           <p:cNvPr id="3" name="Title 2">
             <a:extLst>
               <a:ext uri="{FF2B5EF4-FFF2-40B4-BE49-F238E27FC236}">
@@ -14941,7 +19601,7 @@
             <a:fld id="{A49DFD55-3C28-40EF-9E31-A92D2E4017FF}" type="slidenum">
               <a:rPr lang="en-US" smtClean="0"/>
               <a:pPr/>
-              <a:t>3</a:t>
+              <a:t>4</a:t>
             </a:fld>
             <a:endParaRPr lang="en-US" dirty="0"/>
           </a:p>
@@ -15287,7 +19947,7 @@
         </p:blipFill>
         <p:spPr>
           <a:xfrm>
-            <a:off x="6715453" y="3490933"/>
+            <a:off x="6766813" y="3457898"/>
             <a:ext cx="351094" cy="351094"/>
           </a:xfrm>
           <a:prstGeom prst="rect">
@@ -16276,6 +20936,15 @@
 </file>
 
 <file path=customXml/item1.xml><?xml version="1.0" encoding="utf-8"?>
+<?mso-contentType ?>
+<FormTemplates xmlns="http://schemas.microsoft.com/sharepoint/v3/contenttype/forms">
+  <Display>DocumentLibraryForm</Display>
+  <Edit>DocumentLibraryForm</Edit>
+  <New>DocumentLibraryForm</New>
+</FormTemplates>
+</file>
+
+<file path=customXml/item2.xml><?xml version="1.0" encoding="utf-8"?>
 <ct:contentTypeSchema xmlns:ct="http://schemas.microsoft.com/office/2006/metadata/contentType" xmlns:ma="http://schemas.microsoft.com/office/2006/metadata/properties/metaAttributes" ct:_="" ma:_="" ma:contentTypeName="Dokument" ma:contentTypeID="0x0101007006544E267174488A99DBE38BB53F5D" ma:contentTypeVersion="4" ma:contentTypeDescription="Opret et nyt dokument." ma:contentTypeScope="" ma:versionID="ad9888c7c804b6603d0fb6dd7322a458">
   <xsd:schema xmlns:xsd="http://www.w3.org/2001/XMLSchema" xmlns:xs="http://www.w3.org/2001/XMLSchema" xmlns:p="http://schemas.microsoft.com/office/2006/metadata/properties" xmlns:ns3="3ac9dd4d-e794-4504-a97e-80f10a0f4692" targetNamespace="http://schemas.microsoft.com/office/2006/metadata/properties" ma:root="true" ma:fieldsID="3f51463ae9d1823c8aa3da30292d25ec" ns3:_="">
     <xsd:import namespace="3ac9dd4d-e794-4504-a97e-80f10a0f4692"/>
@@ -16421,15 +21090,6 @@
 </ct:contentTypeSchema>
 </file>
 
-<file path=customXml/item2.xml><?xml version="1.0" encoding="utf-8"?>
-<?mso-contentType ?>
-<FormTemplates xmlns="http://schemas.microsoft.com/sharepoint/v3/contenttype/forms">
-  <Display>DocumentLibraryForm</Display>
-  <Edit>DocumentLibraryForm</Edit>
-  <New>DocumentLibraryForm</New>
-</FormTemplates>
-</file>
-
 <file path=customXml/item3.xml><?xml version="1.0" encoding="utf-8"?>
 <p:properties xmlns:p="http://schemas.microsoft.com/office/2006/metadata/properties" xmlns:xsi="http://www.w3.org/2001/XMLSchema-instance" xmlns:pc="http://schemas.microsoft.com/office/infopath/2007/PartnerControls">
   <documentManagement>
@@ -16439,6 +21099,14 @@
 </file>
 
 <file path=customXml/itemProps1.xml><?xml version="1.0" encoding="utf-8"?>
+<ds:datastoreItem xmlns:ds="http://schemas.openxmlformats.org/officeDocument/2006/customXml" ds:itemID="{0FD6FE22-81A0-4500-AFD0-342D21BB9A2C}">
+  <ds:schemaRefs>
+    <ds:schemaRef ds:uri="http://schemas.microsoft.com/sharepoint/v3/contenttype/forms"/>
+  </ds:schemaRefs>
+</ds:datastoreItem>
+</file>
+
+<file path=customXml/itemProps2.xml><?xml version="1.0" encoding="utf-8"?>
 <ds:datastoreItem xmlns:ds="http://schemas.openxmlformats.org/officeDocument/2006/customXml" ds:itemID="{B56F0215-E1D6-41EC-9EA0-1E67E0335F7A}">
   <ds:schemaRefs>
     <ds:schemaRef ds:uri="http://schemas.microsoft.com/office/2006/metadata/contentType"/>
@@ -16452,14 +21120,6 @@
     <ds:schemaRef ds:uri="http://purl.org/dc/elements/1.1/"/>
     <ds:schemaRef ds:uri="http://purl.org/dc/terms/"/>
     <ds:schemaRef ds:uri="http://schemas.microsoft.com/internal/obd"/>
-  </ds:schemaRefs>
-</ds:datastoreItem>
-</file>
-
-<file path=customXml/itemProps2.xml><?xml version="1.0" encoding="utf-8"?>
-<ds:datastoreItem xmlns:ds="http://schemas.openxmlformats.org/officeDocument/2006/customXml" ds:itemID="{0FD6FE22-81A0-4500-AFD0-342D21BB9A2C}">
-  <ds:schemaRefs>
-    <ds:schemaRef ds:uri="http://schemas.microsoft.com/sharepoint/v3/contenttype/forms"/>
   </ds:schemaRefs>
 </ds:datastoreItem>
 </file>
